--- a/CS150 final presentation.pptx
+++ b/CS150 final presentation.pptx
@@ -5,7 +5,7 @@
     <p:sldMasterId id="2147483660" r:id="rId1"/>
   </p:sldMasterIdLst>
   <p:notesMasterIdLst>
-    <p:notesMasterId r:id="rId21"/>
+    <p:notesMasterId r:id="rId26"/>
   </p:notesMasterIdLst>
   <p:sldIdLst>
     <p:sldId id="256" r:id="rId2"/>
@@ -27,6 +27,11 @@
     <p:sldId id="272" r:id="rId18"/>
     <p:sldId id="273" r:id="rId19"/>
     <p:sldId id="274" r:id="rId20"/>
+    <p:sldId id="276" r:id="rId21"/>
+    <p:sldId id="282" r:id="rId22"/>
+    <p:sldId id="286" r:id="rId23"/>
+    <p:sldId id="287" r:id="rId24"/>
+    <p:sldId id="288" r:id="rId25"/>
   </p:sldIdLst>
   <p:sldSz cx="12192000" cy="6858000"/>
   <p:notesSz cx="6858000" cy="9144000"/>
@@ -133,6 +138,905 @@
 </p:presentation>
 </file>
 
+<file path=ppt/revisionInfo.xml><?xml version="1.0" encoding="utf-8"?>
+<p1510:revInfo xmlns:a="http://schemas.openxmlformats.org/drawingml/2006/main" xmlns:r="http://schemas.openxmlformats.org/officeDocument/2006/relationships" xmlns:p1510="http://schemas.microsoft.com/office/powerpoint/2015/10/main">
+  <p1510:revLst>
+    <p1510:client id="{8189495D-DF35-42A8-AD02-82C80B370ABE}" v="125" dt="2025-04-21T22:48:45.371"/>
+  </p1510:revLst>
+</p1510:revInfo>
+</file>
+
+<file path=ppt/changesInfos/changesInfo1.xml><?xml version="1.0" encoding="utf-8"?>
+<pc:chgInfo xmlns:a="http://schemas.openxmlformats.org/drawingml/2006/main" xmlns:r="http://schemas.openxmlformats.org/officeDocument/2006/relationships" xmlns:ac="http://schemas.microsoft.com/office/drawing/2013/main/command" xmlns:pc="http://schemas.microsoft.com/office/powerpoint/2013/main/command">
+  <pc:docChgLst>
+    <pc:chgData name="Sharon, Eyal L" userId="8b1667f7-6931-49c5-bd1c-41fa75a64d14" providerId="ADAL" clId="{8189495D-DF35-42A8-AD02-82C80B370ABE}"/>
+    <pc:docChg chg="undo custSel addSld delSld modSld sldOrd">
+      <pc:chgData name="Sharon, Eyal L" userId="8b1667f7-6931-49c5-bd1c-41fa75a64d14" providerId="ADAL" clId="{8189495D-DF35-42A8-AD02-82C80B370ABE}" dt="2025-04-21T22:48:58.810" v="2784" actId="478"/>
+      <pc:docMkLst>
+        <pc:docMk/>
+      </pc:docMkLst>
+      <pc:sldChg chg="addSp delSp modSp add del mod">
+        <pc:chgData name="Sharon, Eyal L" userId="8b1667f7-6931-49c5-bd1c-41fa75a64d14" providerId="ADAL" clId="{8189495D-DF35-42A8-AD02-82C80B370ABE}" dt="2025-04-21T22:04:32.123" v="2208" actId="47"/>
+        <pc:sldMkLst>
+          <pc:docMk/>
+          <pc:sldMk cId="211984019" sldId="275"/>
+        </pc:sldMkLst>
+        <pc:spChg chg="del">
+          <ac:chgData name="Sharon, Eyal L" userId="8b1667f7-6931-49c5-bd1c-41fa75a64d14" providerId="ADAL" clId="{8189495D-DF35-42A8-AD02-82C80B370ABE}" dt="2025-04-21T20:57:42.785" v="1" actId="478"/>
+          <ac:spMkLst>
+            <pc:docMk/>
+            <pc:sldMk cId="211984019" sldId="275"/>
+            <ac:spMk id="2" creationId="{6F30D6AC-0D44-99AE-2CC1-F68E35F2BB0D}"/>
+          </ac:spMkLst>
+        </pc:spChg>
+        <pc:spChg chg="del">
+          <ac:chgData name="Sharon, Eyal L" userId="8b1667f7-6931-49c5-bd1c-41fa75a64d14" providerId="ADAL" clId="{8189495D-DF35-42A8-AD02-82C80B370ABE}" dt="2025-04-21T20:57:42.785" v="1" actId="478"/>
+          <ac:spMkLst>
+            <pc:docMk/>
+            <pc:sldMk cId="211984019" sldId="275"/>
+            <ac:spMk id="3" creationId="{D68A4569-5BFA-89C6-FA8F-4E519CC7D9A0}"/>
+          </ac:spMkLst>
+        </pc:spChg>
+        <pc:spChg chg="add mod">
+          <ac:chgData name="Sharon, Eyal L" userId="8b1667f7-6931-49c5-bd1c-41fa75a64d14" providerId="ADAL" clId="{8189495D-DF35-42A8-AD02-82C80B370ABE}" dt="2025-04-21T20:59:16.019" v="174" actId="20577"/>
+          <ac:spMkLst>
+            <pc:docMk/>
+            <pc:sldMk cId="211984019" sldId="275"/>
+            <ac:spMk id="5" creationId="{8BCA5CBA-8F4F-84FD-4B91-32726013D28D}"/>
+          </ac:spMkLst>
+        </pc:spChg>
+        <pc:spChg chg="add del mod">
+          <ac:chgData name="Sharon, Eyal L" userId="8b1667f7-6931-49c5-bd1c-41fa75a64d14" providerId="ADAL" clId="{8189495D-DF35-42A8-AD02-82C80B370ABE}" dt="2025-04-21T21:59:59.244" v="1868" actId="20577"/>
+          <ac:spMkLst>
+            <pc:docMk/>
+            <pc:sldMk cId="211984019" sldId="275"/>
+            <ac:spMk id="7" creationId="{AB711CCC-36BF-B265-7239-392246BB9DAB}"/>
+          </ac:spMkLst>
+        </pc:spChg>
+        <pc:spChg chg="add mod">
+          <ac:chgData name="Sharon, Eyal L" userId="8b1667f7-6931-49c5-bd1c-41fa75a64d14" providerId="ADAL" clId="{8189495D-DF35-42A8-AD02-82C80B370ABE}" dt="2025-04-21T21:07:50.994" v="919" actId="478"/>
+          <ac:spMkLst>
+            <pc:docMk/>
+            <pc:sldMk cId="211984019" sldId="275"/>
+            <ac:spMk id="8" creationId="{AA8461F4-6D83-49D6-7FF8-00E7FFC7DD50}"/>
+          </ac:spMkLst>
+        </pc:spChg>
+        <pc:spChg chg="add del mod">
+          <ac:chgData name="Sharon, Eyal L" userId="8b1667f7-6931-49c5-bd1c-41fa75a64d14" providerId="ADAL" clId="{8189495D-DF35-42A8-AD02-82C80B370ABE}" dt="2025-04-21T21:58:39.536" v="1788" actId="478"/>
+          <ac:spMkLst>
+            <pc:docMk/>
+            <pc:sldMk cId="211984019" sldId="275"/>
+            <ac:spMk id="10" creationId="{57D1E719-5B46-5517-6B61-413D42734A51}"/>
+          </ac:spMkLst>
+        </pc:spChg>
+        <pc:spChg chg="add del mod">
+          <ac:chgData name="Sharon, Eyal L" userId="8b1667f7-6931-49c5-bd1c-41fa75a64d14" providerId="ADAL" clId="{8189495D-DF35-42A8-AD02-82C80B370ABE}" dt="2025-04-21T21:58:39.536" v="1788" actId="478"/>
+          <ac:spMkLst>
+            <pc:docMk/>
+            <pc:sldMk cId="211984019" sldId="275"/>
+            <ac:spMk id="22" creationId="{1BF6F263-B317-BA25-900D-4D914E3305F3}"/>
+          </ac:spMkLst>
+        </pc:spChg>
+        <pc:spChg chg="add del mod">
+          <ac:chgData name="Sharon, Eyal L" userId="8b1667f7-6931-49c5-bd1c-41fa75a64d14" providerId="ADAL" clId="{8189495D-DF35-42A8-AD02-82C80B370ABE}" dt="2025-04-21T21:58:39.536" v="1788" actId="478"/>
+          <ac:spMkLst>
+            <pc:docMk/>
+            <pc:sldMk cId="211984019" sldId="275"/>
+            <ac:spMk id="23" creationId="{8EFD608D-2475-F18C-7C4E-C39E51AAC417}"/>
+          </ac:spMkLst>
+        </pc:spChg>
+        <pc:spChg chg="add del mod">
+          <ac:chgData name="Sharon, Eyal L" userId="8b1667f7-6931-49c5-bd1c-41fa75a64d14" providerId="ADAL" clId="{8189495D-DF35-42A8-AD02-82C80B370ABE}" dt="2025-04-21T21:58:39.536" v="1788" actId="478"/>
+          <ac:spMkLst>
+            <pc:docMk/>
+            <pc:sldMk cId="211984019" sldId="275"/>
+            <ac:spMk id="24" creationId="{1497E172-495D-057D-04DB-B1B36A44D40C}"/>
+          </ac:spMkLst>
+        </pc:spChg>
+        <pc:spChg chg="add del mod">
+          <ac:chgData name="Sharon, Eyal L" userId="8b1667f7-6931-49c5-bd1c-41fa75a64d14" providerId="ADAL" clId="{8189495D-DF35-42A8-AD02-82C80B370ABE}" dt="2025-04-21T21:58:25.526" v="1784" actId="478"/>
+          <ac:spMkLst>
+            <pc:docMk/>
+            <pc:sldMk cId="211984019" sldId="275"/>
+            <ac:spMk id="26" creationId="{BCC04F4B-9A1A-0289-A759-7AB9C7C53349}"/>
+          </ac:spMkLst>
+        </pc:spChg>
+        <pc:picChg chg="add del mod">
+          <ac:chgData name="Sharon, Eyal L" userId="8b1667f7-6931-49c5-bd1c-41fa75a64d14" providerId="ADAL" clId="{8189495D-DF35-42A8-AD02-82C80B370ABE}" dt="2025-04-21T21:08:40.083" v="942" actId="478"/>
+          <ac:picMkLst>
+            <pc:docMk/>
+            <pc:sldMk cId="211984019" sldId="275"/>
+            <ac:picMk id="9" creationId="{4E14D69D-1B12-F6C7-AD36-D15CD243CD98}"/>
+          </ac:picMkLst>
+        </pc:picChg>
+        <pc:picChg chg="add del">
+          <ac:chgData name="Sharon, Eyal L" userId="8b1667f7-6931-49c5-bd1c-41fa75a64d14" providerId="ADAL" clId="{8189495D-DF35-42A8-AD02-82C80B370ABE}" dt="2025-04-21T21:41:09.600" v="1069" actId="478"/>
+          <ac:picMkLst>
+            <pc:docMk/>
+            <pc:sldMk cId="211984019" sldId="275"/>
+            <ac:picMk id="12" creationId="{8601F452-96B6-17CD-5DDA-0B61D463C410}"/>
+          </ac:picMkLst>
+        </pc:picChg>
+        <pc:picChg chg="del">
+          <ac:chgData name="Sharon, Eyal L" userId="8b1667f7-6931-49c5-bd1c-41fa75a64d14" providerId="ADAL" clId="{8189495D-DF35-42A8-AD02-82C80B370ABE}" dt="2025-04-21T20:57:42.785" v="1" actId="478"/>
+          <ac:picMkLst>
+            <pc:docMk/>
+            <pc:sldMk cId="211984019" sldId="275"/>
+            <ac:picMk id="13" creationId="{E0A78FDC-2C32-3360-5FA8-B60279FAB382}"/>
+          </ac:picMkLst>
+        </pc:picChg>
+        <pc:picChg chg="add del mod">
+          <ac:chgData name="Sharon, Eyal L" userId="8b1667f7-6931-49c5-bd1c-41fa75a64d14" providerId="ADAL" clId="{8189495D-DF35-42A8-AD02-82C80B370ABE}" dt="2025-04-21T21:10:13.324" v="1068" actId="478"/>
+          <ac:picMkLst>
+            <pc:docMk/>
+            <pc:sldMk cId="211984019" sldId="275"/>
+            <ac:picMk id="15" creationId="{81CCF56D-096E-EF9E-7610-5FA737ADC355}"/>
+          </ac:picMkLst>
+        </pc:picChg>
+        <pc:picChg chg="add del mod">
+          <ac:chgData name="Sharon, Eyal L" userId="8b1667f7-6931-49c5-bd1c-41fa75a64d14" providerId="ADAL" clId="{8189495D-DF35-42A8-AD02-82C80B370ABE}" dt="2025-04-21T21:43:23.652" v="1098" actId="478"/>
+          <ac:picMkLst>
+            <pc:docMk/>
+            <pc:sldMk cId="211984019" sldId="275"/>
+            <ac:picMk id="17" creationId="{549C03AD-9805-AD6B-C9FB-5E159732C361}"/>
+          </ac:picMkLst>
+        </pc:picChg>
+        <pc:picChg chg="add del mod">
+          <ac:chgData name="Sharon, Eyal L" userId="8b1667f7-6931-49c5-bd1c-41fa75a64d14" providerId="ADAL" clId="{8189495D-DF35-42A8-AD02-82C80B370ABE}" dt="2025-04-21T21:43:38.139" v="1101" actId="478"/>
+          <ac:picMkLst>
+            <pc:docMk/>
+            <pc:sldMk cId="211984019" sldId="275"/>
+            <ac:picMk id="19" creationId="{E03D787A-90A8-93D8-ADB1-C3A30221D9FF}"/>
+          </ac:picMkLst>
+        </pc:picChg>
+        <pc:picChg chg="add del mod">
+          <ac:chgData name="Sharon, Eyal L" userId="8b1667f7-6931-49c5-bd1c-41fa75a64d14" providerId="ADAL" clId="{8189495D-DF35-42A8-AD02-82C80B370ABE}" dt="2025-04-21T21:58:36.260" v="1786" actId="478"/>
+          <ac:picMkLst>
+            <pc:docMk/>
+            <pc:sldMk cId="211984019" sldId="275"/>
+            <ac:picMk id="21" creationId="{1BDBDD89-D0EC-37D4-58F6-4D1F6EC23F30}"/>
+          </ac:picMkLst>
+        </pc:picChg>
+        <pc:picChg chg="add mod">
+          <ac:chgData name="Sharon, Eyal L" userId="8b1667f7-6931-49c5-bd1c-41fa75a64d14" providerId="ADAL" clId="{8189495D-DF35-42A8-AD02-82C80B370ABE}" dt="2025-04-21T21:07:44.223" v="909" actId="1076"/>
+          <ac:picMkLst>
+            <pc:docMk/>
+            <pc:sldMk cId="211984019" sldId="275"/>
+            <ac:picMk id="1026" creationId="{A3705A44-0CCD-9088-A248-71FE8122E6D2}"/>
+          </ac:picMkLst>
+        </pc:picChg>
+        <pc:picChg chg="add del mod">
+          <ac:chgData name="Sharon, Eyal L" userId="8b1667f7-6931-49c5-bd1c-41fa75a64d14" providerId="ADAL" clId="{8189495D-DF35-42A8-AD02-82C80B370ABE}" dt="2025-04-21T21:07:51.647" v="920" actId="478"/>
+          <ac:picMkLst>
+            <pc:docMk/>
+            <pc:sldMk cId="211984019" sldId="275"/>
+            <ac:picMk id="1028" creationId="{3702BAAD-946D-1A1D-108C-1BF359EFB2F6}"/>
+          </ac:picMkLst>
+        </pc:picChg>
+        <pc:picChg chg="add del mod">
+          <ac:chgData name="Sharon, Eyal L" userId="8b1667f7-6931-49c5-bd1c-41fa75a64d14" providerId="ADAL" clId="{8189495D-DF35-42A8-AD02-82C80B370ABE}" dt="2025-04-21T21:42:46.968" v="1097" actId="478"/>
+          <ac:picMkLst>
+            <pc:docMk/>
+            <pc:sldMk cId="211984019" sldId="275"/>
+            <ac:picMk id="1030" creationId="{5B16916B-23AB-32A5-A334-79C169B5FD0F}"/>
+          </ac:picMkLst>
+        </pc:picChg>
+      </pc:sldChg>
+      <pc:sldChg chg="delSp modSp add mod ord">
+        <pc:chgData name="Sharon, Eyal L" userId="8b1667f7-6931-49c5-bd1c-41fa75a64d14" providerId="ADAL" clId="{8189495D-DF35-42A8-AD02-82C80B370ABE}" dt="2025-04-21T22:07:50.765" v="2276"/>
+        <pc:sldMkLst>
+          <pc:docMk/>
+          <pc:sldMk cId="573360382" sldId="276"/>
+        </pc:sldMkLst>
+        <pc:spChg chg="mod">
+          <ac:chgData name="Sharon, Eyal L" userId="8b1667f7-6931-49c5-bd1c-41fa75a64d14" providerId="ADAL" clId="{8189495D-DF35-42A8-AD02-82C80B370ABE}" dt="2025-04-21T22:07:12.016" v="2274" actId="20577"/>
+          <ac:spMkLst>
+            <pc:docMk/>
+            <pc:sldMk cId="573360382" sldId="276"/>
+            <ac:spMk id="7" creationId="{92380CCC-8B54-B46E-55E4-E4912F4A1781}"/>
+          </ac:spMkLst>
+        </pc:spChg>
+        <pc:picChg chg="del">
+          <ac:chgData name="Sharon, Eyal L" userId="8b1667f7-6931-49c5-bd1c-41fa75a64d14" providerId="ADAL" clId="{8189495D-DF35-42A8-AD02-82C80B370ABE}" dt="2025-04-21T21:08:14.652" v="928" actId="478"/>
+          <ac:picMkLst>
+            <pc:docMk/>
+            <pc:sldMk cId="573360382" sldId="276"/>
+            <ac:picMk id="1030" creationId="{6CD019E3-156A-3982-6AAA-F5B666DE2F64}"/>
+          </ac:picMkLst>
+        </pc:picChg>
+      </pc:sldChg>
+      <pc:sldChg chg="addSp delSp modSp add del mod">
+        <pc:chgData name="Sharon, Eyal L" userId="8b1667f7-6931-49c5-bd1c-41fa75a64d14" providerId="ADAL" clId="{8189495D-DF35-42A8-AD02-82C80B370ABE}" dt="2025-04-21T22:12:15.432" v="2319" actId="47"/>
+        <pc:sldMkLst>
+          <pc:docMk/>
+          <pc:sldMk cId="904833016" sldId="277"/>
+        </pc:sldMkLst>
+        <pc:spChg chg="add del mod">
+          <ac:chgData name="Sharon, Eyal L" userId="8b1667f7-6931-49c5-bd1c-41fa75a64d14" providerId="ADAL" clId="{8189495D-DF35-42A8-AD02-82C80B370ABE}" dt="2025-04-21T22:05:05.042" v="2217" actId="478"/>
+          <ac:spMkLst>
+            <pc:docMk/>
+            <pc:sldMk cId="904833016" sldId="277"/>
+            <ac:spMk id="2" creationId="{FCB6629A-04B9-544A-CD51-D5F54B95A053}"/>
+          </ac:spMkLst>
+        </pc:spChg>
+        <pc:spChg chg="add mod">
+          <ac:chgData name="Sharon, Eyal L" userId="8b1667f7-6931-49c5-bd1c-41fa75a64d14" providerId="ADAL" clId="{8189495D-DF35-42A8-AD02-82C80B370ABE}" dt="2025-04-21T22:02:58.315" v="2012" actId="571"/>
+          <ac:spMkLst>
+            <pc:docMk/>
+            <pc:sldMk cId="904833016" sldId="277"/>
+            <ac:spMk id="3" creationId="{D3DE1C54-2A34-2647-52CA-47F3FF5440BB}"/>
+          </ac:spMkLst>
+        </pc:spChg>
+        <pc:spChg chg="add mod">
+          <ac:chgData name="Sharon, Eyal L" userId="8b1667f7-6931-49c5-bd1c-41fa75a64d14" providerId="ADAL" clId="{8189495D-DF35-42A8-AD02-82C80B370ABE}" dt="2025-04-21T22:05:40.825" v="2236" actId="1035"/>
+          <ac:spMkLst>
+            <pc:docMk/>
+            <pc:sldMk cId="904833016" sldId="277"/>
+            <ac:spMk id="4" creationId="{B1C021F7-26E1-D71D-FC3A-1519BF4EBC11}"/>
+          </ac:spMkLst>
+        </pc:spChg>
+        <pc:spChg chg="mod">
+          <ac:chgData name="Sharon, Eyal L" userId="8b1667f7-6931-49c5-bd1c-41fa75a64d14" providerId="ADAL" clId="{8189495D-DF35-42A8-AD02-82C80B370ABE}" dt="2025-04-21T22:03:39.235" v="2140" actId="20577"/>
+          <ac:spMkLst>
+            <pc:docMk/>
+            <pc:sldMk cId="904833016" sldId="277"/>
+            <ac:spMk id="7" creationId="{2936B1B1-A0EF-CA59-1068-B9FC1AAC27E1}"/>
+          </ac:spMkLst>
+        </pc:spChg>
+        <pc:spChg chg="add del">
+          <ac:chgData name="Sharon, Eyal L" userId="8b1667f7-6931-49c5-bd1c-41fa75a64d14" providerId="ADAL" clId="{8189495D-DF35-42A8-AD02-82C80B370ABE}" dt="2025-04-21T22:02:55.576" v="2009" actId="478"/>
+          <ac:spMkLst>
+            <pc:docMk/>
+            <pc:sldMk cId="904833016" sldId="277"/>
+            <ac:spMk id="10" creationId="{5E49E429-53E8-28D0-4C63-FD667DEC61CC}"/>
+          </ac:spMkLst>
+        </pc:spChg>
+        <pc:spChg chg="add del mod">
+          <ac:chgData name="Sharon, Eyal L" userId="8b1667f7-6931-49c5-bd1c-41fa75a64d14" providerId="ADAL" clId="{8189495D-DF35-42A8-AD02-82C80B370ABE}" dt="2025-04-21T22:05:55.287" v="2245" actId="1035"/>
+          <ac:spMkLst>
+            <pc:docMk/>
+            <pc:sldMk cId="904833016" sldId="277"/>
+            <ac:spMk id="22" creationId="{9F23AEBE-17A4-4EBA-6AD7-4FB87397864C}"/>
+          </ac:spMkLst>
+        </pc:spChg>
+        <pc:spChg chg="add del">
+          <ac:chgData name="Sharon, Eyal L" userId="8b1667f7-6931-49c5-bd1c-41fa75a64d14" providerId="ADAL" clId="{8189495D-DF35-42A8-AD02-82C80B370ABE}" dt="2025-04-21T22:02:56.165" v="2010" actId="478"/>
+          <ac:spMkLst>
+            <pc:docMk/>
+            <pc:sldMk cId="904833016" sldId="277"/>
+            <ac:spMk id="23" creationId="{E5AE254C-74A9-638A-7BEB-43E62A65CD9D}"/>
+          </ac:spMkLst>
+        </pc:spChg>
+        <pc:spChg chg="mod">
+          <ac:chgData name="Sharon, Eyal L" userId="8b1667f7-6931-49c5-bd1c-41fa75a64d14" providerId="ADAL" clId="{8189495D-DF35-42A8-AD02-82C80B370ABE}" dt="2025-04-21T22:05:19.952" v="2224" actId="20577"/>
+          <ac:spMkLst>
+            <pc:docMk/>
+            <pc:sldMk cId="904833016" sldId="277"/>
+            <ac:spMk id="24" creationId="{DCC41DFB-EA4B-94F3-D0EA-FD6FE76C34F8}"/>
+          </ac:spMkLst>
+        </pc:spChg>
+        <pc:picChg chg="mod modCrop">
+          <ac:chgData name="Sharon, Eyal L" userId="8b1667f7-6931-49c5-bd1c-41fa75a64d14" providerId="ADAL" clId="{8189495D-DF35-42A8-AD02-82C80B370ABE}" dt="2025-04-21T22:03:04.453" v="2041" actId="1038"/>
+          <ac:picMkLst>
+            <pc:docMk/>
+            <pc:sldMk cId="904833016" sldId="277"/>
+            <ac:picMk id="21" creationId="{0487D3DE-44FE-0B9C-EE99-E51D08FBD427}"/>
+          </ac:picMkLst>
+        </pc:picChg>
+      </pc:sldChg>
+      <pc:sldChg chg="addSp delSp modSp add del mod">
+        <pc:chgData name="Sharon, Eyal L" userId="8b1667f7-6931-49c5-bd1c-41fa75a64d14" providerId="ADAL" clId="{8189495D-DF35-42A8-AD02-82C80B370ABE}" dt="2025-04-21T22:03:35.052" v="2139" actId="47"/>
+        <pc:sldMkLst>
+          <pc:docMk/>
+          <pc:sldMk cId="2683920095" sldId="278"/>
+        </pc:sldMkLst>
+        <pc:spChg chg="mod">
+          <ac:chgData name="Sharon, Eyal L" userId="8b1667f7-6931-49c5-bd1c-41fa75a64d14" providerId="ADAL" clId="{8189495D-DF35-42A8-AD02-82C80B370ABE}" dt="2025-04-21T22:01:28.897" v="1889" actId="20577"/>
+          <ac:spMkLst>
+            <pc:docMk/>
+            <pc:sldMk cId="2683920095" sldId="278"/>
+            <ac:spMk id="7" creationId="{22FDE3FD-8818-4B69-4D61-8BB6810E9B97}"/>
+          </ac:spMkLst>
+        </pc:spChg>
+        <pc:spChg chg="del">
+          <ac:chgData name="Sharon, Eyal L" userId="8b1667f7-6931-49c5-bd1c-41fa75a64d14" providerId="ADAL" clId="{8189495D-DF35-42A8-AD02-82C80B370ABE}" dt="2025-04-21T22:01:33.536" v="1890" actId="478"/>
+          <ac:spMkLst>
+            <pc:docMk/>
+            <pc:sldMk cId="2683920095" sldId="278"/>
+            <ac:spMk id="10" creationId="{1681BBF7-E11D-BE10-A2FC-DBA15B33E19F}"/>
+          </ac:spMkLst>
+        </pc:spChg>
+        <pc:spChg chg="add del mod">
+          <ac:chgData name="Sharon, Eyal L" userId="8b1667f7-6931-49c5-bd1c-41fa75a64d14" providerId="ADAL" clId="{8189495D-DF35-42A8-AD02-82C80B370ABE}" dt="2025-04-21T22:02:12.157" v="1949" actId="20577"/>
+          <ac:spMkLst>
+            <pc:docMk/>
+            <pc:sldMk cId="2683920095" sldId="278"/>
+            <ac:spMk id="23" creationId="{A568446B-406A-9BDC-9644-F7B8D4D9734C}"/>
+          </ac:spMkLst>
+        </pc:spChg>
+      </pc:sldChg>
+      <pc:sldChg chg="modSp add del mod">
+        <pc:chgData name="Sharon, Eyal L" userId="8b1667f7-6931-49c5-bd1c-41fa75a64d14" providerId="ADAL" clId="{8189495D-DF35-42A8-AD02-82C80B370ABE}" dt="2025-04-21T21:58:17.698" v="1782" actId="47"/>
+        <pc:sldMkLst>
+          <pc:docMk/>
+          <pc:sldMk cId="3237206489" sldId="278"/>
+        </pc:sldMkLst>
+        <pc:spChg chg="mod">
+          <ac:chgData name="Sharon, Eyal L" userId="8b1667f7-6931-49c5-bd1c-41fa75a64d14" providerId="ADAL" clId="{8189495D-DF35-42A8-AD02-82C80B370ABE}" dt="2025-04-21T21:57:26.328" v="1780" actId="20577"/>
+          <ac:spMkLst>
+            <pc:docMk/>
+            <pc:sldMk cId="3237206489" sldId="278"/>
+            <ac:spMk id="7" creationId="{B4A62407-8BCB-4CED-A565-CA44F117CDB2}"/>
+          </ac:spMkLst>
+        </pc:spChg>
+      </pc:sldChg>
+      <pc:sldChg chg="addSp delSp modSp add del mod ord">
+        <pc:chgData name="Sharon, Eyal L" userId="8b1667f7-6931-49c5-bd1c-41fa75a64d14" providerId="ADAL" clId="{8189495D-DF35-42A8-AD02-82C80B370ABE}" dt="2025-04-21T22:32:28.399" v="2619" actId="47"/>
+        <pc:sldMkLst>
+          <pc:docMk/>
+          <pc:sldMk cId="1885492767" sldId="279"/>
+        </pc:sldMkLst>
+        <pc:spChg chg="add del">
+          <ac:chgData name="Sharon, Eyal L" userId="8b1667f7-6931-49c5-bd1c-41fa75a64d14" providerId="ADAL" clId="{8189495D-DF35-42A8-AD02-82C80B370ABE}" dt="2025-04-21T22:08:55.042" v="2281" actId="478"/>
+          <ac:spMkLst>
+            <pc:docMk/>
+            <pc:sldMk cId="1885492767" sldId="279"/>
+            <ac:spMk id="2" creationId="{51748C03-793D-CCA6-75F5-22BC0EB31AFA}"/>
+          </ac:spMkLst>
+        </pc:spChg>
+        <pc:spChg chg="add del mod">
+          <ac:chgData name="Sharon, Eyal L" userId="8b1667f7-6931-49c5-bd1c-41fa75a64d14" providerId="ADAL" clId="{8189495D-DF35-42A8-AD02-82C80B370ABE}" dt="2025-04-21T22:03:50.452" v="2201" actId="478"/>
+          <ac:spMkLst>
+            <pc:docMk/>
+            <pc:sldMk cId="1885492767" sldId="279"/>
+            <ac:spMk id="3" creationId="{5237D6D2-52DB-90E6-B078-0DB093114E16}"/>
+          </ac:spMkLst>
+        </pc:spChg>
+        <pc:spChg chg="add del">
+          <ac:chgData name="Sharon, Eyal L" userId="8b1667f7-6931-49c5-bd1c-41fa75a64d14" providerId="ADAL" clId="{8189495D-DF35-42A8-AD02-82C80B370ABE}" dt="2025-04-21T22:08:55.042" v="2281" actId="478"/>
+          <ac:spMkLst>
+            <pc:docMk/>
+            <pc:sldMk cId="1885492767" sldId="279"/>
+            <ac:spMk id="5" creationId="{062DA761-5B2B-8830-5BAD-687E66DA29ED}"/>
+          </ac:spMkLst>
+        </pc:spChg>
+        <pc:spChg chg="add del mod">
+          <ac:chgData name="Sharon, Eyal L" userId="8b1667f7-6931-49c5-bd1c-41fa75a64d14" providerId="ADAL" clId="{8189495D-DF35-42A8-AD02-82C80B370ABE}" dt="2025-04-21T22:08:51.091" v="2280" actId="478"/>
+          <ac:spMkLst>
+            <pc:docMk/>
+            <pc:sldMk cId="1885492767" sldId="279"/>
+            <ac:spMk id="6" creationId="{9433304B-1987-8614-B895-43AA1DBF7F1B}"/>
+          </ac:spMkLst>
+        </pc:spChg>
+        <pc:spChg chg="add del mod">
+          <ac:chgData name="Sharon, Eyal L" userId="8b1667f7-6931-49c5-bd1c-41fa75a64d14" providerId="ADAL" clId="{8189495D-DF35-42A8-AD02-82C80B370ABE}" dt="2025-04-21T22:08:55.042" v="2281" actId="478"/>
+          <ac:spMkLst>
+            <pc:docMk/>
+            <pc:sldMk cId="1885492767" sldId="279"/>
+            <ac:spMk id="7" creationId="{AF9D9159-F5FA-8D49-D4E6-F88ABC2D6934}"/>
+          </ac:spMkLst>
+        </pc:spChg>
+        <pc:spChg chg="add mod">
+          <ac:chgData name="Sharon, Eyal L" userId="8b1667f7-6931-49c5-bd1c-41fa75a64d14" providerId="ADAL" clId="{8189495D-DF35-42A8-AD02-82C80B370ABE}" dt="2025-04-21T22:09:08.944" v="2310" actId="20577"/>
+          <ac:spMkLst>
+            <pc:docMk/>
+            <pc:sldMk cId="1885492767" sldId="279"/>
+            <ac:spMk id="9" creationId="{11EED6FC-78F8-F86F-943C-F484D0A3AD75}"/>
+          </ac:spMkLst>
+        </pc:spChg>
+        <pc:spChg chg="add mod">
+          <ac:chgData name="Sharon, Eyal L" userId="8b1667f7-6931-49c5-bd1c-41fa75a64d14" providerId="ADAL" clId="{8189495D-DF35-42A8-AD02-82C80B370ABE}" dt="2025-04-21T22:08:55.930" v="2282"/>
+          <ac:spMkLst>
+            <pc:docMk/>
+            <pc:sldMk cId="1885492767" sldId="279"/>
+            <ac:spMk id="10" creationId="{6D0B1528-691D-ACAC-688D-A14FD5760C30}"/>
+          </ac:spMkLst>
+        </pc:spChg>
+        <pc:spChg chg="add mod">
+          <ac:chgData name="Sharon, Eyal L" userId="8b1667f7-6931-49c5-bd1c-41fa75a64d14" providerId="ADAL" clId="{8189495D-DF35-42A8-AD02-82C80B370ABE}" dt="2025-04-21T22:32:13.177" v="2614"/>
+          <ac:spMkLst>
+            <pc:docMk/>
+            <pc:sldMk cId="1885492767" sldId="279"/>
+            <ac:spMk id="11" creationId="{15F02D24-538A-D16E-0F55-55F1EFB2F7D0}"/>
+          </ac:spMkLst>
+        </pc:spChg>
+        <pc:spChg chg="add del">
+          <ac:chgData name="Sharon, Eyal L" userId="8b1667f7-6931-49c5-bd1c-41fa75a64d14" providerId="ADAL" clId="{8189495D-DF35-42A8-AD02-82C80B370ABE}" dt="2025-04-21T22:08:55.042" v="2281" actId="478"/>
+          <ac:spMkLst>
+            <pc:docMk/>
+            <pc:sldMk cId="1885492767" sldId="279"/>
+            <ac:spMk id="22" creationId="{E47903D2-FB60-8A20-96E1-1F4B4B71D788}"/>
+          </ac:spMkLst>
+        </pc:spChg>
+        <pc:spChg chg="add del mod">
+          <ac:chgData name="Sharon, Eyal L" userId="8b1667f7-6931-49c5-bd1c-41fa75a64d14" providerId="ADAL" clId="{8189495D-DF35-42A8-AD02-82C80B370ABE}" dt="2025-04-21T22:08:55.042" v="2281" actId="478"/>
+          <ac:spMkLst>
+            <pc:docMk/>
+            <pc:sldMk cId="1885492767" sldId="279"/>
+            <ac:spMk id="24" creationId="{75D9DA85-E835-1AB2-C892-2B7A42F02A05}"/>
+          </ac:spMkLst>
+        </pc:spChg>
+        <pc:picChg chg="add del">
+          <ac:chgData name="Sharon, Eyal L" userId="8b1667f7-6931-49c5-bd1c-41fa75a64d14" providerId="ADAL" clId="{8189495D-DF35-42A8-AD02-82C80B370ABE}" dt="2025-04-21T22:08:55.042" v="2281" actId="478"/>
+          <ac:picMkLst>
+            <pc:docMk/>
+            <pc:sldMk cId="1885492767" sldId="279"/>
+            <ac:picMk id="21" creationId="{823C1B31-C2A0-EB74-044E-B65C3170FE51}"/>
+          </ac:picMkLst>
+        </pc:picChg>
+      </pc:sldChg>
+      <pc:sldChg chg="add del">
+        <pc:chgData name="Sharon, Eyal L" userId="8b1667f7-6931-49c5-bd1c-41fa75a64d14" providerId="ADAL" clId="{8189495D-DF35-42A8-AD02-82C80B370ABE}" dt="2025-04-21T22:04:49.987" v="2210"/>
+        <pc:sldMkLst>
+          <pc:docMk/>
+          <pc:sldMk cId="383626110" sldId="280"/>
+        </pc:sldMkLst>
+      </pc:sldChg>
+      <pc:sldChg chg="addSp delSp modSp add del mod ord">
+        <pc:chgData name="Sharon, Eyal L" userId="8b1667f7-6931-49c5-bd1c-41fa75a64d14" providerId="ADAL" clId="{8189495D-DF35-42A8-AD02-82C80B370ABE}" dt="2025-04-21T22:16:16.385" v="2385" actId="47"/>
+        <pc:sldMkLst>
+          <pc:docMk/>
+          <pc:sldMk cId="2091292506" sldId="280"/>
+        </pc:sldMkLst>
+        <pc:spChg chg="del">
+          <ac:chgData name="Sharon, Eyal L" userId="8b1667f7-6931-49c5-bd1c-41fa75a64d14" providerId="ADAL" clId="{8189495D-DF35-42A8-AD02-82C80B370ABE}" dt="2025-04-21T22:04:55.772" v="2214" actId="478"/>
+          <ac:spMkLst>
+            <pc:docMk/>
+            <pc:sldMk cId="2091292506" sldId="280"/>
+            <ac:spMk id="2" creationId="{7EBDC2C5-1BCF-5D16-29A6-289B4E38C960}"/>
+          </ac:spMkLst>
+        </pc:spChg>
+        <pc:spChg chg="mod">
+          <ac:chgData name="Sharon, Eyal L" userId="8b1667f7-6931-49c5-bd1c-41fa75a64d14" providerId="ADAL" clId="{8189495D-DF35-42A8-AD02-82C80B370ABE}" dt="2025-04-21T22:04:55.023" v="2213" actId="20577"/>
+          <ac:spMkLst>
+            <pc:docMk/>
+            <pc:sldMk cId="2091292506" sldId="280"/>
+            <ac:spMk id="5" creationId="{BBDF308B-2AC6-020D-65AA-70F540135CAD}"/>
+          </ac:spMkLst>
+        </pc:spChg>
+        <pc:spChg chg="mod">
+          <ac:chgData name="Sharon, Eyal L" userId="8b1667f7-6931-49c5-bd1c-41fa75a64d14" providerId="ADAL" clId="{8189495D-DF35-42A8-AD02-82C80B370ABE}" dt="2025-04-21T22:12:08.430" v="2317" actId="20577"/>
+          <ac:spMkLst>
+            <pc:docMk/>
+            <pc:sldMk cId="2091292506" sldId="280"/>
+            <ac:spMk id="24" creationId="{5DA6649D-4466-D9F9-CA46-D5EAE8B1EA5B}"/>
+          </ac:spMkLst>
+        </pc:spChg>
+        <pc:picChg chg="add mod">
+          <ac:chgData name="Sharon, Eyal L" userId="8b1667f7-6931-49c5-bd1c-41fa75a64d14" providerId="ADAL" clId="{8189495D-DF35-42A8-AD02-82C80B370ABE}" dt="2025-04-21T22:12:04.077" v="2313" actId="1076"/>
+          <ac:picMkLst>
+            <pc:docMk/>
+            <pc:sldMk cId="2091292506" sldId="280"/>
+            <ac:picMk id="4" creationId="{338EFED6-D006-94B5-B7A8-B81375C2C5AC}"/>
+          </ac:picMkLst>
+        </pc:picChg>
+        <pc:picChg chg="del">
+          <ac:chgData name="Sharon, Eyal L" userId="8b1667f7-6931-49c5-bd1c-41fa75a64d14" providerId="ADAL" clId="{8189495D-DF35-42A8-AD02-82C80B370ABE}" dt="2025-04-21T22:12:00.880" v="2311" actId="478"/>
+          <ac:picMkLst>
+            <pc:docMk/>
+            <pc:sldMk cId="2091292506" sldId="280"/>
+            <ac:picMk id="21" creationId="{EF9550C4-CBB2-5892-08EC-8728D1F3D125}"/>
+          </ac:picMkLst>
+        </pc:picChg>
+      </pc:sldChg>
+      <pc:sldChg chg="addSp delSp modSp add del mod">
+        <pc:chgData name="Sharon, Eyal L" userId="8b1667f7-6931-49c5-bd1c-41fa75a64d14" providerId="ADAL" clId="{8189495D-DF35-42A8-AD02-82C80B370ABE}" dt="2025-04-21T22:32:01.457" v="2612" actId="47"/>
+        <pc:sldMkLst>
+          <pc:docMk/>
+          <pc:sldMk cId="438787062" sldId="281"/>
+        </pc:sldMkLst>
+        <pc:spChg chg="del">
+          <ac:chgData name="Sharon, Eyal L" userId="8b1667f7-6931-49c5-bd1c-41fa75a64d14" providerId="ADAL" clId="{8189495D-DF35-42A8-AD02-82C80B370ABE}" dt="2025-04-21T22:31:59.942" v="2611" actId="478"/>
+          <ac:spMkLst>
+            <pc:docMk/>
+            <pc:sldMk cId="438787062" sldId="281"/>
+            <ac:spMk id="2" creationId="{D5303E7D-16A7-0A9C-2DFB-E7D39866003B}"/>
+          </ac:spMkLst>
+        </pc:spChg>
+        <pc:spChg chg="add mod">
+          <ac:chgData name="Sharon, Eyal L" userId="8b1667f7-6931-49c5-bd1c-41fa75a64d14" providerId="ADAL" clId="{8189495D-DF35-42A8-AD02-82C80B370ABE}" dt="2025-04-21T22:31:11.546" v="2545"/>
+          <ac:spMkLst>
+            <pc:docMk/>
+            <pc:sldMk cId="438787062" sldId="281"/>
+            <ac:spMk id="4" creationId="{504E40C3-F451-8B07-A790-81B9C9163AF4}"/>
+          </ac:spMkLst>
+        </pc:spChg>
+        <pc:spChg chg="add mod">
+          <ac:chgData name="Sharon, Eyal L" userId="8b1667f7-6931-49c5-bd1c-41fa75a64d14" providerId="ADAL" clId="{8189495D-DF35-42A8-AD02-82C80B370ABE}" dt="2025-04-21T22:31:11.546" v="2545"/>
+          <ac:spMkLst>
+            <pc:docMk/>
+            <pc:sldMk cId="438787062" sldId="281"/>
+            <ac:spMk id="6" creationId="{1EBFF830-1FB8-6308-41AE-3FEB95BB612B}"/>
+          </ac:spMkLst>
+        </pc:spChg>
+        <pc:spChg chg="mod">
+          <ac:chgData name="Sharon, Eyal L" userId="8b1667f7-6931-49c5-bd1c-41fa75a64d14" providerId="ADAL" clId="{8189495D-DF35-42A8-AD02-82C80B370ABE}" dt="2025-04-21T22:31:21.776" v="2565" actId="113"/>
+          <ac:spMkLst>
+            <pc:docMk/>
+            <pc:sldMk cId="438787062" sldId="281"/>
+            <ac:spMk id="7" creationId="{C95335B5-AC26-71B0-014D-0B989A637D8E}"/>
+          </ac:spMkLst>
+        </pc:spChg>
+        <pc:spChg chg="add mod">
+          <ac:chgData name="Sharon, Eyal L" userId="8b1667f7-6931-49c5-bd1c-41fa75a64d14" providerId="ADAL" clId="{8189495D-DF35-42A8-AD02-82C80B370ABE}" dt="2025-04-21T22:31:21.060" v="2564" actId="1036"/>
+          <ac:spMkLst>
+            <pc:docMk/>
+            <pc:sldMk cId="438787062" sldId="281"/>
+            <ac:spMk id="9" creationId="{BCB240F7-E919-5527-8BEB-33A34403CC7B}"/>
+          </ac:spMkLst>
+        </pc:spChg>
+        <pc:spChg chg="add mod">
+          <ac:chgData name="Sharon, Eyal L" userId="8b1667f7-6931-49c5-bd1c-41fa75a64d14" providerId="ADAL" clId="{8189495D-DF35-42A8-AD02-82C80B370ABE}" dt="2025-04-21T22:31:21.060" v="2564" actId="1036"/>
+          <ac:spMkLst>
+            <pc:docMk/>
+            <pc:sldMk cId="438787062" sldId="281"/>
+            <ac:spMk id="10" creationId="{28D05D08-0D9C-D6E2-E0ED-9D290B6CAD0F}"/>
+          </ac:spMkLst>
+        </pc:spChg>
+        <pc:spChg chg="add mod">
+          <ac:chgData name="Sharon, Eyal L" userId="8b1667f7-6931-49c5-bd1c-41fa75a64d14" providerId="ADAL" clId="{8189495D-DF35-42A8-AD02-82C80B370ABE}" dt="2025-04-21T22:31:26.302" v="2571"/>
+          <ac:spMkLst>
+            <pc:docMk/>
+            <pc:sldMk cId="438787062" sldId="281"/>
+            <ac:spMk id="12" creationId="{45761121-827F-CA28-A9C0-BE80BB3C6D31}"/>
+          </ac:spMkLst>
+        </pc:spChg>
+        <pc:spChg chg="add mod">
+          <ac:chgData name="Sharon, Eyal L" userId="8b1667f7-6931-49c5-bd1c-41fa75a64d14" providerId="ADAL" clId="{8189495D-DF35-42A8-AD02-82C80B370ABE}" dt="2025-04-21T22:31:26.302" v="2571"/>
+          <ac:spMkLst>
+            <pc:docMk/>
+            <pc:sldMk cId="438787062" sldId="281"/>
+            <ac:spMk id="13" creationId="{20BD7092-F7D0-66D2-31D1-F09F1B3FD112}"/>
+          </ac:spMkLst>
+        </pc:spChg>
+        <pc:spChg chg="add del mod">
+          <ac:chgData name="Sharon, Eyal L" userId="8b1667f7-6931-49c5-bd1c-41fa75a64d14" providerId="ADAL" clId="{8189495D-DF35-42A8-AD02-82C80B370ABE}" dt="2025-04-21T22:31:24.414" v="2569" actId="478"/>
+          <ac:spMkLst>
+            <pc:docMk/>
+            <pc:sldMk cId="438787062" sldId="281"/>
+            <ac:spMk id="22" creationId="{6149B55C-D9A1-CC80-E21B-379EA0199446}"/>
+          </ac:spMkLst>
+        </pc:spChg>
+        <pc:spChg chg="add del">
+          <ac:chgData name="Sharon, Eyal L" userId="8b1667f7-6931-49c5-bd1c-41fa75a64d14" providerId="ADAL" clId="{8189495D-DF35-42A8-AD02-82C80B370ABE}" dt="2025-04-21T22:31:25.840" v="2570" actId="478"/>
+          <ac:spMkLst>
+            <pc:docMk/>
+            <pc:sldMk cId="438787062" sldId="281"/>
+            <ac:spMk id="24" creationId="{CA36354B-AF2D-E04B-7871-3BD1BA36EEC1}"/>
+          </ac:spMkLst>
+        </pc:spChg>
+        <pc:picChg chg="add mod">
+          <ac:chgData name="Sharon, Eyal L" userId="8b1667f7-6931-49c5-bd1c-41fa75a64d14" providerId="ADAL" clId="{8189495D-DF35-42A8-AD02-82C80B370ABE}" dt="2025-04-21T22:31:06.396" v="2544"/>
+          <ac:picMkLst>
+            <pc:docMk/>
+            <pc:sldMk cId="438787062" sldId="281"/>
+            <ac:picMk id="3" creationId="{C43D8526-2600-58FA-C196-550CEF610EFC}"/>
+          </ac:picMkLst>
+        </pc:picChg>
+        <pc:picChg chg="add mod">
+          <ac:chgData name="Sharon, Eyal L" userId="8b1667f7-6931-49c5-bd1c-41fa75a64d14" providerId="ADAL" clId="{8189495D-DF35-42A8-AD02-82C80B370ABE}" dt="2025-04-21T22:31:11.546" v="2545"/>
+          <ac:picMkLst>
+            <pc:docMk/>
+            <pc:sldMk cId="438787062" sldId="281"/>
+            <ac:picMk id="8" creationId="{18D9FC32-B4C9-5848-DB5E-3CDF6E48FE05}"/>
+          </ac:picMkLst>
+        </pc:picChg>
+        <pc:picChg chg="add mod">
+          <ac:chgData name="Sharon, Eyal L" userId="8b1667f7-6931-49c5-bd1c-41fa75a64d14" providerId="ADAL" clId="{8189495D-DF35-42A8-AD02-82C80B370ABE}" dt="2025-04-21T22:31:21.060" v="2564" actId="1036"/>
+          <ac:picMkLst>
+            <pc:docMk/>
+            <pc:sldMk cId="438787062" sldId="281"/>
+            <ac:picMk id="11" creationId="{92CBDC8B-0BCF-78D1-952F-2A2CFFC00AD2}"/>
+          </ac:picMkLst>
+        </pc:picChg>
+        <pc:picChg chg="add mod">
+          <ac:chgData name="Sharon, Eyal L" userId="8b1667f7-6931-49c5-bd1c-41fa75a64d14" providerId="ADAL" clId="{8189495D-DF35-42A8-AD02-82C80B370ABE}" dt="2025-04-21T22:31:26.302" v="2571"/>
+          <ac:picMkLst>
+            <pc:docMk/>
+            <pc:sldMk cId="438787062" sldId="281"/>
+            <ac:picMk id="14" creationId="{46D48236-8F98-A237-FCF5-F82A4A391F47}"/>
+          </ac:picMkLst>
+        </pc:picChg>
+        <pc:picChg chg="add del">
+          <ac:chgData name="Sharon, Eyal L" userId="8b1667f7-6931-49c5-bd1c-41fa75a64d14" providerId="ADAL" clId="{8189495D-DF35-42A8-AD02-82C80B370ABE}" dt="2025-04-21T22:31:24.414" v="2569" actId="478"/>
+          <ac:picMkLst>
+            <pc:docMk/>
+            <pc:sldMk cId="438787062" sldId="281"/>
+            <ac:picMk id="21" creationId="{1B13BACD-DD70-91AA-9232-CF1EC3FB7686}"/>
+          </ac:picMkLst>
+        </pc:picChg>
+      </pc:sldChg>
+      <pc:sldChg chg="add del">
+        <pc:chgData name="Sharon, Eyal L" userId="8b1667f7-6931-49c5-bd1c-41fa75a64d14" providerId="ADAL" clId="{8189495D-DF35-42A8-AD02-82C80B370ABE}" dt="2025-04-21T22:05:20.929" v="2226"/>
+        <pc:sldMkLst>
+          <pc:docMk/>
+          <pc:sldMk cId="3172460379" sldId="281"/>
+        </pc:sldMkLst>
+      </pc:sldChg>
+      <pc:sldChg chg="addSp delSp modSp add mod">
+        <pc:chgData name="Sharon, Eyal L" userId="8b1667f7-6931-49c5-bd1c-41fa75a64d14" providerId="ADAL" clId="{8189495D-DF35-42A8-AD02-82C80B370ABE}" dt="2025-04-21T22:31:40.982" v="2607" actId="1035"/>
+        <pc:sldMkLst>
+          <pc:docMk/>
+          <pc:sldMk cId="3260098497" sldId="282"/>
+        </pc:sldMkLst>
+        <pc:spChg chg="mod">
+          <ac:chgData name="Sharon, Eyal L" userId="8b1667f7-6931-49c5-bd1c-41fa75a64d14" providerId="ADAL" clId="{8189495D-DF35-42A8-AD02-82C80B370ABE}" dt="2025-04-21T22:31:38.453" v="2591" actId="1036"/>
+          <ac:spMkLst>
+            <pc:docMk/>
+            <pc:sldMk cId="3260098497" sldId="282"/>
+            <ac:spMk id="22" creationId="{0CB4506C-2577-083B-C97D-E1EDFCF94B7A}"/>
+          </ac:spMkLst>
+        </pc:spChg>
+        <pc:spChg chg="mod">
+          <ac:chgData name="Sharon, Eyal L" userId="8b1667f7-6931-49c5-bd1c-41fa75a64d14" providerId="ADAL" clId="{8189495D-DF35-42A8-AD02-82C80B370ABE}" dt="2025-04-21T22:31:40.982" v="2607" actId="1035"/>
+          <ac:spMkLst>
+            <pc:docMk/>
+            <pc:sldMk cId="3260098497" sldId="282"/>
+            <ac:spMk id="24" creationId="{4FD19B72-CAC5-D5FB-7E36-4FA62319A4CA}"/>
+          </ac:spMkLst>
+        </pc:spChg>
+        <pc:picChg chg="add del mod">
+          <ac:chgData name="Sharon, Eyal L" userId="8b1667f7-6931-49c5-bd1c-41fa75a64d14" providerId="ADAL" clId="{8189495D-DF35-42A8-AD02-82C80B370ABE}" dt="2025-04-21T22:16:28.548" v="2386" actId="478"/>
+          <ac:picMkLst>
+            <pc:docMk/>
+            <pc:sldMk cId="3260098497" sldId="282"/>
+            <ac:picMk id="3" creationId="{A2D53482-8940-18AE-0B97-CC3A02096414}"/>
+          </ac:picMkLst>
+        </pc:picChg>
+        <pc:picChg chg="del">
+          <ac:chgData name="Sharon, Eyal L" userId="8b1667f7-6931-49c5-bd1c-41fa75a64d14" providerId="ADAL" clId="{8189495D-DF35-42A8-AD02-82C80B370ABE}" dt="2025-04-21T22:13:51.133" v="2323" actId="478"/>
+          <ac:picMkLst>
+            <pc:docMk/>
+            <pc:sldMk cId="3260098497" sldId="282"/>
+            <ac:picMk id="4" creationId="{EDCF019F-6DFB-8030-50B5-802F67718097}"/>
+          </ac:picMkLst>
+        </pc:picChg>
+        <pc:picChg chg="add del mod">
+          <ac:chgData name="Sharon, Eyal L" userId="8b1667f7-6931-49c5-bd1c-41fa75a64d14" providerId="ADAL" clId="{8189495D-DF35-42A8-AD02-82C80B370ABE}" dt="2025-04-21T22:14:41.556" v="2329" actId="478"/>
+          <ac:picMkLst>
+            <pc:docMk/>
+            <pc:sldMk cId="3260098497" sldId="282"/>
+            <ac:picMk id="8" creationId="{3E3F1536-C1C2-F712-7B90-F41504B52B3E}"/>
+          </ac:picMkLst>
+        </pc:picChg>
+        <pc:picChg chg="add del mod modCrop">
+          <ac:chgData name="Sharon, Eyal L" userId="8b1667f7-6931-49c5-bd1c-41fa75a64d14" providerId="ADAL" clId="{8189495D-DF35-42A8-AD02-82C80B370ABE}" dt="2025-04-21T22:27:13.779" v="2426" actId="478"/>
+          <ac:picMkLst>
+            <pc:docMk/>
+            <pc:sldMk cId="3260098497" sldId="282"/>
+            <ac:picMk id="10" creationId="{40DC78BC-334B-C7B2-2545-F49550318B1B}"/>
+          </ac:picMkLst>
+        </pc:picChg>
+        <pc:picChg chg="add del mod">
+          <ac:chgData name="Sharon, Eyal L" userId="8b1667f7-6931-49c5-bd1c-41fa75a64d14" providerId="ADAL" clId="{8189495D-DF35-42A8-AD02-82C80B370ABE}" dt="2025-04-21T22:29:22.614" v="2476" actId="478"/>
+          <ac:picMkLst>
+            <pc:docMk/>
+            <pc:sldMk cId="3260098497" sldId="282"/>
+            <ac:picMk id="12" creationId="{9C1E574C-7CB2-68DD-56E0-ADD6D032ACA3}"/>
+          </ac:picMkLst>
+        </pc:picChg>
+        <pc:picChg chg="add mod">
+          <ac:chgData name="Sharon, Eyal L" userId="8b1667f7-6931-49c5-bd1c-41fa75a64d14" providerId="ADAL" clId="{8189495D-DF35-42A8-AD02-82C80B370ABE}" dt="2025-04-21T22:31:38.453" v="2591" actId="1036"/>
+          <ac:picMkLst>
+            <pc:docMk/>
+            <pc:sldMk cId="3260098497" sldId="282"/>
+            <ac:picMk id="14" creationId="{663C727A-D8E8-6152-6CB7-BE1BD8C740DD}"/>
+          </ac:picMkLst>
+        </pc:picChg>
+      </pc:sldChg>
+      <pc:sldChg chg="addSp delSp modSp add del mod">
+        <pc:chgData name="Sharon, Eyal L" userId="8b1667f7-6931-49c5-bd1c-41fa75a64d14" providerId="ADAL" clId="{8189495D-DF35-42A8-AD02-82C80B370ABE}" dt="2025-04-21T22:30:49.039" v="2538" actId="47"/>
+        <pc:sldMkLst>
+          <pc:docMk/>
+          <pc:sldMk cId="626688228" sldId="283"/>
+        </pc:sldMkLst>
+        <pc:spChg chg="mod">
+          <ac:chgData name="Sharon, Eyal L" userId="8b1667f7-6931-49c5-bd1c-41fa75a64d14" providerId="ADAL" clId="{8189495D-DF35-42A8-AD02-82C80B370ABE}" dt="2025-04-21T22:19:28.247" v="2417" actId="20577"/>
+          <ac:spMkLst>
+            <pc:docMk/>
+            <pc:sldMk cId="626688228" sldId="283"/>
+            <ac:spMk id="24" creationId="{B6BECE8C-EF3E-C20F-89D9-56C0D6AE3B02}"/>
+          </ac:spMkLst>
+        </pc:spChg>
+        <pc:picChg chg="del">
+          <ac:chgData name="Sharon, Eyal L" userId="8b1667f7-6931-49c5-bd1c-41fa75a64d14" providerId="ADAL" clId="{8189495D-DF35-42A8-AD02-82C80B370ABE}" dt="2025-04-21T22:22:05.021" v="2423" actId="478"/>
+          <ac:picMkLst>
+            <pc:docMk/>
+            <pc:sldMk cId="626688228" sldId="283"/>
+            <ac:picMk id="3" creationId="{EB654596-248F-1982-3780-7CB07A31BBBA}"/>
+          </ac:picMkLst>
+        </pc:picChg>
+        <pc:picChg chg="add del mod">
+          <ac:chgData name="Sharon, Eyal L" userId="8b1667f7-6931-49c5-bd1c-41fa75a64d14" providerId="ADAL" clId="{8189495D-DF35-42A8-AD02-82C80B370ABE}" dt="2025-04-21T22:22:03.932" v="2422" actId="22"/>
+          <ac:picMkLst>
+            <pc:docMk/>
+            <pc:sldMk cId="626688228" sldId="283"/>
+            <ac:picMk id="4" creationId="{A18822E1-C915-9A04-40F9-B8EDFED50648}"/>
+          </ac:picMkLst>
+        </pc:picChg>
+        <pc:picChg chg="add mod">
+          <ac:chgData name="Sharon, Eyal L" userId="8b1667f7-6931-49c5-bd1c-41fa75a64d14" providerId="ADAL" clId="{8189495D-DF35-42A8-AD02-82C80B370ABE}" dt="2025-04-21T22:29:05.271" v="2474" actId="1036"/>
+          <ac:picMkLst>
+            <pc:docMk/>
+            <pc:sldMk cId="626688228" sldId="283"/>
+            <ac:picMk id="8" creationId="{1F4E6D9E-14B7-DAB1-A849-BAAD28D4E46B}"/>
+          </ac:picMkLst>
+        </pc:picChg>
+        <pc:picChg chg="del">
+          <ac:chgData name="Sharon, Eyal L" userId="8b1667f7-6931-49c5-bd1c-41fa75a64d14" providerId="ADAL" clId="{8189495D-DF35-42A8-AD02-82C80B370ABE}" dt="2025-04-21T22:22:01.667" v="2418" actId="478"/>
+          <ac:picMkLst>
+            <pc:docMk/>
+            <pc:sldMk cId="626688228" sldId="283"/>
+            <ac:picMk id="10" creationId="{75C865EF-7C9A-5595-298F-5757DADDD960}"/>
+          </ac:picMkLst>
+        </pc:picChg>
+      </pc:sldChg>
+      <pc:sldChg chg="add del">
+        <pc:chgData name="Sharon, Eyal L" userId="8b1667f7-6931-49c5-bd1c-41fa75a64d14" providerId="ADAL" clId="{8189495D-DF35-42A8-AD02-82C80B370ABE}" dt="2025-04-21T22:30:06.430" v="2530" actId="47"/>
+        <pc:sldMkLst>
+          <pc:docMk/>
+          <pc:sldMk cId="1287002958" sldId="284"/>
+        </pc:sldMkLst>
+      </pc:sldChg>
+      <pc:sldChg chg="addSp delSp modSp add del mod">
+        <pc:chgData name="Sharon, Eyal L" userId="8b1667f7-6931-49c5-bd1c-41fa75a64d14" providerId="ADAL" clId="{8189495D-DF35-42A8-AD02-82C80B370ABE}" dt="2025-04-21T22:32:08.789" v="2613" actId="47"/>
+        <pc:sldMkLst>
+          <pc:docMk/>
+          <pc:sldMk cId="891781811" sldId="285"/>
+        </pc:sldMkLst>
+        <pc:spChg chg="mod">
+          <ac:chgData name="Sharon, Eyal L" userId="8b1667f7-6931-49c5-bd1c-41fa75a64d14" providerId="ADAL" clId="{8189495D-DF35-42A8-AD02-82C80B370ABE}" dt="2025-04-21T22:30:35.576" v="2535"/>
+          <ac:spMkLst>
+            <pc:docMk/>
+            <pc:sldMk cId="891781811" sldId="285"/>
+            <ac:spMk id="24" creationId="{C5A993B4-F021-3DCE-A6C3-3A38A8D20144}"/>
+          </ac:spMkLst>
+        </pc:spChg>
+        <pc:picChg chg="add del mod">
+          <ac:chgData name="Sharon, Eyal L" userId="8b1667f7-6931-49c5-bd1c-41fa75a64d14" providerId="ADAL" clId="{8189495D-DF35-42A8-AD02-82C80B370ABE}" dt="2025-04-21T22:30:59.104" v="2541" actId="478"/>
+          <ac:picMkLst>
+            <pc:docMk/>
+            <pc:sldMk cId="891781811" sldId="285"/>
+            <ac:picMk id="2" creationId="{B61C7494-36B3-329F-EAB3-4C882351D3E6}"/>
+          </ac:picMkLst>
+        </pc:picChg>
+      </pc:sldChg>
+      <pc:sldChg chg="modSp add mod">
+        <pc:chgData name="Sharon, Eyal L" userId="8b1667f7-6931-49c5-bd1c-41fa75a64d14" providerId="ADAL" clId="{8189495D-DF35-42A8-AD02-82C80B370ABE}" dt="2025-04-21T22:31:52.422" v="2610"/>
+        <pc:sldMkLst>
+          <pc:docMk/>
+          <pc:sldMk cId="1074004299" sldId="286"/>
+        </pc:sldMkLst>
+        <pc:spChg chg="mod">
+          <ac:chgData name="Sharon, Eyal L" userId="8b1667f7-6931-49c5-bd1c-41fa75a64d14" providerId="ADAL" clId="{8189495D-DF35-42A8-AD02-82C80B370ABE}" dt="2025-04-21T22:31:52.422" v="2610"/>
+          <ac:spMkLst>
+            <pc:docMk/>
+            <pc:sldMk cId="1074004299" sldId="286"/>
+            <ac:spMk id="7" creationId="{38C0E962-E057-E621-8DD4-33D72FFA85B6}"/>
+          </ac:spMkLst>
+        </pc:spChg>
+      </pc:sldChg>
+      <pc:sldChg chg="addSp delSp modSp add mod">
+        <pc:chgData name="Sharon, Eyal L" userId="8b1667f7-6931-49c5-bd1c-41fa75a64d14" providerId="ADAL" clId="{8189495D-DF35-42A8-AD02-82C80B370ABE}" dt="2025-04-21T22:48:58.810" v="2784" actId="478"/>
+        <pc:sldMkLst>
+          <pc:docMk/>
+          <pc:sldMk cId="1043581617" sldId="287"/>
+        </pc:sldMkLst>
+        <pc:spChg chg="add mod">
+          <ac:chgData name="Sharon, Eyal L" userId="8b1667f7-6931-49c5-bd1c-41fa75a64d14" providerId="ADAL" clId="{8189495D-DF35-42A8-AD02-82C80B370ABE}" dt="2025-04-21T22:44:23.745" v="2746" actId="20577"/>
+          <ac:spMkLst>
+            <pc:docMk/>
+            <pc:sldMk cId="1043581617" sldId="287"/>
+            <ac:spMk id="2" creationId="{158F9E36-2795-7E5C-20A5-7FA7712105BB}"/>
+          </ac:spMkLst>
+        </pc:spChg>
+        <pc:spChg chg="mod">
+          <ac:chgData name="Sharon, Eyal L" userId="8b1667f7-6931-49c5-bd1c-41fa75a64d14" providerId="ADAL" clId="{8189495D-DF35-42A8-AD02-82C80B370ABE}" dt="2025-04-21T22:34:04.465" v="2646" actId="20577"/>
+          <ac:spMkLst>
+            <pc:docMk/>
+            <pc:sldMk cId="1043581617" sldId="287"/>
+            <ac:spMk id="7" creationId="{50E9C155-10B0-4AA3-C6C8-E8ECDF09E454}"/>
+          </ac:spMkLst>
+        </pc:spChg>
+        <pc:spChg chg="add mod">
+          <ac:chgData name="Sharon, Eyal L" userId="8b1667f7-6931-49c5-bd1c-41fa75a64d14" providerId="ADAL" clId="{8189495D-DF35-42A8-AD02-82C80B370ABE}" dt="2025-04-21T22:34:13.033" v="2648"/>
+          <ac:spMkLst>
+            <pc:docMk/>
+            <pc:sldMk cId="1043581617" sldId="287"/>
+            <ac:spMk id="9" creationId="{3945FADA-7AE5-D248-9EAB-31D9A8A94E92}"/>
+          </ac:spMkLst>
+        </pc:spChg>
+        <pc:spChg chg="add del mod">
+          <ac:chgData name="Sharon, Eyal L" userId="8b1667f7-6931-49c5-bd1c-41fa75a64d14" providerId="ADAL" clId="{8189495D-DF35-42A8-AD02-82C80B370ABE}" dt="2025-04-21T22:44:57.117" v="2750" actId="478"/>
+          <ac:spMkLst>
+            <pc:docMk/>
+            <pc:sldMk cId="1043581617" sldId="287"/>
+            <ac:spMk id="10" creationId="{9B4343BD-8841-6B39-76AC-052B7BFD5C3C}"/>
+          </ac:spMkLst>
+        </pc:spChg>
+        <pc:spChg chg="add del mod">
+          <ac:chgData name="Sharon, Eyal L" userId="8b1667f7-6931-49c5-bd1c-41fa75a64d14" providerId="ADAL" clId="{8189495D-DF35-42A8-AD02-82C80B370ABE}" dt="2025-04-21T22:48:58.810" v="2784" actId="478"/>
+          <ac:spMkLst>
+            <pc:docMk/>
+            <pc:sldMk cId="1043581617" sldId="287"/>
+            <ac:spMk id="20" creationId="{D7CAE477-E9FA-676B-6078-D5A93F1ADCAD}"/>
+          </ac:spMkLst>
+        </pc:spChg>
+        <pc:picChg chg="add del mod">
+          <ac:chgData name="Sharon, Eyal L" userId="8b1667f7-6931-49c5-bd1c-41fa75a64d14" providerId="ADAL" clId="{8189495D-DF35-42A8-AD02-82C80B370ABE}" dt="2025-04-21T22:44:52.661" v="2748" actId="478"/>
+          <ac:picMkLst>
+            <pc:docMk/>
+            <pc:sldMk cId="1043581617" sldId="287"/>
+            <ac:picMk id="4" creationId="{B86AA627-451A-95F2-E6A0-C9F0E348E496}"/>
+          </ac:picMkLst>
+        </pc:picChg>
+        <pc:cxnChg chg="add del mod">
+          <ac:chgData name="Sharon, Eyal L" userId="8b1667f7-6931-49c5-bd1c-41fa75a64d14" providerId="ADAL" clId="{8189495D-DF35-42A8-AD02-82C80B370ABE}" dt="2025-04-21T22:44:57.964" v="2751" actId="478"/>
+          <ac:cxnSpMkLst>
+            <pc:docMk/>
+            <pc:sldMk cId="1043581617" sldId="287"/>
+            <ac:cxnSpMk id="8" creationId="{512CA7D1-75C4-99BE-09AC-6D3FE383E6BD}"/>
+          </ac:cxnSpMkLst>
+        </pc:cxnChg>
+        <pc:cxnChg chg="add del mod">
+          <ac:chgData name="Sharon, Eyal L" userId="8b1667f7-6931-49c5-bd1c-41fa75a64d14" providerId="ADAL" clId="{8189495D-DF35-42A8-AD02-82C80B370ABE}" dt="2025-04-21T22:48:04.008" v="2753" actId="478"/>
+          <ac:cxnSpMkLst>
+            <pc:docMk/>
+            <pc:sldMk cId="1043581617" sldId="287"/>
+            <ac:cxnSpMk id="11" creationId="{C93C0746-96A2-2D80-C414-5A1ADFFD5EBE}"/>
+          </ac:cxnSpMkLst>
+        </pc:cxnChg>
+      </pc:sldChg>
+      <pc:sldChg chg="add del">
+        <pc:chgData name="Sharon, Eyal L" userId="8b1667f7-6931-49c5-bd1c-41fa75a64d14" providerId="ADAL" clId="{8189495D-DF35-42A8-AD02-82C80B370ABE}" dt="2025-04-21T22:32:17.904" v="2617"/>
+        <pc:sldMkLst>
+          <pc:docMk/>
+          <pc:sldMk cId="56920096" sldId="288"/>
+        </pc:sldMkLst>
+      </pc:sldChg>
+      <pc:sldChg chg="addSp delSp modSp add mod">
+        <pc:chgData name="Sharon, Eyal L" userId="8b1667f7-6931-49c5-bd1c-41fa75a64d14" providerId="ADAL" clId="{8189495D-DF35-42A8-AD02-82C80B370ABE}" dt="2025-04-21T22:48:52.015" v="2783" actId="14100"/>
+        <pc:sldMkLst>
+          <pc:docMk/>
+          <pc:sldMk cId="2852832827" sldId="288"/>
+        </pc:sldMkLst>
+        <pc:spChg chg="add mod">
+          <ac:chgData name="Sharon, Eyal L" userId="8b1667f7-6931-49c5-bd1c-41fa75a64d14" providerId="ADAL" clId="{8189495D-DF35-42A8-AD02-82C80B370ABE}" dt="2025-04-21T22:48:45.371" v="2759"/>
+          <ac:spMkLst>
+            <pc:docMk/>
+            <pc:sldMk cId="2852832827" sldId="288"/>
+            <ac:spMk id="3" creationId="{5C062A2E-FCFD-62FE-5D6F-F55854C99A56}"/>
+          </ac:spMkLst>
+        </pc:spChg>
+        <pc:cxnChg chg="mod">
+          <ac:chgData name="Sharon, Eyal L" userId="8b1667f7-6931-49c5-bd1c-41fa75a64d14" providerId="ADAL" clId="{8189495D-DF35-42A8-AD02-82C80B370ABE}" dt="2025-04-21T22:48:52.015" v="2783" actId="14100"/>
+          <ac:cxnSpMkLst>
+            <pc:docMk/>
+            <pc:sldMk cId="2852832827" sldId="288"/>
+            <ac:cxnSpMk id="8" creationId="{5B4DA97B-321D-811A-9A21-C1BE6AA41CAB}"/>
+          </ac:cxnSpMkLst>
+        </pc:cxnChg>
+        <pc:cxnChg chg="del">
+          <ac:chgData name="Sharon, Eyal L" userId="8b1667f7-6931-49c5-bd1c-41fa75a64d14" providerId="ADAL" clId="{8189495D-DF35-42A8-AD02-82C80B370ABE}" dt="2025-04-21T22:48:01.578" v="2752" actId="478"/>
+          <ac:cxnSpMkLst>
+            <pc:docMk/>
+            <pc:sldMk cId="2852832827" sldId="288"/>
+            <ac:cxnSpMk id="11" creationId="{242C6259-EDFF-3668-F565-C702E1E64CE6}"/>
+          </ac:cxnSpMkLst>
+        </pc:cxnChg>
+      </pc:sldChg>
+      <pc:sldChg chg="add del">
+        <pc:chgData name="Sharon, Eyal L" userId="8b1667f7-6931-49c5-bd1c-41fa75a64d14" providerId="ADAL" clId="{8189495D-DF35-42A8-AD02-82C80B370ABE}" dt="2025-04-21T22:48:41.240" v="2758"/>
+        <pc:sldMkLst>
+          <pc:docMk/>
+          <pc:sldMk cId="1256990224" sldId="289"/>
+        </pc:sldMkLst>
+      </pc:sldChg>
+    </pc:docChg>
+  </pc:docChgLst>
+</pc:chgInfo>
+</file>
+
 <file path=ppt/notesMasters/notesMaster1.xml><?xml version="1.0" encoding="utf-8"?>
 <p:notesMaster xmlns:a="http://schemas.openxmlformats.org/drawingml/2006/main" xmlns:r="http://schemas.openxmlformats.org/officeDocument/2006/relationships" xmlns:p="http://schemas.openxmlformats.org/presentationml/2006/main">
   <p:cSld>
@@ -215,7 +1119,7 @@
           <a:p>
             <a:fld id="{75796472-B87E-4381-8196-13D73E248975}" type="datetimeFigureOut">
               <a:rPr lang="en-US" smtClean="0"/>
-              <a:t>4/20/2025</a:t>
+              <a:t>4/21/2025</a:t>
             </a:fld>
             <a:endParaRPr lang="en-US"/>
           </a:p>
@@ -982,6 +1886,661 @@
 </p:notes>
 </file>
 
+<file path=ppt/notesSlides/notesSlide13.xml><?xml version="1.0" encoding="utf-8"?>
+<p:notes xmlns:a="http://schemas.openxmlformats.org/drawingml/2006/main" xmlns:r="http://schemas.openxmlformats.org/officeDocument/2006/relationships" xmlns:p="http://schemas.openxmlformats.org/presentationml/2006/main">
+  <p:cSld>
+    <p:spTree>
+      <p:nvGrpSpPr>
+        <p:cNvPr id="1" name="">
+          <a:extLst>
+            <a:ext uri="{FF2B5EF4-FFF2-40B4-BE49-F238E27FC236}">
+              <a16:creationId xmlns:a16="http://schemas.microsoft.com/office/drawing/2014/main" id="{0FB1011B-AC86-B398-0CA6-033D7BE97B9C}"/>
+            </a:ext>
+          </a:extLst>
+        </p:cNvPr>
+        <p:cNvGrpSpPr/>
+        <p:nvPr/>
+      </p:nvGrpSpPr>
+      <p:grpSpPr>
+        <a:xfrm>
+          <a:off x="0" y="0"/>
+          <a:ext cx="0" cy="0"/>
+          <a:chOff x="0" y="0"/>
+          <a:chExt cx="0" cy="0"/>
+        </a:xfrm>
+      </p:grpSpPr>
+      <p:sp>
+        <p:nvSpPr>
+          <p:cNvPr id="2" name="Slide Image Placeholder 1">
+            <a:extLst>
+              <a:ext uri="{FF2B5EF4-FFF2-40B4-BE49-F238E27FC236}">
+                <a16:creationId xmlns:a16="http://schemas.microsoft.com/office/drawing/2014/main" id="{164CB7FF-3E17-2B97-2BEA-A909C9DCD094}"/>
+              </a:ext>
+            </a:extLst>
+          </p:cNvPr>
+          <p:cNvSpPr>
+            <a:spLocks noGrp="1" noRot="1" noChangeAspect="1"/>
+          </p:cNvSpPr>
+          <p:nvPr>
+            <p:ph type="sldImg"/>
+          </p:nvPr>
+        </p:nvSpPr>
+        <p:spPr/>
+      </p:sp>
+      <p:sp>
+        <p:nvSpPr>
+          <p:cNvPr id="3" name="Notes Placeholder 2">
+            <a:extLst>
+              <a:ext uri="{FF2B5EF4-FFF2-40B4-BE49-F238E27FC236}">
+                <a16:creationId xmlns:a16="http://schemas.microsoft.com/office/drawing/2014/main" id="{89AE7E26-C0FE-4C8F-F47B-D565DEE28DEC}"/>
+              </a:ext>
+            </a:extLst>
+          </p:cNvPr>
+          <p:cNvSpPr>
+            <a:spLocks noGrp="1"/>
+          </p:cNvSpPr>
+          <p:nvPr>
+            <p:ph type="body" idx="1"/>
+          </p:nvPr>
+        </p:nvSpPr>
+        <p:spPr/>
+        <p:txBody>
+          <a:bodyPr/>
+          <a:lstStyle/>
+          <a:p>
+            <a:pPr marL="0" marR="0" lvl="0" indent="0" algn="l" defTabSz="914400" rtl="0" eaLnBrk="1" fontAlgn="auto" latinLnBrk="0" hangingPunct="1">
+              <a:lnSpc>
+                <a:spcPct val="100000"/>
+              </a:lnSpc>
+              <a:spcBef>
+                <a:spcPts val="0"/>
+              </a:spcBef>
+              <a:spcAft>
+                <a:spcPts val="0"/>
+              </a:spcAft>
+              <a:buClrTx/>
+              <a:buSzTx/>
+              <a:buFontTx/>
+              <a:buNone/>
+              <a:tabLst/>
+              <a:defRPr/>
+            </a:pPr>
+            <a:r>
+              <a:rPr lang="en-US" dirty="0"/>
+              <a:t>Walking basslines move a lot, and want to move in short steps more than in long jumps. But both are acceptable.</a:t>
+            </a:r>
+          </a:p>
+          <a:p>
+            <a:endParaRPr lang="en-US" dirty="0"/>
+          </a:p>
+        </p:txBody>
+      </p:sp>
+      <p:sp>
+        <p:nvSpPr>
+          <p:cNvPr id="4" name="Slide Number Placeholder 3">
+            <a:extLst>
+              <a:ext uri="{FF2B5EF4-FFF2-40B4-BE49-F238E27FC236}">
+                <a16:creationId xmlns:a16="http://schemas.microsoft.com/office/drawing/2014/main" id="{B9B4C15E-67DF-397F-EEC6-C7DD61F42FC9}"/>
+              </a:ext>
+            </a:extLst>
+          </p:cNvPr>
+          <p:cNvSpPr>
+            <a:spLocks noGrp="1"/>
+          </p:cNvSpPr>
+          <p:nvPr>
+            <p:ph type="sldNum" sz="quarter" idx="5"/>
+          </p:nvPr>
+        </p:nvSpPr>
+        <p:spPr/>
+        <p:txBody>
+          <a:bodyPr/>
+          <a:lstStyle/>
+          <a:p>
+            <a:fld id="{75C27354-8D95-4B2E-8540-BFCEB4C148F5}" type="slidenum">
+              <a:rPr lang="en-US" smtClean="0"/>
+              <a:t>20</a:t>
+            </a:fld>
+            <a:endParaRPr lang="en-US"/>
+          </a:p>
+        </p:txBody>
+      </p:sp>
+    </p:spTree>
+    <p:extLst>
+      <p:ext uri="{BB962C8B-B14F-4D97-AF65-F5344CB8AC3E}">
+        <p14:creationId xmlns:p14="http://schemas.microsoft.com/office/powerpoint/2010/main" val="3759902824"/>
+      </p:ext>
+    </p:extLst>
+  </p:cSld>
+  <p:clrMapOvr>
+    <a:masterClrMapping/>
+  </p:clrMapOvr>
+</p:notes>
+</file>
+
+<file path=ppt/notesSlides/notesSlide14.xml><?xml version="1.0" encoding="utf-8"?>
+<p:notes xmlns:a="http://schemas.openxmlformats.org/drawingml/2006/main" xmlns:r="http://schemas.openxmlformats.org/officeDocument/2006/relationships" xmlns:p="http://schemas.openxmlformats.org/presentationml/2006/main">
+  <p:cSld>
+    <p:spTree>
+      <p:nvGrpSpPr>
+        <p:cNvPr id="1" name="">
+          <a:extLst>
+            <a:ext uri="{FF2B5EF4-FFF2-40B4-BE49-F238E27FC236}">
+              <a16:creationId xmlns:a16="http://schemas.microsoft.com/office/drawing/2014/main" id="{14450040-1003-A204-33BC-04E15119E1A1}"/>
+            </a:ext>
+          </a:extLst>
+        </p:cNvPr>
+        <p:cNvGrpSpPr/>
+        <p:nvPr/>
+      </p:nvGrpSpPr>
+      <p:grpSpPr>
+        <a:xfrm>
+          <a:off x="0" y="0"/>
+          <a:ext cx="0" cy="0"/>
+          <a:chOff x="0" y="0"/>
+          <a:chExt cx="0" cy="0"/>
+        </a:xfrm>
+      </p:grpSpPr>
+      <p:sp>
+        <p:nvSpPr>
+          <p:cNvPr id="2" name="Slide Image Placeholder 1">
+            <a:extLst>
+              <a:ext uri="{FF2B5EF4-FFF2-40B4-BE49-F238E27FC236}">
+                <a16:creationId xmlns:a16="http://schemas.microsoft.com/office/drawing/2014/main" id="{2D39C228-A3A7-1E1F-D60B-4B7C4D0251D6}"/>
+              </a:ext>
+            </a:extLst>
+          </p:cNvPr>
+          <p:cNvSpPr>
+            <a:spLocks noGrp="1" noRot="1" noChangeAspect="1"/>
+          </p:cNvSpPr>
+          <p:nvPr>
+            <p:ph type="sldImg"/>
+          </p:nvPr>
+        </p:nvSpPr>
+        <p:spPr/>
+      </p:sp>
+      <p:sp>
+        <p:nvSpPr>
+          <p:cNvPr id="3" name="Notes Placeholder 2">
+            <a:extLst>
+              <a:ext uri="{FF2B5EF4-FFF2-40B4-BE49-F238E27FC236}">
+                <a16:creationId xmlns:a16="http://schemas.microsoft.com/office/drawing/2014/main" id="{F448BDFD-AD1F-FA89-0885-F2BD2F2E6B60}"/>
+              </a:ext>
+            </a:extLst>
+          </p:cNvPr>
+          <p:cNvSpPr>
+            <a:spLocks noGrp="1"/>
+          </p:cNvSpPr>
+          <p:nvPr>
+            <p:ph type="body" idx="1"/>
+          </p:nvPr>
+        </p:nvSpPr>
+        <p:spPr/>
+        <p:txBody>
+          <a:bodyPr/>
+          <a:lstStyle/>
+          <a:p>
+            <a:pPr marL="0" marR="0" lvl="0" indent="0" algn="l" defTabSz="914400" rtl="0" eaLnBrk="1" fontAlgn="auto" latinLnBrk="0" hangingPunct="1">
+              <a:lnSpc>
+                <a:spcPct val="100000"/>
+              </a:lnSpc>
+              <a:spcBef>
+                <a:spcPts val="0"/>
+              </a:spcBef>
+              <a:spcAft>
+                <a:spcPts val="0"/>
+              </a:spcAft>
+              <a:buClrTx/>
+              <a:buSzTx/>
+              <a:buFontTx/>
+              <a:buNone/>
+              <a:tabLst/>
+              <a:defRPr/>
+            </a:pPr>
+            <a:r>
+              <a:rPr lang="en-US" dirty="0"/>
+              <a:t>Walking basslines move a lot, and want to move in short steps more than in long jumps. But both are acceptable.</a:t>
+            </a:r>
+          </a:p>
+          <a:p>
+            <a:endParaRPr lang="en-US" dirty="0"/>
+          </a:p>
+        </p:txBody>
+      </p:sp>
+      <p:sp>
+        <p:nvSpPr>
+          <p:cNvPr id="4" name="Slide Number Placeholder 3">
+            <a:extLst>
+              <a:ext uri="{FF2B5EF4-FFF2-40B4-BE49-F238E27FC236}">
+                <a16:creationId xmlns:a16="http://schemas.microsoft.com/office/drawing/2014/main" id="{C0836E68-781F-ECE6-D6C5-584DE4A018D4}"/>
+              </a:ext>
+            </a:extLst>
+          </p:cNvPr>
+          <p:cNvSpPr>
+            <a:spLocks noGrp="1"/>
+          </p:cNvSpPr>
+          <p:nvPr>
+            <p:ph type="sldNum" sz="quarter" idx="5"/>
+          </p:nvPr>
+        </p:nvSpPr>
+        <p:spPr/>
+        <p:txBody>
+          <a:bodyPr/>
+          <a:lstStyle/>
+          <a:p>
+            <a:fld id="{75C27354-8D95-4B2E-8540-BFCEB4C148F5}" type="slidenum">
+              <a:rPr lang="en-US" smtClean="0"/>
+              <a:t>21</a:t>
+            </a:fld>
+            <a:endParaRPr lang="en-US"/>
+          </a:p>
+        </p:txBody>
+      </p:sp>
+    </p:spTree>
+    <p:extLst>
+      <p:ext uri="{BB962C8B-B14F-4D97-AF65-F5344CB8AC3E}">
+        <p14:creationId xmlns:p14="http://schemas.microsoft.com/office/powerpoint/2010/main" val="64672009"/>
+      </p:ext>
+    </p:extLst>
+  </p:cSld>
+  <p:clrMapOvr>
+    <a:masterClrMapping/>
+  </p:clrMapOvr>
+</p:notes>
+</file>
+
+<file path=ppt/notesSlides/notesSlide15.xml><?xml version="1.0" encoding="utf-8"?>
+<p:notes xmlns:a="http://schemas.openxmlformats.org/drawingml/2006/main" xmlns:r="http://schemas.openxmlformats.org/officeDocument/2006/relationships" xmlns:p="http://schemas.openxmlformats.org/presentationml/2006/main">
+  <p:cSld>
+    <p:spTree>
+      <p:nvGrpSpPr>
+        <p:cNvPr id="1" name="">
+          <a:extLst>
+            <a:ext uri="{FF2B5EF4-FFF2-40B4-BE49-F238E27FC236}">
+              <a16:creationId xmlns:a16="http://schemas.microsoft.com/office/drawing/2014/main" id="{8BAD6B1E-7C3F-F830-E542-0646482D8903}"/>
+            </a:ext>
+          </a:extLst>
+        </p:cNvPr>
+        <p:cNvGrpSpPr/>
+        <p:nvPr/>
+      </p:nvGrpSpPr>
+      <p:grpSpPr>
+        <a:xfrm>
+          <a:off x="0" y="0"/>
+          <a:ext cx="0" cy="0"/>
+          <a:chOff x="0" y="0"/>
+          <a:chExt cx="0" cy="0"/>
+        </a:xfrm>
+      </p:grpSpPr>
+      <p:sp>
+        <p:nvSpPr>
+          <p:cNvPr id="2" name="Slide Image Placeholder 1">
+            <a:extLst>
+              <a:ext uri="{FF2B5EF4-FFF2-40B4-BE49-F238E27FC236}">
+                <a16:creationId xmlns:a16="http://schemas.microsoft.com/office/drawing/2014/main" id="{CA44609C-6B00-BF80-38E7-B223079A7AD0}"/>
+              </a:ext>
+            </a:extLst>
+          </p:cNvPr>
+          <p:cNvSpPr>
+            <a:spLocks noGrp="1" noRot="1" noChangeAspect="1"/>
+          </p:cNvSpPr>
+          <p:nvPr>
+            <p:ph type="sldImg"/>
+          </p:nvPr>
+        </p:nvSpPr>
+        <p:spPr/>
+      </p:sp>
+      <p:sp>
+        <p:nvSpPr>
+          <p:cNvPr id="3" name="Notes Placeholder 2">
+            <a:extLst>
+              <a:ext uri="{FF2B5EF4-FFF2-40B4-BE49-F238E27FC236}">
+                <a16:creationId xmlns:a16="http://schemas.microsoft.com/office/drawing/2014/main" id="{C3472094-4347-18A3-8183-C20A63BCE30A}"/>
+              </a:ext>
+            </a:extLst>
+          </p:cNvPr>
+          <p:cNvSpPr>
+            <a:spLocks noGrp="1"/>
+          </p:cNvSpPr>
+          <p:nvPr>
+            <p:ph type="body" idx="1"/>
+          </p:nvPr>
+        </p:nvSpPr>
+        <p:spPr/>
+        <p:txBody>
+          <a:bodyPr/>
+          <a:lstStyle/>
+          <a:p>
+            <a:pPr marL="0" marR="0" lvl="0" indent="0" algn="l" defTabSz="914400" rtl="0" eaLnBrk="1" fontAlgn="auto" latinLnBrk="0" hangingPunct="1">
+              <a:lnSpc>
+                <a:spcPct val="100000"/>
+              </a:lnSpc>
+              <a:spcBef>
+                <a:spcPts val="0"/>
+              </a:spcBef>
+              <a:spcAft>
+                <a:spcPts val="0"/>
+              </a:spcAft>
+              <a:buClrTx/>
+              <a:buSzTx/>
+              <a:buFontTx/>
+              <a:buNone/>
+              <a:tabLst/>
+              <a:defRPr/>
+            </a:pPr>
+            <a:r>
+              <a:rPr lang="en-US" dirty="0"/>
+              <a:t>Walking basslines move a lot, and want to move in short steps more than in long jumps. But both are acceptable.</a:t>
+            </a:r>
+          </a:p>
+          <a:p>
+            <a:endParaRPr lang="en-US" dirty="0"/>
+          </a:p>
+        </p:txBody>
+      </p:sp>
+      <p:sp>
+        <p:nvSpPr>
+          <p:cNvPr id="4" name="Slide Number Placeholder 3">
+            <a:extLst>
+              <a:ext uri="{FF2B5EF4-FFF2-40B4-BE49-F238E27FC236}">
+                <a16:creationId xmlns:a16="http://schemas.microsoft.com/office/drawing/2014/main" id="{9DF7F811-A179-C451-665D-678BA041A2D7}"/>
+              </a:ext>
+            </a:extLst>
+          </p:cNvPr>
+          <p:cNvSpPr>
+            <a:spLocks noGrp="1"/>
+          </p:cNvSpPr>
+          <p:nvPr>
+            <p:ph type="sldNum" sz="quarter" idx="5"/>
+          </p:nvPr>
+        </p:nvSpPr>
+        <p:spPr/>
+        <p:txBody>
+          <a:bodyPr/>
+          <a:lstStyle/>
+          <a:p>
+            <a:fld id="{75C27354-8D95-4B2E-8540-BFCEB4C148F5}" type="slidenum">
+              <a:rPr lang="en-US" smtClean="0"/>
+              <a:t>22</a:t>
+            </a:fld>
+            <a:endParaRPr lang="en-US"/>
+          </a:p>
+        </p:txBody>
+      </p:sp>
+    </p:spTree>
+    <p:extLst>
+      <p:ext uri="{BB962C8B-B14F-4D97-AF65-F5344CB8AC3E}">
+        <p14:creationId xmlns:p14="http://schemas.microsoft.com/office/powerpoint/2010/main" val="1518236774"/>
+      </p:ext>
+    </p:extLst>
+  </p:cSld>
+  <p:clrMapOvr>
+    <a:masterClrMapping/>
+  </p:clrMapOvr>
+</p:notes>
+</file>
+
+<file path=ppt/notesSlides/notesSlide16.xml><?xml version="1.0" encoding="utf-8"?>
+<p:notes xmlns:a="http://schemas.openxmlformats.org/drawingml/2006/main" xmlns:r="http://schemas.openxmlformats.org/officeDocument/2006/relationships" xmlns:p="http://schemas.openxmlformats.org/presentationml/2006/main">
+  <p:cSld>
+    <p:spTree>
+      <p:nvGrpSpPr>
+        <p:cNvPr id="1" name="">
+          <a:extLst>
+            <a:ext uri="{FF2B5EF4-FFF2-40B4-BE49-F238E27FC236}">
+              <a16:creationId xmlns:a16="http://schemas.microsoft.com/office/drawing/2014/main" id="{77978099-0C39-1FC0-4878-0D022E499436}"/>
+            </a:ext>
+          </a:extLst>
+        </p:cNvPr>
+        <p:cNvGrpSpPr/>
+        <p:nvPr/>
+      </p:nvGrpSpPr>
+      <p:grpSpPr>
+        <a:xfrm>
+          <a:off x="0" y="0"/>
+          <a:ext cx="0" cy="0"/>
+          <a:chOff x="0" y="0"/>
+          <a:chExt cx="0" cy="0"/>
+        </a:xfrm>
+      </p:grpSpPr>
+      <p:sp>
+        <p:nvSpPr>
+          <p:cNvPr id="2" name="Slide Image Placeholder 1">
+            <a:extLst>
+              <a:ext uri="{FF2B5EF4-FFF2-40B4-BE49-F238E27FC236}">
+                <a16:creationId xmlns:a16="http://schemas.microsoft.com/office/drawing/2014/main" id="{2F919386-EDF7-FBD8-1B44-E8A882B58F30}"/>
+              </a:ext>
+            </a:extLst>
+          </p:cNvPr>
+          <p:cNvSpPr>
+            <a:spLocks noGrp="1" noRot="1" noChangeAspect="1"/>
+          </p:cNvSpPr>
+          <p:nvPr>
+            <p:ph type="sldImg"/>
+          </p:nvPr>
+        </p:nvSpPr>
+        <p:spPr/>
+      </p:sp>
+      <p:sp>
+        <p:nvSpPr>
+          <p:cNvPr id="3" name="Notes Placeholder 2">
+            <a:extLst>
+              <a:ext uri="{FF2B5EF4-FFF2-40B4-BE49-F238E27FC236}">
+                <a16:creationId xmlns:a16="http://schemas.microsoft.com/office/drawing/2014/main" id="{815AD0B9-9061-B592-9648-CE9B73956D4B}"/>
+              </a:ext>
+            </a:extLst>
+          </p:cNvPr>
+          <p:cNvSpPr>
+            <a:spLocks noGrp="1"/>
+          </p:cNvSpPr>
+          <p:nvPr>
+            <p:ph type="body" idx="1"/>
+          </p:nvPr>
+        </p:nvSpPr>
+        <p:spPr/>
+        <p:txBody>
+          <a:bodyPr/>
+          <a:lstStyle/>
+          <a:p>
+            <a:pPr marL="0" marR="0" lvl="0" indent="0" algn="l" defTabSz="914400" rtl="0" eaLnBrk="1" fontAlgn="auto" latinLnBrk="0" hangingPunct="1">
+              <a:lnSpc>
+                <a:spcPct val="100000"/>
+              </a:lnSpc>
+              <a:spcBef>
+                <a:spcPts val="0"/>
+              </a:spcBef>
+              <a:spcAft>
+                <a:spcPts val="0"/>
+              </a:spcAft>
+              <a:buClrTx/>
+              <a:buSzTx/>
+              <a:buFontTx/>
+              <a:buNone/>
+              <a:tabLst/>
+              <a:defRPr/>
+            </a:pPr>
+            <a:r>
+              <a:rPr lang="en-US" dirty="0"/>
+              <a:t>Walking basslines move a lot, and want to move in short steps more than in long jumps. But both are acceptable.</a:t>
+            </a:r>
+          </a:p>
+          <a:p>
+            <a:endParaRPr lang="en-US" dirty="0"/>
+          </a:p>
+        </p:txBody>
+      </p:sp>
+      <p:sp>
+        <p:nvSpPr>
+          <p:cNvPr id="4" name="Slide Number Placeholder 3">
+            <a:extLst>
+              <a:ext uri="{FF2B5EF4-FFF2-40B4-BE49-F238E27FC236}">
+                <a16:creationId xmlns:a16="http://schemas.microsoft.com/office/drawing/2014/main" id="{7A75B629-BAD0-AD67-F31E-2F242F32F97F}"/>
+              </a:ext>
+            </a:extLst>
+          </p:cNvPr>
+          <p:cNvSpPr>
+            <a:spLocks noGrp="1"/>
+          </p:cNvSpPr>
+          <p:nvPr>
+            <p:ph type="sldNum" sz="quarter" idx="5"/>
+          </p:nvPr>
+        </p:nvSpPr>
+        <p:spPr/>
+        <p:txBody>
+          <a:bodyPr/>
+          <a:lstStyle/>
+          <a:p>
+            <a:fld id="{75C27354-8D95-4B2E-8540-BFCEB4C148F5}" type="slidenum">
+              <a:rPr lang="en-US" smtClean="0"/>
+              <a:t>23</a:t>
+            </a:fld>
+            <a:endParaRPr lang="en-US"/>
+          </a:p>
+        </p:txBody>
+      </p:sp>
+    </p:spTree>
+    <p:extLst>
+      <p:ext uri="{BB962C8B-B14F-4D97-AF65-F5344CB8AC3E}">
+        <p14:creationId xmlns:p14="http://schemas.microsoft.com/office/powerpoint/2010/main" val="2968214558"/>
+      </p:ext>
+    </p:extLst>
+  </p:cSld>
+  <p:clrMapOvr>
+    <a:masterClrMapping/>
+  </p:clrMapOvr>
+</p:notes>
+</file>
+
+<file path=ppt/notesSlides/notesSlide17.xml><?xml version="1.0" encoding="utf-8"?>
+<p:notes xmlns:a="http://schemas.openxmlformats.org/drawingml/2006/main" xmlns:r="http://schemas.openxmlformats.org/officeDocument/2006/relationships" xmlns:p="http://schemas.openxmlformats.org/presentationml/2006/main">
+  <p:cSld>
+    <p:spTree>
+      <p:nvGrpSpPr>
+        <p:cNvPr id="1" name="">
+          <a:extLst>
+            <a:ext uri="{FF2B5EF4-FFF2-40B4-BE49-F238E27FC236}">
+              <a16:creationId xmlns:a16="http://schemas.microsoft.com/office/drawing/2014/main" id="{12071946-4D4C-10BC-2BCC-86938753D9D3}"/>
+            </a:ext>
+          </a:extLst>
+        </p:cNvPr>
+        <p:cNvGrpSpPr/>
+        <p:nvPr/>
+      </p:nvGrpSpPr>
+      <p:grpSpPr>
+        <a:xfrm>
+          <a:off x="0" y="0"/>
+          <a:ext cx="0" cy="0"/>
+          <a:chOff x="0" y="0"/>
+          <a:chExt cx="0" cy="0"/>
+        </a:xfrm>
+      </p:grpSpPr>
+      <p:sp>
+        <p:nvSpPr>
+          <p:cNvPr id="2" name="Slide Image Placeholder 1">
+            <a:extLst>
+              <a:ext uri="{FF2B5EF4-FFF2-40B4-BE49-F238E27FC236}">
+                <a16:creationId xmlns:a16="http://schemas.microsoft.com/office/drawing/2014/main" id="{D6BC98AF-63A6-BA1C-457B-3FB43F4B7B67}"/>
+              </a:ext>
+            </a:extLst>
+          </p:cNvPr>
+          <p:cNvSpPr>
+            <a:spLocks noGrp="1" noRot="1" noChangeAspect="1"/>
+          </p:cNvSpPr>
+          <p:nvPr>
+            <p:ph type="sldImg"/>
+          </p:nvPr>
+        </p:nvSpPr>
+        <p:spPr/>
+      </p:sp>
+      <p:sp>
+        <p:nvSpPr>
+          <p:cNvPr id="3" name="Notes Placeholder 2">
+            <a:extLst>
+              <a:ext uri="{FF2B5EF4-FFF2-40B4-BE49-F238E27FC236}">
+                <a16:creationId xmlns:a16="http://schemas.microsoft.com/office/drawing/2014/main" id="{DBBCC859-91FA-ED97-5B3C-D78E257203F4}"/>
+              </a:ext>
+            </a:extLst>
+          </p:cNvPr>
+          <p:cNvSpPr>
+            <a:spLocks noGrp="1"/>
+          </p:cNvSpPr>
+          <p:nvPr>
+            <p:ph type="body" idx="1"/>
+          </p:nvPr>
+        </p:nvSpPr>
+        <p:spPr/>
+        <p:txBody>
+          <a:bodyPr/>
+          <a:lstStyle/>
+          <a:p>
+            <a:pPr marL="0" marR="0" lvl="0" indent="0" algn="l" defTabSz="914400" rtl="0" eaLnBrk="1" fontAlgn="auto" latinLnBrk="0" hangingPunct="1">
+              <a:lnSpc>
+                <a:spcPct val="100000"/>
+              </a:lnSpc>
+              <a:spcBef>
+                <a:spcPts val="0"/>
+              </a:spcBef>
+              <a:spcAft>
+                <a:spcPts val="0"/>
+              </a:spcAft>
+              <a:buClrTx/>
+              <a:buSzTx/>
+              <a:buFontTx/>
+              <a:buNone/>
+              <a:tabLst/>
+              <a:defRPr/>
+            </a:pPr>
+            <a:r>
+              <a:rPr lang="en-US" dirty="0"/>
+              <a:t>Walking basslines move a lot, and want to move in short steps more than in long jumps. But both are acceptable.</a:t>
+            </a:r>
+          </a:p>
+          <a:p>
+            <a:endParaRPr lang="en-US" dirty="0"/>
+          </a:p>
+        </p:txBody>
+      </p:sp>
+      <p:sp>
+        <p:nvSpPr>
+          <p:cNvPr id="4" name="Slide Number Placeholder 3">
+            <a:extLst>
+              <a:ext uri="{FF2B5EF4-FFF2-40B4-BE49-F238E27FC236}">
+                <a16:creationId xmlns:a16="http://schemas.microsoft.com/office/drawing/2014/main" id="{1490529A-7459-1CCD-68EE-F53E109E71A5}"/>
+              </a:ext>
+            </a:extLst>
+          </p:cNvPr>
+          <p:cNvSpPr>
+            <a:spLocks noGrp="1"/>
+          </p:cNvSpPr>
+          <p:nvPr>
+            <p:ph type="sldNum" sz="quarter" idx="5"/>
+          </p:nvPr>
+        </p:nvSpPr>
+        <p:spPr/>
+        <p:txBody>
+          <a:bodyPr/>
+          <a:lstStyle/>
+          <a:p>
+            <a:fld id="{75C27354-8D95-4B2E-8540-BFCEB4C148F5}" type="slidenum">
+              <a:rPr lang="en-US" smtClean="0"/>
+              <a:t>24</a:t>
+            </a:fld>
+            <a:endParaRPr lang="en-US"/>
+          </a:p>
+        </p:txBody>
+      </p:sp>
+    </p:spTree>
+    <p:extLst>
+      <p:ext uri="{BB962C8B-B14F-4D97-AF65-F5344CB8AC3E}">
+        <p14:creationId xmlns:p14="http://schemas.microsoft.com/office/powerpoint/2010/main" val="2673630212"/>
+      </p:ext>
+    </p:extLst>
+  </p:cSld>
+  <p:clrMapOvr>
+    <a:masterClrMapping/>
+  </p:clrMapOvr>
+</p:notes>
+</file>
+
 <file path=ppt/notesSlides/notesSlide2.xml><?xml version="1.0" encoding="utf-8"?>
 <p:notes xmlns:a="http://schemas.openxmlformats.org/drawingml/2006/main" xmlns:r="http://schemas.openxmlformats.org/officeDocument/2006/relationships" xmlns:p="http://schemas.openxmlformats.org/presentationml/2006/main">
   <p:cSld>
@@ -2161,7 +3720,7 @@
           <a:p>
             <a:fld id="{7826A13B-C332-4B6E-9654-631538610AE2}" type="datetimeFigureOut">
               <a:rPr lang="en-US" smtClean="0"/>
-              <a:t>4/20/2025</a:t>
+              <a:t>4/21/2025</a:t>
             </a:fld>
             <a:endParaRPr lang="en-US"/>
           </a:p>
@@ -2331,7 +3890,7 @@
           <a:p>
             <a:fld id="{7826A13B-C332-4B6E-9654-631538610AE2}" type="datetimeFigureOut">
               <a:rPr lang="en-US" smtClean="0"/>
-              <a:t>4/20/2025</a:t>
+              <a:t>4/21/2025</a:t>
             </a:fld>
             <a:endParaRPr lang="en-US"/>
           </a:p>
@@ -2511,7 +4070,7 @@
           <a:p>
             <a:fld id="{7826A13B-C332-4B6E-9654-631538610AE2}" type="datetimeFigureOut">
               <a:rPr lang="en-US" smtClean="0"/>
-              <a:t>4/20/2025</a:t>
+              <a:t>4/21/2025</a:t>
             </a:fld>
             <a:endParaRPr lang="en-US"/>
           </a:p>
@@ -2681,7 +4240,7 @@
           <a:p>
             <a:fld id="{7826A13B-C332-4B6E-9654-631538610AE2}" type="datetimeFigureOut">
               <a:rPr lang="en-US" smtClean="0"/>
-              <a:t>4/20/2025</a:t>
+              <a:t>4/21/2025</a:t>
             </a:fld>
             <a:endParaRPr lang="en-US"/>
           </a:p>
@@ -2927,7 +4486,7 @@
           <a:p>
             <a:fld id="{7826A13B-C332-4B6E-9654-631538610AE2}" type="datetimeFigureOut">
               <a:rPr lang="en-US" smtClean="0"/>
-              <a:t>4/20/2025</a:t>
+              <a:t>4/21/2025</a:t>
             </a:fld>
             <a:endParaRPr lang="en-US"/>
           </a:p>
@@ -3159,7 +4718,7 @@
           <a:p>
             <a:fld id="{7826A13B-C332-4B6E-9654-631538610AE2}" type="datetimeFigureOut">
               <a:rPr lang="en-US" smtClean="0"/>
-              <a:t>4/20/2025</a:t>
+              <a:t>4/21/2025</a:t>
             </a:fld>
             <a:endParaRPr lang="en-US"/>
           </a:p>
@@ -3526,7 +5085,7 @@
           <a:p>
             <a:fld id="{7826A13B-C332-4B6E-9654-631538610AE2}" type="datetimeFigureOut">
               <a:rPr lang="en-US" smtClean="0"/>
-              <a:t>4/20/2025</a:t>
+              <a:t>4/21/2025</a:t>
             </a:fld>
             <a:endParaRPr lang="en-US"/>
           </a:p>
@@ -3644,7 +5203,7 @@
           <a:p>
             <a:fld id="{7826A13B-C332-4B6E-9654-631538610AE2}" type="datetimeFigureOut">
               <a:rPr lang="en-US" smtClean="0"/>
-              <a:t>4/20/2025</a:t>
+              <a:t>4/21/2025</a:t>
             </a:fld>
             <a:endParaRPr lang="en-US"/>
           </a:p>
@@ -3739,7 +5298,7 @@
           <a:p>
             <a:fld id="{7826A13B-C332-4B6E-9654-631538610AE2}" type="datetimeFigureOut">
               <a:rPr lang="en-US" smtClean="0"/>
-              <a:t>4/20/2025</a:t>
+              <a:t>4/21/2025</a:t>
             </a:fld>
             <a:endParaRPr lang="en-US"/>
           </a:p>
@@ -4016,7 +5575,7 @@
           <a:p>
             <a:fld id="{7826A13B-C332-4B6E-9654-631538610AE2}" type="datetimeFigureOut">
               <a:rPr lang="en-US" smtClean="0"/>
-              <a:t>4/20/2025</a:t>
+              <a:t>4/21/2025</a:t>
             </a:fld>
             <a:endParaRPr lang="en-US"/>
           </a:p>
@@ -4273,7 +5832,7 @@
           <a:p>
             <a:fld id="{7826A13B-C332-4B6E-9654-631538610AE2}" type="datetimeFigureOut">
               <a:rPr lang="en-US" smtClean="0"/>
-              <a:t>4/20/2025</a:t>
+              <a:t>4/21/2025</a:t>
             </a:fld>
             <a:endParaRPr lang="en-US"/>
           </a:p>
@@ -4486,7 +6045,7 @@
           <a:p>
             <a:fld id="{7826A13B-C332-4B6E-9654-631538610AE2}" type="datetimeFigureOut">
               <a:rPr lang="en-US" smtClean="0"/>
-              <a:t>4/20/2025</a:t>
+              <a:t>4/21/2025</a:t>
             </a:fld>
             <a:endParaRPr lang="en-US"/>
           </a:p>
@@ -5786,13 +7345,13 @@
   <p:clrMapOvr>
     <a:masterClrMapping/>
   </p:clrMapOvr>
-  <mc:AlternateContent xmlns:mc="http://schemas.openxmlformats.org/markup-compatibility/2006">
-    <mc:Choice xmlns:p159="http://schemas.microsoft.com/office/powerpoint/2015/09/main" Requires="p159">
+  <mc:AlternateContent xmlns:mc="http://schemas.openxmlformats.org/markup-compatibility/2006" xmlns:p159="http://schemas.microsoft.com/office/powerpoint/2015/09/main">
+    <mc:Choice Requires="p159">
       <p:transition xmlns:p14="http://schemas.microsoft.com/office/powerpoint/2010/main" spd="slow" p14:dur="2000">
         <p159:morph option="byObject"/>
       </p:transition>
     </mc:Choice>
-    <mc:Fallback>
+    <mc:Fallback xmlns="">
       <p:transition spd="slow">
         <p:fade/>
       </p:transition>
@@ -6622,13 +8181,13 @@
   <p:clrMapOvr>
     <a:masterClrMapping/>
   </p:clrMapOvr>
-  <mc:AlternateContent xmlns:mc="http://schemas.openxmlformats.org/markup-compatibility/2006">
-    <mc:Choice xmlns:p159="http://schemas.microsoft.com/office/powerpoint/2015/09/main" Requires="p159">
+  <mc:AlternateContent xmlns:mc="http://schemas.openxmlformats.org/markup-compatibility/2006" xmlns:p159="http://schemas.microsoft.com/office/powerpoint/2015/09/main">
+    <mc:Choice Requires="p159">
       <p:transition xmlns:p14="http://schemas.microsoft.com/office/powerpoint/2010/main" spd="slow" p14:dur="2000">
         <p159:morph option="byObject"/>
       </p:transition>
     </mc:Choice>
-    <mc:Fallback>
+    <mc:Fallback xmlns="">
       <p:transition spd="slow">
         <p:fade/>
       </p:transition>
@@ -7510,13 +9069,13 @@
   <p:clrMapOvr>
     <a:masterClrMapping/>
   </p:clrMapOvr>
-  <mc:AlternateContent xmlns:mc="http://schemas.openxmlformats.org/markup-compatibility/2006">
-    <mc:Choice xmlns:p159="http://schemas.microsoft.com/office/powerpoint/2015/09/main" Requires="p159">
+  <mc:AlternateContent xmlns:mc="http://schemas.openxmlformats.org/markup-compatibility/2006" xmlns:p159="http://schemas.microsoft.com/office/powerpoint/2015/09/main">
+    <mc:Choice Requires="p159">
       <p:transition xmlns:p14="http://schemas.microsoft.com/office/powerpoint/2010/main" spd="slow" p14:dur="2000">
         <p159:morph option="byObject"/>
       </p:transition>
     </mc:Choice>
-    <mc:Fallback>
+    <mc:Fallback xmlns="">
       <p:transition spd="slow">
         <p:fade/>
       </p:transition>
@@ -8404,13 +9963,13 @@
   <p:clrMapOvr>
     <a:masterClrMapping/>
   </p:clrMapOvr>
-  <mc:AlternateContent xmlns:mc="http://schemas.openxmlformats.org/markup-compatibility/2006">
-    <mc:Choice xmlns:p159="http://schemas.microsoft.com/office/powerpoint/2015/09/main" Requires="p159">
+  <mc:AlternateContent xmlns:mc="http://schemas.openxmlformats.org/markup-compatibility/2006" xmlns:p159="http://schemas.microsoft.com/office/powerpoint/2015/09/main">
+    <mc:Choice Requires="p159">
       <p:transition xmlns:p14="http://schemas.microsoft.com/office/powerpoint/2010/main" spd="slow" p14:dur="2000">
         <p159:morph option="byObject"/>
       </p:transition>
     </mc:Choice>
-    <mc:Fallback>
+    <mc:Fallback xmlns="">
       <p:transition spd="slow">
         <p:fade/>
       </p:transition>
@@ -9302,13 +10861,13 @@
   <p:clrMapOvr>
     <a:masterClrMapping/>
   </p:clrMapOvr>
-  <mc:AlternateContent xmlns:mc="http://schemas.openxmlformats.org/markup-compatibility/2006">
-    <mc:Choice xmlns:p159="http://schemas.microsoft.com/office/powerpoint/2015/09/main" Requires="p159">
+  <mc:AlternateContent xmlns:mc="http://schemas.openxmlformats.org/markup-compatibility/2006" xmlns:p159="http://schemas.microsoft.com/office/powerpoint/2015/09/main">
+    <mc:Choice Requires="p159">
       <p:transition xmlns:p14="http://schemas.microsoft.com/office/powerpoint/2010/main" spd="slow" p14:dur="2000">
         <p159:morph option="byObject"/>
       </p:transition>
     </mc:Choice>
-    <mc:Fallback>
+    <mc:Fallback xmlns="">
       <p:transition spd="slow">
         <p:fade/>
       </p:transition>
@@ -10208,13 +11767,13 @@
   <p:clrMapOvr>
     <a:masterClrMapping/>
   </p:clrMapOvr>
-  <mc:AlternateContent xmlns:mc="http://schemas.openxmlformats.org/markup-compatibility/2006">
-    <mc:Choice xmlns:p159="http://schemas.microsoft.com/office/powerpoint/2015/09/main" Requires="p159">
+  <mc:AlternateContent xmlns:mc="http://schemas.openxmlformats.org/markup-compatibility/2006" xmlns:p159="http://schemas.microsoft.com/office/powerpoint/2015/09/main">
+    <mc:Choice Requires="p159">
       <p:transition xmlns:p14="http://schemas.microsoft.com/office/powerpoint/2010/main" spd="slow" p14:dur="2000">
         <p159:morph option="byObject"/>
       </p:transition>
     </mc:Choice>
-    <mc:Fallback>
+    <mc:Fallback xmlns="">
       <p:transition spd="slow">
         <p:fade/>
       </p:transition>
@@ -11240,13 +12799,13 @@
   <p:clrMapOvr>
     <a:masterClrMapping/>
   </p:clrMapOvr>
-  <mc:AlternateContent xmlns:mc="http://schemas.openxmlformats.org/markup-compatibility/2006">
-    <mc:Choice xmlns:p159="http://schemas.microsoft.com/office/powerpoint/2015/09/main" Requires="p159">
+  <mc:AlternateContent xmlns:mc="http://schemas.openxmlformats.org/markup-compatibility/2006" xmlns:p159="http://schemas.microsoft.com/office/powerpoint/2015/09/main">
+    <mc:Choice Requires="p159">
       <p:transition xmlns:p14="http://schemas.microsoft.com/office/powerpoint/2010/main" spd="slow" p14:dur="2000">
         <p159:morph option="byObject"/>
       </p:transition>
     </mc:Choice>
-    <mc:Fallback>
+    <mc:Fallback xmlns="">
       <p:transition spd="slow">
         <p:fade/>
       </p:transition>
@@ -11361,7 +12920,7 @@
         </p:nvGraphicFramePr>
         <p:xfrm>
           <a:off x="6147582" y="2694747"/>
-          <a:ext cx="5936567" cy="3108959"/>
+          <a:ext cx="5936567" cy="3243942"/>
         </p:xfrm>
         <a:graphic>
           <a:graphicData uri="http://schemas.openxmlformats.org/drawingml/2006/table">
@@ -12161,13 +13720,13 @@
   <p:clrMapOvr>
     <a:masterClrMapping/>
   </p:clrMapOvr>
-  <mc:AlternateContent xmlns:mc="http://schemas.openxmlformats.org/markup-compatibility/2006">
-    <mc:Choice xmlns:p159="http://schemas.microsoft.com/office/powerpoint/2015/09/main" Requires="p159">
+  <mc:AlternateContent xmlns:mc="http://schemas.openxmlformats.org/markup-compatibility/2006" xmlns:p159="http://schemas.microsoft.com/office/powerpoint/2015/09/main">
+    <mc:Choice Requires="p159">
       <p:transition xmlns:p14="http://schemas.microsoft.com/office/powerpoint/2010/main" spd="slow" p14:dur="2000">
         <p159:morph option="byObject"/>
       </p:transition>
     </mc:Choice>
-    <mc:Fallback>
+    <mc:Fallback xmlns="">
       <p:transition spd="slow">
         <p:fade/>
       </p:transition>
@@ -12299,13 +13858,13 @@
   <p:clrMapOvr>
     <a:masterClrMapping/>
   </p:clrMapOvr>
-  <mc:AlternateContent xmlns:mc="http://schemas.openxmlformats.org/markup-compatibility/2006">
-    <mc:Choice xmlns:p159="http://schemas.microsoft.com/office/powerpoint/2015/09/main" Requires="p159">
+  <mc:AlternateContent xmlns:mc="http://schemas.openxmlformats.org/markup-compatibility/2006" xmlns:p159="http://schemas.microsoft.com/office/powerpoint/2015/09/main">
+    <mc:Choice Requires="p159">
       <p:transition xmlns:p14="http://schemas.microsoft.com/office/powerpoint/2010/main" spd="slow" p14:dur="2000">
         <p159:morph option="byObject"/>
       </p:transition>
     </mc:Choice>
-    <mc:Fallback>
+    <mc:Fallback xmlns="">
       <p:transition spd="slow">
         <p:fade/>
       </p:transition>
@@ -12461,13 +14020,13 @@
   <p:clrMapOvr>
     <a:masterClrMapping/>
   </p:clrMapOvr>
-  <mc:AlternateContent xmlns:mc="http://schemas.openxmlformats.org/markup-compatibility/2006">
-    <mc:Choice xmlns:p159="http://schemas.microsoft.com/office/powerpoint/2015/09/main" Requires="p159">
+  <mc:AlternateContent xmlns:mc="http://schemas.openxmlformats.org/markup-compatibility/2006" xmlns:p159="http://schemas.microsoft.com/office/powerpoint/2015/09/main">
+    <mc:Choice Requires="p159">
       <p:transition xmlns:p14="http://schemas.microsoft.com/office/powerpoint/2010/main" spd="slow" p14:dur="2000">
         <p159:morph option="byObject"/>
       </p:transition>
     </mc:Choice>
-    <mc:Fallback>
+    <mc:Fallback xmlns="">
       <p:transition spd="slow">
         <p:fade/>
       </p:transition>
@@ -12614,13 +14173,2032 @@
   <p:clrMapOvr>
     <a:masterClrMapping/>
   </p:clrMapOvr>
-  <mc:AlternateContent xmlns:mc="http://schemas.openxmlformats.org/markup-compatibility/2006">
-    <mc:Choice xmlns:p159="http://schemas.microsoft.com/office/powerpoint/2015/09/main" Requires="p159">
+  <mc:AlternateContent xmlns:mc="http://schemas.openxmlformats.org/markup-compatibility/2006" xmlns:p159="http://schemas.microsoft.com/office/powerpoint/2015/09/main">
+    <mc:Choice Requires="p159">
       <p:transition xmlns:p14="http://schemas.microsoft.com/office/powerpoint/2010/main" spd="slow" p14:dur="2000">
         <p159:morph option="byObject"/>
       </p:transition>
     </mc:Choice>
-    <mc:Fallback>
+    <mc:Fallback xmlns="">
+      <p:transition spd="slow">
+        <p:fade/>
+      </p:transition>
+    </mc:Fallback>
+  </mc:AlternateContent>
+</p:sld>
+</file>
+
+<file path=ppt/slides/slide20.xml><?xml version="1.0" encoding="utf-8"?>
+<p:sld xmlns:a="http://schemas.openxmlformats.org/drawingml/2006/main" xmlns:r="http://schemas.openxmlformats.org/officeDocument/2006/relationships" xmlns:p="http://schemas.openxmlformats.org/presentationml/2006/main">
+  <p:cSld>
+    <p:spTree>
+      <p:nvGrpSpPr>
+        <p:cNvPr id="1" name="">
+          <a:extLst>
+            <a:ext uri="{FF2B5EF4-FFF2-40B4-BE49-F238E27FC236}">
+              <a16:creationId xmlns:a16="http://schemas.microsoft.com/office/drawing/2014/main" id="{5AD3050E-5D58-A708-669F-B2CBA57FEAFB}"/>
+            </a:ext>
+          </a:extLst>
+        </p:cNvPr>
+        <p:cNvGrpSpPr/>
+        <p:nvPr/>
+      </p:nvGrpSpPr>
+      <p:grpSpPr>
+        <a:xfrm>
+          <a:off x="0" y="0"/>
+          <a:ext cx="0" cy="0"/>
+          <a:chOff x="0" y="0"/>
+          <a:chExt cx="0" cy="0"/>
+        </a:xfrm>
+      </p:grpSpPr>
+      <p:sp>
+        <p:nvSpPr>
+          <p:cNvPr id="5" name="Title 4">
+            <a:extLst>
+              <a:ext uri="{FF2B5EF4-FFF2-40B4-BE49-F238E27FC236}">
+                <a16:creationId xmlns:a16="http://schemas.microsoft.com/office/drawing/2014/main" id="{B84A3933-E45F-4431-9DC0-72B9E734E4D4}"/>
+              </a:ext>
+            </a:extLst>
+          </p:cNvPr>
+          <p:cNvSpPr>
+            <a:spLocks noGrp="1"/>
+          </p:cNvSpPr>
+          <p:nvPr>
+            <p:ph type="title"/>
+          </p:nvPr>
+        </p:nvSpPr>
+        <p:spPr/>
+        <p:txBody>
+          <a:bodyPr/>
+          <a:lstStyle/>
+          <a:p>
+            <a:r>
+              <a:rPr lang="en-US" dirty="0"/>
+              <a:t>Piano Accompaniment: MC rhythm selection  </a:t>
+            </a:r>
+          </a:p>
+        </p:txBody>
+      </p:sp>
+      <p:sp>
+        <p:nvSpPr>
+          <p:cNvPr id="7" name="Content Placeholder 6">
+            <a:extLst>
+              <a:ext uri="{FF2B5EF4-FFF2-40B4-BE49-F238E27FC236}">
+                <a16:creationId xmlns:a16="http://schemas.microsoft.com/office/drawing/2014/main" id="{92380CCC-8B54-B46E-55E4-E4912F4A1781}"/>
+              </a:ext>
+            </a:extLst>
+          </p:cNvPr>
+          <p:cNvSpPr>
+            <a:spLocks noGrp="1"/>
+          </p:cNvSpPr>
+          <p:nvPr>
+            <p:ph idx="1"/>
+          </p:nvPr>
+        </p:nvSpPr>
+        <p:spPr/>
+        <p:txBody>
+          <a:bodyPr>
+            <a:normAutofit/>
+          </a:bodyPr>
+          <a:lstStyle/>
+          <a:p>
+            <a:pPr marL="0" indent="0">
+              <a:buNone/>
+            </a:pPr>
+            <a:r>
+              <a:rPr lang="en-US" dirty="0"/>
+              <a:t>Iterate over the chords being played:</a:t>
+            </a:r>
+          </a:p>
+          <a:p>
+            <a:r>
+              <a:rPr lang="en-US" dirty="0"/>
+              <a:t>Generate a MC rhythm that spans a given chord</a:t>
+            </a:r>
+          </a:p>
+          <a:p>
+            <a:r>
+              <a:rPr lang="en-US" dirty="0"/>
+              <a:t>Fill each chord-space with valid notes and rests </a:t>
+            </a:r>
+          </a:p>
+          <a:p>
+            <a:pPr marL="971550" lvl="1" indent="-514350">
+              <a:buFont typeface="+mj-lt"/>
+              <a:buAutoNum type="arabicPeriod"/>
+            </a:pPr>
+            <a:r>
+              <a:rPr lang="en-US" dirty="0"/>
+              <a:t>Identify note options to combine for an accompaniment chord</a:t>
+            </a:r>
+          </a:p>
+          <a:p>
+            <a:pPr marL="971550" lvl="1" indent="-514350">
+              <a:buFont typeface="+mj-lt"/>
+              <a:buAutoNum type="arabicPeriod"/>
+            </a:pPr>
+            <a:r>
+              <a:rPr lang="en-US" dirty="0"/>
+              <a:t>Include notes based on weights for certain intervals </a:t>
+            </a:r>
+          </a:p>
+          <a:p>
+            <a:pPr marL="971550" lvl="1" indent="-514350">
+              <a:buFont typeface="+mj-lt"/>
+              <a:buAutoNum type="arabicPeriod"/>
+            </a:pPr>
+            <a:r>
+              <a:rPr lang="en-US" dirty="0"/>
+              <a:t>Map notes and rests to MC rhythm</a:t>
+            </a:r>
+          </a:p>
+          <a:p>
+            <a:pPr marL="971550" lvl="1" indent="-514350">
+              <a:buFont typeface="+mj-lt"/>
+              <a:buAutoNum type="arabicPeriod"/>
+            </a:pPr>
+            <a:r>
+              <a:rPr lang="en-US" dirty="0"/>
+              <a:t>Adjust # of attacks based on short/long rhythm length</a:t>
+            </a:r>
+          </a:p>
+        </p:txBody>
+      </p:sp>
+    </p:spTree>
+    <p:extLst>
+      <p:ext uri="{BB962C8B-B14F-4D97-AF65-F5344CB8AC3E}">
+        <p14:creationId xmlns:p14="http://schemas.microsoft.com/office/powerpoint/2010/main" val="573360382"/>
+      </p:ext>
+    </p:extLst>
+  </p:cSld>
+  <p:clrMapOvr>
+    <a:masterClrMapping/>
+  </p:clrMapOvr>
+  <mc:AlternateContent xmlns:mc="http://schemas.openxmlformats.org/markup-compatibility/2006" xmlns:p159="http://schemas.microsoft.com/office/powerpoint/2015/09/main">
+    <mc:Choice Requires="p159">
+      <p:transition xmlns:p14="http://schemas.microsoft.com/office/powerpoint/2010/main" spd="slow" p14:dur="2000">
+        <p159:morph option="byObject"/>
+      </p:transition>
+    </mc:Choice>
+    <mc:Fallback xmlns="">
+      <p:transition spd="slow">
+        <p:fade/>
+      </p:transition>
+    </mc:Fallback>
+  </mc:AlternateContent>
+</p:sld>
+</file>
+
+<file path=ppt/slides/slide21.xml><?xml version="1.0" encoding="utf-8"?>
+<p:sld xmlns:a="http://schemas.openxmlformats.org/drawingml/2006/main" xmlns:r="http://schemas.openxmlformats.org/officeDocument/2006/relationships" xmlns:p="http://schemas.openxmlformats.org/presentationml/2006/main">
+  <p:cSld>
+    <p:spTree>
+      <p:nvGrpSpPr>
+        <p:cNvPr id="1" name="">
+          <a:extLst>
+            <a:ext uri="{FF2B5EF4-FFF2-40B4-BE49-F238E27FC236}">
+              <a16:creationId xmlns:a16="http://schemas.microsoft.com/office/drawing/2014/main" id="{C0168D87-4916-4C12-7586-AD8948B61503}"/>
+            </a:ext>
+          </a:extLst>
+        </p:cNvPr>
+        <p:cNvGrpSpPr/>
+        <p:nvPr/>
+      </p:nvGrpSpPr>
+      <p:grpSpPr>
+        <a:xfrm>
+          <a:off x="0" y="0"/>
+          <a:ext cx="0" cy="0"/>
+          <a:chOff x="0" y="0"/>
+          <a:chExt cx="0" cy="0"/>
+        </a:xfrm>
+      </p:grpSpPr>
+      <p:sp>
+        <p:nvSpPr>
+          <p:cNvPr id="5" name="Title 4">
+            <a:extLst>
+              <a:ext uri="{FF2B5EF4-FFF2-40B4-BE49-F238E27FC236}">
+                <a16:creationId xmlns:a16="http://schemas.microsoft.com/office/drawing/2014/main" id="{0794AAC8-2385-D75D-229D-A9A350446838}"/>
+              </a:ext>
+            </a:extLst>
+          </p:cNvPr>
+          <p:cNvSpPr>
+            <a:spLocks noGrp="1"/>
+          </p:cNvSpPr>
+          <p:nvPr>
+            <p:ph type="title"/>
+          </p:nvPr>
+        </p:nvSpPr>
+        <p:spPr/>
+        <p:txBody>
+          <a:bodyPr/>
+          <a:lstStyle/>
+          <a:p>
+            <a:r>
+              <a:rPr lang="en-US" dirty="0"/>
+              <a:t>Piano Accompaniment: MC rhythm selection  </a:t>
+            </a:r>
+          </a:p>
+        </p:txBody>
+      </p:sp>
+      <p:sp>
+        <p:nvSpPr>
+          <p:cNvPr id="7" name="Content Placeholder 6">
+            <a:extLst>
+              <a:ext uri="{FF2B5EF4-FFF2-40B4-BE49-F238E27FC236}">
+                <a16:creationId xmlns:a16="http://schemas.microsoft.com/office/drawing/2014/main" id="{B860DF51-12D7-3B7D-3604-4534EEFD6C57}"/>
+              </a:ext>
+            </a:extLst>
+          </p:cNvPr>
+          <p:cNvSpPr>
+            <a:spLocks noGrp="1"/>
+          </p:cNvSpPr>
+          <p:nvPr>
+            <p:ph idx="1"/>
+          </p:nvPr>
+        </p:nvSpPr>
+        <p:spPr>
+          <a:xfrm>
+            <a:off x="838200" y="1825625"/>
+            <a:ext cx="9583757" cy="2206548"/>
+          </a:xfrm>
+        </p:spPr>
+        <p:txBody>
+          <a:bodyPr>
+            <a:normAutofit/>
+          </a:bodyPr>
+          <a:lstStyle/>
+          <a:p>
+            <a:pPr marL="0" indent="0">
+              <a:buNone/>
+            </a:pPr>
+            <a:r>
+              <a:rPr lang="en-US" dirty="0"/>
+              <a:t>Iterate over the chords being played:</a:t>
+            </a:r>
+          </a:p>
+          <a:p>
+            <a:r>
+              <a:rPr lang="en-US" dirty="0"/>
+              <a:t>Generate a MC rhythm that spans a given chord</a:t>
+            </a:r>
+          </a:p>
+          <a:p>
+            <a:pPr marL="0" indent="0">
+              <a:buNone/>
+            </a:pPr>
+            <a:endParaRPr lang="en-US" dirty="0"/>
+          </a:p>
+          <a:p>
+            <a:pPr marL="0" indent="0">
+              <a:buNone/>
+            </a:pPr>
+            <a:endParaRPr lang="en-US" dirty="0"/>
+          </a:p>
+          <a:p>
+            <a:endParaRPr lang="en-US" dirty="0"/>
+          </a:p>
+          <a:p>
+            <a:endParaRPr lang="en-US" dirty="0"/>
+          </a:p>
+          <a:p>
+            <a:endParaRPr lang="en-US" dirty="0"/>
+          </a:p>
+        </p:txBody>
+      </p:sp>
+      <p:sp>
+        <p:nvSpPr>
+          <p:cNvPr id="22" name="Right Brace 21">
+            <a:extLst>
+              <a:ext uri="{FF2B5EF4-FFF2-40B4-BE49-F238E27FC236}">
+                <a16:creationId xmlns:a16="http://schemas.microsoft.com/office/drawing/2014/main" id="{0CB4506C-2577-083B-C97D-E1EDFCF94B7A}"/>
+              </a:ext>
+            </a:extLst>
+          </p:cNvPr>
+          <p:cNvSpPr/>
+          <p:nvPr/>
+        </p:nvSpPr>
+        <p:spPr>
+          <a:xfrm rot="16200000">
+            <a:off x="3451632" y="2240744"/>
+            <a:ext cx="258291" cy="3233734"/>
+          </a:xfrm>
+          <a:prstGeom prst="rightBrace">
+            <a:avLst/>
+          </a:prstGeom>
+        </p:spPr>
+        <p:style>
+          <a:lnRef idx="3">
+            <a:schemeClr val="accent2"/>
+          </a:lnRef>
+          <a:fillRef idx="0">
+            <a:schemeClr val="accent2"/>
+          </a:fillRef>
+          <a:effectRef idx="2">
+            <a:schemeClr val="accent2"/>
+          </a:effectRef>
+          <a:fontRef idx="minor">
+            <a:schemeClr val="tx1"/>
+          </a:fontRef>
+        </p:style>
+        <p:txBody>
+          <a:bodyPr rtlCol="0" anchor="ctr"/>
+          <a:lstStyle/>
+          <a:p>
+            <a:pPr algn="ctr"/>
+            <a:endParaRPr lang="en-US">
+              <a:ln w="0"/>
+              <a:effectLst>
+                <a:outerShdw blurRad="38100" dist="19050" dir="2700000" algn="tl" rotWithShape="0">
+                  <a:schemeClr val="dk1">
+                    <a:alpha val="40000"/>
+                  </a:schemeClr>
+                </a:outerShdw>
+              </a:effectLst>
+            </a:endParaRPr>
+          </a:p>
+        </p:txBody>
+      </p:sp>
+      <p:sp>
+        <p:nvSpPr>
+          <p:cNvPr id="24" name="TextBox 23">
+            <a:extLst>
+              <a:ext uri="{FF2B5EF4-FFF2-40B4-BE49-F238E27FC236}">
+                <a16:creationId xmlns:a16="http://schemas.microsoft.com/office/drawing/2014/main" id="{4FD19B72-CAC5-D5FB-7E36-4FA62319A4CA}"/>
+              </a:ext>
+            </a:extLst>
+          </p:cNvPr>
+          <p:cNvSpPr txBox="1"/>
+          <p:nvPr/>
+        </p:nvSpPr>
+        <p:spPr>
+          <a:xfrm>
+            <a:off x="3410957" y="3294726"/>
+            <a:ext cx="3634737" cy="646331"/>
+          </a:xfrm>
+          <a:prstGeom prst="rect">
+            <a:avLst/>
+          </a:prstGeom>
+          <a:noFill/>
+        </p:spPr>
+        <p:txBody>
+          <a:bodyPr wrap="square" rtlCol="0">
+            <a:spAutoFit/>
+          </a:bodyPr>
+          <a:lstStyle/>
+          <a:p>
+            <a:r>
+              <a:rPr lang="en-US" dirty="0"/>
+              <a:t>4.0  = [0.5, 2, 1, 0.5] </a:t>
+            </a:r>
+          </a:p>
+          <a:p>
+            <a:endParaRPr lang="en-US" dirty="0"/>
+          </a:p>
+        </p:txBody>
+      </p:sp>
+      <p:pic>
+        <p:nvPicPr>
+          <p:cNvPr id="14" name="Picture 13">
+            <a:extLst>
+              <a:ext uri="{FF2B5EF4-FFF2-40B4-BE49-F238E27FC236}">
+                <a16:creationId xmlns:a16="http://schemas.microsoft.com/office/drawing/2014/main" id="{663C727A-D8E8-6152-6CB7-BE1BD8C740DD}"/>
+              </a:ext>
+            </a:extLst>
+          </p:cNvPr>
+          <p:cNvPicPr>
+            <a:picLocks noChangeAspect="1"/>
+          </p:cNvPicPr>
+          <p:nvPr/>
+        </p:nvPicPr>
+        <p:blipFill>
+          <a:blip r:embed="rId3"/>
+          <a:stretch>
+            <a:fillRect/>
+          </a:stretch>
+        </p:blipFill>
+        <p:spPr>
+          <a:xfrm>
+            <a:off x="2037511" y="4004651"/>
+            <a:ext cx="3086531" cy="1400370"/>
+          </a:xfrm>
+          <a:prstGeom prst="rect">
+            <a:avLst/>
+          </a:prstGeom>
+        </p:spPr>
+      </p:pic>
+    </p:spTree>
+    <p:extLst>
+      <p:ext uri="{BB962C8B-B14F-4D97-AF65-F5344CB8AC3E}">
+        <p14:creationId xmlns:p14="http://schemas.microsoft.com/office/powerpoint/2010/main" val="3260098497"/>
+      </p:ext>
+    </p:extLst>
+  </p:cSld>
+  <p:clrMapOvr>
+    <a:masterClrMapping/>
+  </p:clrMapOvr>
+  <mc:AlternateContent xmlns:mc="http://schemas.openxmlformats.org/markup-compatibility/2006" xmlns:p159="http://schemas.microsoft.com/office/powerpoint/2015/09/main">
+    <mc:Choice Requires="p159">
+      <p:transition xmlns:p14="http://schemas.microsoft.com/office/powerpoint/2010/main" spd="slow" p14:dur="2000">
+        <p159:morph option="byObject"/>
+      </p:transition>
+    </mc:Choice>
+    <mc:Fallback xmlns="">
+      <p:transition spd="slow">
+        <p:fade/>
+      </p:transition>
+    </mc:Fallback>
+  </mc:AlternateContent>
+</p:sld>
+</file>
+
+<file path=ppt/slides/slide22.xml><?xml version="1.0" encoding="utf-8"?>
+<p:sld xmlns:a="http://schemas.openxmlformats.org/drawingml/2006/main" xmlns:r="http://schemas.openxmlformats.org/officeDocument/2006/relationships" xmlns:p="http://schemas.openxmlformats.org/presentationml/2006/main">
+  <p:cSld>
+    <p:spTree>
+      <p:nvGrpSpPr>
+        <p:cNvPr id="1" name="">
+          <a:extLst>
+            <a:ext uri="{FF2B5EF4-FFF2-40B4-BE49-F238E27FC236}">
+              <a16:creationId xmlns:a16="http://schemas.microsoft.com/office/drawing/2014/main" id="{03A0F523-74BF-1E77-3210-734D28E1112A}"/>
+            </a:ext>
+          </a:extLst>
+        </p:cNvPr>
+        <p:cNvGrpSpPr/>
+        <p:nvPr/>
+      </p:nvGrpSpPr>
+      <p:grpSpPr>
+        <a:xfrm>
+          <a:off x="0" y="0"/>
+          <a:ext cx="0" cy="0"/>
+          <a:chOff x="0" y="0"/>
+          <a:chExt cx="0" cy="0"/>
+        </a:xfrm>
+      </p:grpSpPr>
+      <p:sp>
+        <p:nvSpPr>
+          <p:cNvPr id="5" name="Title 4">
+            <a:extLst>
+              <a:ext uri="{FF2B5EF4-FFF2-40B4-BE49-F238E27FC236}">
+                <a16:creationId xmlns:a16="http://schemas.microsoft.com/office/drawing/2014/main" id="{676F727D-AB69-0D49-E759-EBCBA0CB9AE2}"/>
+              </a:ext>
+            </a:extLst>
+          </p:cNvPr>
+          <p:cNvSpPr>
+            <a:spLocks noGrp="1"/>
+          </p:cNvSpPr>
+          <p:nvPr>
+            <p:ph type="title"/>
+          </p:nvPr>
+        </p:nvSpPr>
+        <p:spPr/>
+        <p:txBody>
+          <a:bodyPr/>
+          <a:lstStyle/>
+          <a:p>
+            <a:r>
+              <a:rPr lang="en-US" dirty="0"/>
+              <a:t>Piano Accompaniment: MC rhythm selection  </a:t>
+            </a:r>
+          </a:p>
+        </p:txBody>
+      </p:sp>
+      <p:sp>
+        <p:nvSpPr>
+          <p:cNvPr id="7" name="Content Placeholder 6">
+            <a:extLst>
+              <a:ext uri="{FF2B5EF4-FFF2-40B4-BE49-F238E27FC236}">
+                <a16:creationId xmlns:a16="http://schemas.microsoft.com/office/drawing/2014/main" id="{38C0E962-E057-E621-8DD4-33D72FFA85B6}"/>
+              </a:ext>
+            </a:extLst>
+          </p:cNvPr>
+          <p:cNvSpPr>
+            <a:spLocks noGrp="1"/>
+          </p:cNvSpPr>
+          <p:nvPr>
+            <p:ph idx="1"/>
+          </p:nvPr>
+        </p:nvSpPr>
+        <p:spPr>
+          <a:xfrm>
+            <a:off x="838200" y="1825625"/>
+            <a:ext cx="9583757" cy="2206548"/>
+          </a:xfrm>
+        </p:spPr>
+        <p:txBody>
+          <a:bodyPr>
+            <a:normAutofit/>
+          </a:bodyPr>
+          <a:lstStyle/>
+          <a:p>
+            <a:pPr marL="0" indent="0">
+              <a:buNone/>
+            </a:pPr>
+            <a:r>
+              <a:rPr lang="en-US" dirty="0"/>
+              <a:t>Iterate over the chords being played:</a:t>
+            </a:r>
+          </a:p>
+          <a:p>
+            <a:r>
+              <a:rPr lang="en-US" dirty="0"/>
+              <a:t>Generate a MC rhythm that spans a given chord</a:t>
+            </a:r>
+          </a:p>
+          <a:p>
+            <a:r>
+              <a:rPr lang="en-US" dirty="0"/>
+              <a:t>Fill each chord-space with valid pitches and rests </a:t>
+            </a:r>
+          </a:p>
+          <a:p>
+            <a:endParaRPr lang="en-US" dirty="0"/>
+          </a:p>
+          <a:p>
+            <a:pPr marL="0" indent="0">
+              <a:buNone/>
+            </a:pPr>
+            <a:endParaRPr lang="en-US" dirty="0"/>
+          </a:p>
+          <a:p>
+            <a:pPr marL="0" indent="0">
+              <a:buNone/>
+            </a:pPr>
+            <a:endParaRPr lang="en-US" dirty="0"/>
+          </a:p>
+          <a:p>
+            <a:endParaRPr lang="en-US" dirty="0"/>
+          </a:p>
+          <a:p>
+            <a:endParaRPr lang="en-US" dirty="0"/>
+          </a:p>
+          <a:p>
+            <a:endParaRPr lang="en-US" dirty="0"/>
+          </a:p>
+        </p:txBody>
+      </p:sp>
+      <p:sp>
+        <p:nvSpPr>
+          <p:cNvPr id="22" name="Right Brace 21">
+            <a:extLst>
+              <a:ext uri="{FF2B5EF4-FFF2-40B4-BE49-F238E27FC236}">
+                <a16:creationId xmlns:a16="http://schemas.microsoft.com/office/drawing/2014/main" id="{A03C5149-84B6-5BBE-4366-A4560EB2DDFB}"/>
+              </a:ext>
+            </a:extLst>
+          </p:cNvPr>
+          <p:cNvSpPr/>
+          <p:nvPr/>
+        </p:nvSpPr>
+        <p:spPr>
+          <a:xfrm rot="16200000">
+            <a:off x="3451632" y="2240744"/>
+            <a:ext cx="258291" cy="3233734"/>
+          </a:xfrm>
+          <a:prstGeom prst="rightBrace">
+            <a:avLst/>
+          </a:prstGeom>
+        </p:spPr>
+        <p:style>
+          <a:lnRef idx="3">
+            <a:schemeClr val="accent2"/>
+          </a:lnRef>
+          <a:fillRef idx="0">
+            <a:schemeClr val="accent2"/>
+          </a:fillRef>
+          <a:effectRef idx="2">
+            <a:schemeClr val="accent2"/>
+          </a:effectRef>
+          <a:fontRef idx="minor">
+            <a:schemeClr val="tx1"/>
+          </a:fontRef>
+        </p:style>
+        <p:txBody>
+          <a:bodyPr rtlCol="0" anchor="ctr"/>
+          <a:lstStyle/>
+          <a:p>
+            <a:pPr algn="ctr"/>
+            <a:endParaRPr lang="en-US">
+              <a:ln w="0"/>
+              <a:effectLst>
+                <a:outerShdw blurRad="38100" dist="19050" dir="2700000" algn="tl" rotWithShape="0">
+                  <a:schemeClr val="dk1">
+                    <a:alpha val="40000"/>
+                  </a:schemeClr>
+                </a:outerShdw>
+              </a:effectLst>
+            </a:endParaRPr>
+          </a:p>
+        </p:txBody>
+      </p:sp>
+      <p:sp>
+        <p:nvSpPr>
+          <p:cNvPr id="24" name="TextBox 23">
+            <a:extLst>
+              <a:ext uri="{FF2B5EF4-FFF2-40B4-BE49-F238E27FC236}">
+                <a16:creationId xmlns:a16="http://schemas.microsoft.com/office/drawing/2014/main" id="{5CC84A5B-5B0F-1E51-DBAD-6EAA19627916}"/>
+              </a:ext>
+            </a:extLst>
+          </p:cNvPr>
+          <p:cNvSpPr txBox="1"/>
+          <p:nvPr/>
+        </p:nvSpPr>
+        <p:spPr>
+          <a:xfrm>
+            <a:off x="3410957" y="3294726"/>
+            <a:ext cx="3634737" cy="646331"/>
+          </a:xfrm>
+          <a:prstGeom prst="rect">
+            <a:avLst/>
+          </a:prstGeom>
+          <a:noFill/>
+        </p:spPr>
+        <p:txBody>
+          <a:bodyPr wrap="square" rtlCol="0">
+            <a:spAutoFit/>
+          </a:bodyPr>
+          <a:lstStyle/>
+          <a:p>
+            <a:r>
+              <a:rPr lang="en-US" dirty="0"/>
+              <a:t>4.0  = [0.5, 2, 1, 0.5] </a:t>
+            </a:r>
+          </a:p>
+          <a:p>
+            <a:endParaRPr lang="en-US" dirty="0"/>
+          </a:p>
+        </p:txBody>
+      </p:sp>
+      <p:pic>
+        <p:nvPicPr>
+          <p:cNvPr id="14" name="Picture 13">
+            <a:extLst>
+              <a:ext uri="{FF2B5EF4-FFF2-40B4-BE49-F238E27FC236}">
+                <a16:creationId xmlns:a16="http://schemas.microsoft.com/office/drawing/2014/main" id="{A5229BAC-1BB2-A7DF-8E63-54D358F9CDE6}"/>
+              </a:ext>
+            </a:extLst>
+          </p:cNvPr>
+          <p:cNvPicPr>
+            <a:picLocks noChangeAspect="1"/>
+          </p:cNvPicPr>
+          <p:nvPr/>
+        </p:nvPicPr>
+        <p:blipFill>
+          <a:blip r:embed="rId3"/>
+          <a:stretch>
+            <a:fillRect/>
+          </a:stretch>
+        </p:blipFill>
+        <p:spPr>
+          <a:xfrm>
+            <a:off x="2037511" y="4004651"/>
+            <a:ext cx="3086531" cy="1400370"/>
+          </a:xfrm>
+          <a:prstGeom prst="rect">
+            <a:avLst/>
+          </a:prstGeom>
+        </p:spPr>
+      </p:pic>
+    </p:spTree>
+    <p:extLst>
+      <p:ext uri="{BB962C8B-B14F-4D97-AF65-F5344CB8AC3E}">
+        <p14:creationId xmlns:p14="http://schemas.microsoft.com/office/powerpoint/2010/main" val="1074004299"/>
+      </p:ext>
+    </p:extLst>
+  </p:cSld>
+  <p:clrMapOvr>
+    <a:masterClrMapping/>
+  </p:clrMapOvr>
+  <mc:AlternateContent xmlns:mc="http://schemas.openxmlformats.org/markup-compatibility/2006" xmlns:p159="http://schemas.microsoft.com/office/powerpoint/2015/09/main">
+    <mc:Choice Requires="p159">
+      <p:transition xmlns:p14="http://schemas.microsoft.com/office/powerpoint/2010/main" spd="slow" p14:dur="2000">
+        <p159:morph option="byObject"/>
+      </p:transition>
+    </mc:Choice>
+    <mc:Fallback xmlns="">
+      <p:transition spd="slow">
+        <p:fade/>
+      </p:transition>
+    </mc:Fallback>
+  </mc:AlternateContent>
+</p:sld>
+</file>
+
+<file path=ppt/slides/slide23.xml><?xml version="1.0" encoding="utf-8"?>
+<p:sld xmlns:a="http://schemas.openxmlformats.org/drawingml/2006/main" xmlns:r="http://schemas.openxmlformats.org/officeDocument/2006/relationships" xmlns:p="http://schemas.openxmlformats.org/presentationml/2006/main">
+  <p:cSld>
+    <p:spTree>
+      <p:nvGrpSpPr>
+        <p:cNvPr id="1" name="">
+          <a:extLst>
+            <a:ext uri="{FF2B5EF4-FFF2-40B4-BE49-F238E27FC236}">
+              <a16:creationId xmlns:a16="http://schemas.microsoft.com/office/drawing/2014/main" id="{F4367A6A-3363-0D30-1959-E211613A270B}"/>
+            </a:ext>
+          </a:extLst>
+        </p:cNvPr>
+        <p:cNvGrpSpPr/>
+        <p:nvPr/>
+      </p:nvGrpSpPr>
+      <p:grpSpPr>
+        <a:xfrm>
+          <a:off x="0" y="0"/>
+          <a:ext cx="0" cy="0"/>
+          <a:chOff x="0" y="0"/>
+          <a:chExt cx="0" cy="0"/>
+        </a:xfrm>
+      </p:grpSpPr>
+      <p:sp>
+        <p:nvSpPr>
+          <p:cNvPr id="5" name="Title 4">
+            <a:extLst>
+              <a:ext uri="{FF2B5EF4-FFF2-40B4-BE49-F238E27FC236}">
+                <a16:creationId xmlns:a16="http://schemas.microsoft.com/office/drawing/2014/main" id="{4D516724-73BE-38E4-2B76-D9D5B4E53FA0}"/>
+              </a:ext>
+            </a:extLst>
+          </p:cNvPr>
+          <p:cNvSpPr>
+            <a:spLocks noGrp="1"/>
+          </p:cNvSpPr>
+          <p:nvPr>
+            <p:ph type="title"/>
+          </p:nvPr>
+        </p:nvSpPr>
+        <p:spPr/>
+        <p:txBody>
+          <a:bodyPr/>
+          <a:lstStyle/>
+          <a:p>
+            <a:r>
+              <a:rPr lang="en-US" dirty="0"/>
+              <a:t>Piano Accompaniment: MC rhythm selection  </a:t>
+            </a:r>
+          </a:p>
+        </p:txBody>
+      </p:sp>
+      <p:sp>
+        <p:nvSpPr>
+          <p:cNvPr id="7" name="Content Placeholder 6">
+            <a:extLst>
+              <a:ext uri="{FF2B5EF4-FFF2-40B4-BE49-F238E27FC236}">
+                <a16:creationId xmlns:a16="http://schemas.microsoft.com/office/drawing/2014/main" id="{50E9C155-10B0-4AA3-C6C8-E8ECDF09E454}"/>
+              </a:ext>
+            </a:extLst>
+          </p:cNvPr>
+          <p:cNvSpPr>
+            <a:spLocks noGrp="1"/>
+          </p:cNvSpPr>
+          <p:nvPr>
+            <p:ph idx="1"/>
+          </p:nvPr>
+        </p:nvSpPr>
+        <p:spPr>
+          <a:xfrm>
+            <a:off x="838200" y="1825625"/>
+            <a:ext cx="9583757" cy="2206548"/>
+          </a:xfrm>
+        </p:spPr>
+        <p:txBody>
+          <a:bodyPr>
+            <a:normAutofit/>
+          </a:bodyPr>
+          <a:lstStyle/>
+          <a:p>
+            <a:pPr marL="0" indent="0">
+              <a:buNone/>
+            </a:pPr>
+            <a:r>
+              <a:rPr lang="en-US" dirty="0"/>
+              <a:t>Iterate over the chords being played:</a:t>
+            </a:r>
+          </a:p>
+          <a:p>
+            <a:r>
+              <a:rPr lang="en-US" dirty="0"/>
+              <a:t>Generate a MC rhythm that spans a given chord</a:t>
+            </a:r>
+          </a:p>
+          <a:p>
+            <a:r>
+              <a:rPr lang="en-US" dirty="0"/>
+              <a:t>Fill each chord-space with valid pitches and rests </a:t>
+            </a:r>
+          </a:p>
+        </p:txBody>
+      </p:sp>
+      <p:sp>
+        <p:nvSpPr>
+          <p:cNvPr id="22" name="Right Brace 21">
+            <a:extLst>
+              <a:ext uri="{FF2B5EF4-FFF2-40B4-BE49-F238E27FC236}">
+                <a16:creationId xmlns:a16="http://schemas.microsoft.com/office/drawing/2014/main" id="{48053589-8DEE-1BF6-8727-2BA73D9FA780}"/>
+              </a:ext>
+            </a:extLst>
+          </p:cNvPr>
+          <p:cNvSpPr/>
+          <p:nvPr/>
+        </p:nvSpPr>
+        <p:spPr>
+          <a:xfrm rot="16200000">
+            <a:off x="3451632" y="2240744"/>
+            <a:ext cx="258291" cy="3233734"/>
+          </a:xfrm>
+          <a:prstGeom prst="rightBrace">
+            <a:avLst/>
+          </a:prstGeom>
+        </p:spPr>
+        <p:style>
+          <a:lnRef idx="3">
+            <a:schemeClr val="accent2"/>
+          </a:lnRef>
+          <a:fillRef idx="0">
+            <a:schemeClr val="accent2"/>
+          </a:fillRef>
+          <a:effectRef idx="2">
+            <a:schemeClr val="accent2"/>
+          </a:effectRef>
+          <a:fontRef idx="minor">
+            <a:schemeClr val="tx1"/>
+          </a:fontRef>
+        </p:style>
+        <p:txBody>
+          <a:bodyPr rtlCol="0" anchor="ctr"/>
+          <a:lstStyle/>
+          <a:p>
+            <a:pPr algn="ctr"/>
+            <a:endParaRPr lang="en-US">
+              <a:ln w="0"/>
+              <a:effectLst>
+                <a:outerShdw blurRad="38100" dist="19050" dir="2700000" algn="tl" rotWithShape="0">
+                  <a:schemeClr val="dk1">
+                    <a:alpha val="40000"/>
+                  </a:schemeClr>
+                </a:outerShdw>
+              </a:effectLst>
+            </a:endParaRPr>
+          </a:p>
+        </p:txBody>
+      </p:sp>
+      <p:sp>
+        <p:nvSpPr>
+          <p:cNvPr id="24" name="TextBox 23">
+            <a:extLst>
+              <a:ext uri="{FF2B5EF4-FFF2-40B4-BE49-F238E27FC236}">
+                <a16:creationId xmlns:a16="http://schemas.microsoft.com/office/drawing/2014/main" id="{DD9AC5B8-D4EC-B16A-2C68-CE7C28CEE54F}"/>
+              </a:ext>
+            </a:extLst>
+          </p:cNvPr>
+          <p:cNvSpPr txBox="1"/>
+          <p:nvPr/>
+        </p:nvSpPr>
+        <p:spPr>
+          <a:xfrm>
+            <a:off x="3410957" y="3294726"/>
+            <a:ext cx="3634737" cy="646331"/>
+          </a:xfrm>
+          <a:prstGeom prst="rect">
+            <a:avLst/>
+          </a:prstGeom>
+          <a:noFill/>
+        </p:spPr>
+        <p:txBody>
+          <a:bodyPr wrap="square" rtlCol="0">
+            <a:spAutoFit/>
+          </a:bodyPr>
+          <a:lstStyle/>
+          <a:p>
+            <a:r>
+              <a:rPr lang="en-US" dirty="0"/>
+              <a:t>4.0  = [0.5, 2, 1, 0.5] </a:t>
+            </a:r>
+          </a:p>
+          <a:p>
+            <a:endParaRPr lang="en-US" dirty="0"/>
+          </a:p>
+        </p:txBody>
+      </p:sp>
+      <p:pic>
+        <p:nvPicPr>
+          <p:cNvPr id="14" name="Picture 13">
+            <a:extLst>
+              <a:ext uri="{FF2B5EF4-FFF2-40B4-BE49-F238E27FC236}">
+                <a16:creationId xmlns:a16="http://schemas.microsoft.com/office/drawing/2014/main" id="{4096C898-9E7F-8DE7-F927-08A1B01DA1F2}"/>
+              </a:ext>
+            </a:extLst>
+          </p:cNvPr>
+          <p:cNvPicPr>
+            <a:picLocks noChangeAspect="1"/>
+          </p:cNvPicPr>
+          <p:nvPr/>
+        </p:nvPicPr>
+        <p:blipFill>
+          <a:blip r:embed="rId3"/>
+          <a:stretch>
+            <a:fillRect/>
+          </a:stretch>
+        </p:blipFill>
+        <p:spPr>
+          <a:xfrm>
+            <a:off x="2037511" y="4004651"/>
+            <a:ext cx="3086531" cy="1400370"/>
+          </a:xfrm>
+          <a:prstGeom prst="rect">
+            <a:avLst/>
+          </a:prstGeom>
+        </p:spPr>
+      </p:pic>
+      <p:sp>
+        <p:nvSpPr>
+          <p:cNvPr id="2" name="TextBox 1">
+            <a:extLst>
+              <a:ext uri="{FF2B5EF4-FFF2-40B4-BE49-F238E27FC236}">
+                <a16:creationId xmlns:a16="http://schemas.microsoft.com/office/drawing/2014/main" id="{158F9E36-2795-7E5C-20A5-7FA7712105BB}"/>
+              </a:ext>
+            </a:extLst>
+          </p:cNvPr>
+          <p:cNvSpPr txBox="1"/>
+          <p:nvPr/>
+        </p:nvSpPr>
+        <p:spPr>
+          <a:xfrm>
+            <a:off x="8882131" y="1584674"/>
+            <a:ext cx="2600814" cy="4893647"/>
+          </a:xfrm>
+          <a:prstGeom prst="rect">
+            <a:avLst/>
+          </a:prstGeom>
+          <a:noFill/>
+          <a:ln>
+            <a:solidFill>
+              <a:schemeClr val="tx1"/>
+            </a:solidFill>
+          </a:ln>
+        </p:spPr>
+        <p:txBody>
+          <a:bodyPr wrap="square" rtlCol="0">
+            <a:spAutoFit/>
+          </a:bodyPr>
+          <a:lstStyle/>
+          <a:p>
+            <a:r>
+              <a:rPr lang="en-US" sz="2400" dirty="0"/>
+              <a:t>Chord: Bb m7:</a:t>
+            </a:r>
+          </a:p>
+          <a:p>
+            <a:endParaRPr lang="en-US" sz="2400" dirty="0"/>
+          </a:p>
+          <a:p>
+            <a:r>
+              <a:rPr lang="en-US" sz="2400" dirty="0"/>
+              <a:t>Notes:</a:t>
+            </a:r>
+          </a:p>
+          <a:p>
+            <a:r>
+              <a:rPr lang="en-US" sz="2400" b="0" dirty="0">
+                <a:solidFill>
+                  <a:srgbClr val="CCCCCC"/>
+                </a:solidFill>
+                <a:effectLst/>
+                <a:latin typeface="Consolas" panose="020B0609020204030204" pitchFamily="49" charset="0"/>
+              </a:rPr>
+              <a:t>[</a:t>
+            </a:r>
+            <a:r>
+              <a:rPr lang="en-US" sz="2400" b="0" dirty="0">
+                <a:solidFill>
+                  <a:srgbClr val="B5CEA8"/>
+                </a:solidFill>
+                <a:effectLst/>
+                <a:latin typeface="Consolas" panose="020B0609020204030204" pitchFamily="49" charset="0"/>
+              </a:rPr>
+              <a:t>0</a:t>
+            </a:r>
+            <a:r>
+              <a:rPr lang="en-US" sz="2400" b="0" dirty="0">
+                <a:solidFill>
+                  <a:srgbClr val="CCCCCC"/>
+                </a:solidFill>
+                <a:effectLst/>
+                <a:latin typeface="Consolas" panose="020B0609020204030204" pitchFamily="49" charset="0"/>
+              </a:rPr>
+              <a:t>, </a:t>
+            </a:r>
+            <a:r>
+              <a:rPr lang="en-US" sz="2400" dirty="0">
+                <a:solidFill>
+                  <a:srgbClr val="B5CEA8"/>
+                </a:solidFill>
+                <a:latin typeface="Consolas" panose="020B0609020204030204" pitchFamily="49" charset="0"/>
+              </a:rPr>
+              <a:t>3</a:t>
+            </a:r>
+            <a:r>
+              <a:rPr lang="en-US" sz="2400" b="0" dirty="0">
+                <a:solidFill>
+                  <a:srgbClr val="CCCCCC"/>
+                </a:solidFill>
+                <a:effectLst/>
+                <a:latin typeface="Consolas" panose="020B0609020204030204" pitchFamily="49" charset="0"/>
+              </a:rPr>
+              <a:t>, </a:t>
+            </a:r>
+            <a:r>
+              <a:rPr lang="en-US" sz="2400" b="0" dirty="0">
+                <a:solidFill>
+                  <a:srgbClr val="B5CEA8"/>
+                </a:solidFill>
+                <a:effectLst/>
+                <a:latin typeface="Consolas" panose="020B0609020204030204" pitchFamily="49" charset="0"/>
+              </a:rPr>
+              <a:t>7</a:t>
+            </a:r>
+            <a:r>
+              <a:rPr lang="en-US" sz="2400" b="0" dirty="0">
+                <a:solidFill>
+                  <a:srgbClr val="CCCCCC"/>
+                </a:solidFill>
+                <a:effectLst/>
+                <a:latin typeface="Consolas" panose="020B0609020204030204" pitchFamily="49" charset="0"/>
+              </a:rPr>
+              <a:t>, </a:t>
+            </a:r>
+            <a:r>
+              <a:rPr lang="en-US" sz="2400" b="0" dirty="0">
+                <a:solidFill>
+                  <a:srgbClr val="B5CEA8"/>
+                </a:solidFill>
+                <a:effectLst/>
+                <a:latin typeface="Consolas" panose="020B0609020204030204" pitchFamily="49" charset="0"/>
+              </a:rPr>
+              <a:t>10</a:t>
+            </a:r>
+            <a:r>
+              <a:rPr lang="en-US" sz="2400" b="0" dirty="0">
+                <a:solidFill>
+                  <a:srgbClr val="CCCCCC"/>
+                </a:solidFill>
+                <a:effectLst/>
+                <a:latin typeface="Consolas" panose="020B0609020204030204" pitchFamily="49" charset="0"/>
+              </a:rPr>
+              <a:t>],</a:t>
+            </a:r>
+          </a:p>
+          <a:p>
+            <a:endParaRPr lang="en-US" sz="2400" b="0" dirty="0">
+              <a:solidFill>
+                <a:srgbClr val="CCCCCC"/>
+              </a:solidFill>
+              <a:effectLst/>
+              <a:latin typeface="Consolas" panose="020B0609020204030204" pitchFamily="49" charset="0"/>
+            </a:endParaRPr>
+          </a:p>
+          <a:p>
+            <a:endParaRPr lang="en-US" sz="2400" dirty="0">
+              <a:solidFill>
+                <a:srgbClr val="CCCCCC"/>
+              </a:solidFill>
+              <a:latin typeface="Consolas" panose="020B0609020204030204" pitchFamily="49" charset="0"/>
+            </a:endParaRPr>
+          </a:p>
+          <a:p>
+            <a:r>
+              <a:rPr lang="en-US" sz="2400" b="0" dirty="0">
+                <a:solidFill>
+                  <a:srgbClr val="CCCCCC"/>
+                </a:solidFill>
+                <a:effectLst/>
+                <a:latin typeface="Consolas" panose="020B0609020204030204" pitchFamily="49" charset="0"/>
+              </a:rPr>
+              <a:t>Probs:</a:t>
+            </a:r>
+          </a:p>
+          <a:p>
+            <a:r>
+              <a:rPr lang="en-US" sz="2400" dirty="0">
+                <a:solidFill>
+                  <a:srgbClr val="CCCCCC"/>
+                </a:solidFill>
+                <a:latin typeface="Consolas" panose="020B0609020204030204" pitchFamily="49" charset="0"/>
+              </a:rPr>
+              <a:t>0    : 0</a:t>
+            </a:r>
+            <a:endParaRPr lang="en-US" sz="2400" b="0" dirty="0">
+              <a:solidFill>
+                <a:srgbClr val="CCCCCC"/>
+              </a:solidFill>
+              <a:effectLst/>
+              <a:latin typeface="Consolas" panose="020B0609020204030204" pitchFamily="49" charset="0"/>
+            </a:endParaRPr>
+          </a:p>
+          <a:p>
+            <a:r>
+              <a:rPr lang="en-US" sz="2400" b="0" dirty="0">
+                <a:solidFill>
+                  <a:srgbClr val="CCCCCC"/>
+                </a:solidFill>
+                <a:effectLst/>
+                <a:latin typeface="Consolas" panose="020B0609020204030204" pitchFamily="49" charset="0"/>
+              </a:rPr>
+              <a:t>3,4  : 0.9</a:t>
+            </a:r>
+          </a:p>
+          <a:p>
+            <a:r>
+              <a:rPr lang="en-US" sz="2400" b="0" dirty="0">
+                <a:solidFill>
+                  <a:srgbClr val="CCCCCC"/>
+                </a:solidFill>
+                <a:effectLst/>
+                <a:latin typeface="Consolas" panose="020B0609020204030204" pitchFamily="49" charset="0"/>
+              </a:rPr>
+              <a:t>7  </a:t>
+            </a:r>
+            <a:r>
+              <a:rPr lang="en-US" sz="2400" dirty="0">
+                <a:solidFill>
+                  <a:srgbClr val="CCCCCC"/>
+                </a:solidFill>
+                <a:latin typeface="Consolas" panose="020B0609020204030204" pitchFamily="49" charset="0"/>
+              </a:rPr>
+              <a:t>  : 0.25</a:t>
+            </a:r>
+          </a:p>
+          <a:p>
+            <a:r>
+              <a:rPr lang="en-US" sz="2400" b="0" dirty="0">
+                <a:solidFill>
+                  <a:srgbClr val="CCCCCC"/>
+                </a:solidFill>
+                <a:effectLst/>
+                <a:latin typeface="Consolas" panose="020B0609020204030204" pitchFamily="49" charset="0"/>
+              </a:rPr>
+              <a:t>10,11: 0.9</a:t>
+            </a:r>
+          </a:p>
+          <a:p>
+            <a:r>
+              <a:rPr lang="en-US" sz="2400" dirty="0"/>
+              <a:t>ELSE     :   0.6</a:t>
+            </a:r>
+          </a:p>
+          <a:p>
+            <a:endParaRPr lang="en-US" sz="2400" dirty="0"/>
+          </a:p>
+        </p:txBody>
+      </p:sp>
+    </p:spTree>
+    <p:extLst>
+      <p:ext uri="{BB962C8B-B14F-4D97-AF65-F5344CB8AC3E}">
+        <p14:creationId xmlns:p14="http://schemas.microsoft.com/office/powerpoint/2010/main" val="1043581617"/>
+      </p:ext>
+    </p:extLst>
+  </p:cSld>
+  <p:clrMapOvr>
+    <a:masterClrMapping/>
+  </p:clrMapOvr>
+  <mc:AlternateContent xmlns:mc="http://schemas.openxmlformats.org/markup-compatibility/2006" xmlns:p159="http://schemas.microsoft.com/office/powerpoint/2015/09/main">
+    <mc:Choice Requires="p159">
+      <p:transition xmlns:p14="http://schemas.microsoft.com/office/powerpoint/2010/main" spd="slow" p14:dur="2000">
+        <p159:morph option="byObject"/>
+      </p:transition>
+    </mc:Choice>
+    <mc:Fallback xmlns="">
+      <p:transition spd="slow">
+        <p:fade/>
+      </p:transition>
+    </mc:Fallback>
+  </mc:AlternateContent>
+</p:sld>
+</file>
+
+<file path=ppt/slides/slide24.xml><?xml version="1.0" encoding="utf-8"?>
+<p:sld xmlns:a="http://schemas.openxmlformats.org/drawingml/2006/main" xmlns:r="http://schemas.openxmlformats.org/officeDocument/2006/relationships" xmlns:p="http://schemas.openxmlformats.org/presentationml/2006/main">
+  <p:cSld>
+    <p:spTree>
+      <p:nvGrpSpPr>
+        <p:cNvPr id="1" name="">
+          <a:extLst>
+            <a:ext uri="{FF2B5EF4-FFF2-40B4-BE49-F238E27FC236}">
+              <a16:creationId xmlns:a16="http://schemas.microsoft.com/office/drawing/2014/main" id="{1F19353B-65E3-E46D-9D5F-1984FA067491}"/>
+            </a:ext>
+          </a:extLst>
+        </p:cNvPr>
+        <p:cNvGrpSpPr/>
+        <p:nvPr/>
+      </p:nvGrpSpPr>
+      <p:grpSpPr>
+        <a:xfrm>
+          <a:off x="0" y="0"/>
+          <a:ext cx="0" cy="0"/>
+          <a:chOff x="0" y="0"/>
+          <a:chExt cx="0" cy="0"/>
+        </a:xfrm>
+      </p:grpSpPr>
+      <p:sp>
+        <p:nvSpPr>
+          <p:cNvPr id="5" name="Title 4">
+            <a:extLst>
+              <a:ext uri="{FF2B5EF4-FFF2-40B4-BE49-F238E27FC236}">
+                <a16:creationId xmlns:a16="http://schemas.microsoft.com/office/drawing/2014/main" id="{D855C960-9FA2-B387-C38A-815D57C43732}"/>
+              </a:ext>
+            </a:extLst>
+          </p:cNvPr>
+          <p:cNvSpPr>
+            <a:spLocks noGrp="1"/>
+          </p:cNvSpPr>
+          <p:nvPr>
+            <p:ph type="title"/>
+          </p:nvPr>
+        </p:nvSpPr>
+        <p:spPr/>
+        <p:txBody>
+          <a:bodyPr/>
+          <a:lstStyle/>
+          <a:p>
+            <a:r>
+              <a:rPr lang="en-US" dirty="0"/>
+              <a:t>Piano Accompaniment: MC rhythm selection  </a:t>
+            </a:r>
+          </a:p>
+        </p:txBody>
+      </p:sp>
+      <p:sp>
+        <p:nvSpPr>
+          <p:cNvPr id="7" name="Content Placeholder 6">
+            <a:extLst>
+              <a:ext uri="{FF2B5EF4-FFF2-40B4-BE49-F238E27FC236}">
+                <a16:creationId xmlns:a16="http://schemas.microsoft.com/office/drawing/2014/main" id="{2A178BCE-23AE-1608-EA7E-A998330A71D9}"/>
+              </a:ext>
+            </a:extLst>
+          </p:cNvPr>
+          <p:cNvSpPr>
+            <a:spLocks noGrp="1"/>
+          </p:cNvSpPr>
+          <p:nvPr>
+            <p:ph idx="1"/>
+          </p:nvPr>
+        </p:nvSpPr>
+        <p:spPr>
+          <a:xfrm>
+            <a:off x="838200" y="1825625"/>
+            <a:ext cx="9583757" cy="2206548"/>
+          </a:xfrm>
+        </p:spPr>
+        <p:txBody>
+          <a:bodyPr>
+            <a:normAutofit/>
+          </a:bodyPr>
+          <a:lstStyle/>
+          <a:p>
+            <a:pPr marL="0" indent="0">
+              <a:buNone/>
+            </a:pPr>
+            <a:r>
+              <a:rPr lang="en-US" dirty="0"/>
+              <a:t>Iterate over the chords being played:</a:t>
+            </a:r>
+          </a:p>
+          <a:p>
+            <a:r>
+              <a:rPr lang="en-US" dirty="0"/>
+              <a:t>Generate a MC rhythm that spans a given chord</a:t>
+            </a:r>
+          </a:p>
+          <a:p>
+            <a:r>
+              <a:rPr lang="en-US" dirty="0"/>
+              <a:t>Fill each chord-space with valid pitches and rests </a:t>
+            </a:r>
+          </a:p>
+        </p:txBody>
+      </p:sp>
+      <p:sp>
+        <p:nvSpPr>
+          <p:cNvPr id="22" name="Right Brace 21">
+            <a:extLst>
+              <a:ext uri="{FF2B5EF4-FFF2-40B4-BE49-F238E27FC236}">
+                <a16:creationId xmlns:a16="http://schemas.microsoft.com/office/drawing/2014/main" id="{F91B9316-7A93-48A0-BE1C-044E141D0146}"/>
+              </a:ext>
+            </a:extLst>
+          </p:cNvPr>
+          <p:cNvSpPr/>
+          <p:nvPr/>
+        </p:nvSpPr>
+        <p:spPr>
+          <a:xfrm rot="16200000">
+            <a:off x="3451632" y="2240744"/>
+            <a:ext cx="258291" cy="3233734"/>
+          </a:xfrm>
+          <a:prstGeom prst="rightBrace">
+            <a:avLst/>
+          </a:prstGeom>
+        </p:spPr>
+        <p:style>
+          <a:lnRef idx="3">
+            <a:schemeClr val="accent2"/>
+          </a:lnRef>
+          <a:fillRef idx="0">
+            <a:schemeClr val="accent2"/>
+          </a:fillRef>
+          <a:effectRef idx="2">
+            <a:schemeClr val="accent2"/>
+          </a:effectRef>
+          <a:fontRef idx="minor">
+            <a:schemeClr val="tx1"/>
+          </a:fontRef>
+        </p:style>
+        <p:txBody>
+          <a:bodyPr rtlCol="0" anchor="ctr"/>
+          <a:lstStyle/>
+          <a:p>
+            <a:pPr algn="ctr"/>
+            <a:endParaRPr lang="en-US">
+              <a:ln w="0"/>
+              <a:effectLst>
+                <a:outerShdw blurRad="38100" dist="19050" dir="2700000" algn="tl" rotWithShape="0">
+                  <a:schemeClr val="dk1">
+                    <a:alpha val="40000"/>
+                  </a:schemeClr>
+                </a:outerShdw>
+              </a:effectLst>
+            </a:endParaRPr>
+          </a:p>
+        </p:txBody>
+      </p:sp>
+      <p:sp>
+        <p:nvSpPr>
+          <p:cNvPr id="24" name="TextBox 23">
+            <a:extLst>
+              <a:ext uri="{FF2B5EF4-FFF2-40B4-BE49-F238E27FC236}">
+                <a16:creationId xmlns:a16="http://schemas.microsoft.com/office/drawing/2014/main" id="{B6590B17-47A3-F408-BA19-A42B2B21B4A4}"/>
+              </a:ext>
+            </a:extLst>
+          </p:cNvPr>
+          <p:cNvSpPr txBox="1"/>
+          <p:nvPr/>
+        </p:nvSpPr>
+        <p:spPr>
+          <a:xfrm>
+            <a:off x="3410957" y="3294726"/>
+            <a:ext cx="3634737" cy="646331"/>
+          </a:xfrm>
+          <a:prstGeom prst="rect">
+            <a:avLst/>
+          </a:prstGeom>
+          <a:noFill/>
+        </p:spPr>
+        <p:txBody>
+          <a:bodyPr wrap="square" rtlCol="0">
+            <a:spAutoFit/>
+          </a:bodyPr>
+          <a:lstStyle/>
+          <a:p>
+            <a:r>
+              <a:rPr lang="en-US" dirty="0"/>
+              <a:t>4.0  = [0.5, 2, 1, 0.5] </a:t>
+            </a:r>
+          </a:p>
+          <a:p>
+            <a:endParaRPr lang="en-US" dirty="0"/>
+          </a:p>
+        </p:txBody>
+      </p:sp>
+      <p:pic>
+        <p:nvPicPr>
+          <p:cNvPr id="14" name="Picture 13">
+            <a:extLst>
+              <a:ext uri="{FF2B5EF4-FFF2-40B4-BE49-F238E27FC236}">
+                <a16:creationId xmlns:a16="http://schemas.microsoft.com/office/drawing/2014/main" id="{040982B9-2F0A-B3D1-F94E-CF270E7E0DAF}"/>
+              </a:ext>
+            </a:extLst>
+          </p:cNvPr>
+          <p:cNvPicPr>
+            <a:picLocks noChangeAspect="1"/>
+          </p:cNvPicPr>
+          <p:nvPr/>
+        </p:nvPicPr>
+        <p:blipFill>
+          <a:blip r:embed="rId3"/>
+          <a:stretch>
+            <a:fillRect/>
+          </a:stretch>
+        </p:blipFill>
+        <p:spPr>
+          <a:xfrm>
+            <a:off x="2037511" y="4004651"/>
+            <a:ext cx="3086531" cy="1400370"/>
+          </a:xfrm>
+          <a:prstGeom prst="rect">
+            <a:avLst/>
+          </a:prstGeom>
+        </p:spPr>
+      </p:pic>
+      <p:sp>
+        <p:nvSpPr>
+          <p:cNvPr id="2" name="TextBox 1">
+            <a:extLst>
+              <a:ext uri="{FF2B5EF4-FFF2-40B4-BE49-F238E27FC236}">
+                <a16:creationId xmlns:a16="http://schemas.microsoft.com/office/drawing/2014/main" id="{448FA011-F84F-A16A-931C-527AAD359D3D}"/>
+              </a:ext>
+            </a:extLst>
+          </p:cNvPr>
+          <p:cNvSpPr txBox="1"/>
+          <p:nvPr/>
+        </p:nvSpPr>
+        <p:spPr>
+          <a:xfrm>
+            <a:off x="8882131" y="1584674"/>
+            <a:ext cx="2600814" cy="4893647"/>
+          </a:xfrm>
+          <a:prstGeom prst="rect">
+            <a:avLst/>
+          </a:prstGeom>
+          <a:noFill/>
+          <a:ln>
+            <a:solidFill>
+              <a:schemeClr val="tx1"/>
+            </a:solidFill>
+          </a:ln>
+        </p:spPr>
+        <p:txBody>
+          <a:bodyPr wrap="square" rtlCol="0">
+            <a:spAutoFit/>
+          </a:bodyPr>
+          <a:lstStyle/>
+          <a:p>
+            <a:r>
+              <a:rPr lang="en-US" sz="2400" dirty="0"/>
+              <a:t>Chord: Bb m7:</a:t>
+            </a:r>
+          </a:p>
+          <a:p>
+            <a:endParaRPr lang="en-US" sz="2400" dirty="0"/>
+          </a:p>
+          <a:p>
+            <a:r>
+              <a:rPr lang="en-US" sz="2400" dirty="0"/>
+              <a:t>Notes:</a:t>
+            </a:r>
+          </a:p>
+          <a:p>
+            <a:r>
+              <a:rPr lang="en-US" sz="2400" b="0" dirty="0">
+                <a:solidFill>
+                  <a:srgbClr val="CCCCCC"/>
+                </a:solidFill>
+                <a:effectLst/>
+                <a:latin typeface="Consolas" panose="020B0609020204030204" pitchFamily="49" charset="0"/>
+              </a:rPr>
+              <a:t>[</a:t>
+            </a:r>
+            <a:r>
+              <a:rPr lang="en-US" sz="2400" b="0" dirty="0">
+                <a:solidFill>
+                  <a:srgbClr val="B5CEA8"/>
+                </a:solidFill>
+                <a:effectLst/>
+                <a:latin typeface="Consolas" panose="020B0609020204030204" pitchFamily="49" charset="0"/>
+              </a:rPr>
+              <a:t>0</a:t>
+            </a:r>
+            <a:r>
+              <a:rPr lang="en-US" sz="2400" b="0" dirty="0">
+                <a:solidFill>
+                  <a:srgbClr val="CCCCCC"/>
+                </a:solidFill>
+                <a:effectLst/>
+                <a:latin typeface="Consolas" panose="020B0609020204030204" pitchFamily="49" charset="0"/>
+              </a:rPr>
+              <a:t>, </a:t>
+            </a:r>
+            <a:r>
+              <a:rPr lang="en-US" sz="2400" dirty="0">
+                <a:solidFill>
+                  <a:srgbClr val="B5CEA8"/>
+                </a:solidFill>
+                <a:latin typeface="Consolas" panose="020B0609020204030204" pitchFamily="49" charset="0"/>
+              </a:rPr>
+              <a:t>3</a:t>
+            </a:r>
+            <a:r>
+              <a:rPr lang="en-US" sz="2400" b="0" dirty="0">
+                <a:solidFill>
+                  <a:srgbClr val="CCCCCC"/>
+                </a:solidFill>
+                <a:effectLst/>
+                <a:latin typeface="Consolas" panose="020B0609020204030204" pitchFamily="49" charset="0"/>
+              </a:rPr>
+              <a:t>, </a:t>
+            </a:r>
+            <a:r>
+              <a:rPr lang="en-US" sz="2400" b="0" dirty="0">
+                <a:solidFill>
+                  <a:srgbClr val="B5CEA8"/>
+                </a:solidFill>
+                <a:effectLst/>
+                <a:latin typeface="Consolas" panose="020B0609020204030204" pitchFamily="49" charset="0"/>
+              </a:rPr>
+              <a:t>7</a:t>
+            </a:r>
+            <a:r>
+              <a:rPr lang="en-US" sz="2400" b="0" dirty="0">
+                <a:solidFill>
+                  <a:srgbClr val="CCCCCC"/>
+                </a:solidFill>
+                <a:effectLst/>
+                <a:latin typeface="Consolas" panose="020B0609020204030204" pitchFamily="49" charset="0"/>
+              </a:rPr>
+              <a:t>, </a:t>
+            </a:r>
+            <a:r>
+              <a:rPr lang="en-US" sz="2400" b="0" dirty="0">
+                <a:solidFill>
+                  <a:srgbClr val="B5CEA8"/>
+                </a:solidFill>
+                <a:effectLst/>
+                <a:latin typeface="Consolas" panose="020B0609020204030204" pitchFamily="49" charset="0"/>
+              </a:rPr>
+              <a:t>10</a:t>
+            </a:r>
+            <a:r>
+              <a:rPr lang="en-US" sz="2400" b="0" dirty="0">
+                <a:solidFill>
+                  <a:srgbClr val="CCCCCC"/>
+                </a:solidFill>
+                <a:effectLst/>
+                <a:latin typeface="Consolas" panose="020B0609020204030204" pitchFamily="49" charset="0"/>
+              </a:rPr>
+              <a:t>],</a:t>
+            </a:r>
+          </a:p>
+          <a:p>
+            <a:endParaRPr lang="en-US" sz="2400" b="0" dirty="0">
+              <a:solidFill>
+                <a:srgbClr val="CCCCCC"/>
+              </a:solidFill>
+              <a:effectLst/>
+              <a:latin typeface="Consolas" panose="020B0609020204030204" pitchFamily="49" charset="0"/>
+            </a:endParaRPr>
+          </a:p>
+          <a:p>
+            <a:endParaRPr lang="en-US" sz="2400" dirty="0">
+              <a:solidFill>
+                <a:srgbClr val="CCCCCC"/>
+              </a:solidFill>
+              <a:latin typeface="Consolas" panose="020B0609020204030204" pitchFamily="49" charset="0"/>
+            </a:endParaRPr>
+          </a:p>
+          <a:p>
+            <a:r>
+              <a:rPr lang="en-US" sz="2400" b="0" dirty="0">
+                <a:solidFill>
+                  <a:srgbClr val="CCCCCC"/>
+                </a:solidFill>
+                <a:effectLst/>
+                <a:latin typeface="Consolas" panose="020B0609020204030204" pitchFamily="49" charset="0"/>
+              </a:rPr>
+              <a:t>Probs:</a:t>
+            </a:r>
+          </a:p>
+          <a:p>
+            <a:r>
+              <a:rPr lang="en-US" sz="2400" dirty="0">
+                <a:solidFill>
+                  <a:srgbClr val="CCCCCC"/>
+                </a:solidFill>
+                <a:latin typeface="Consolas" panose="020B0609020204030204" pitchFamily="49" charset="0"/>
+              </a:rPr>
+              <a:t>0    : 0</a:t>
+            </a:r>
+            <a:endParaRPr lang="en-US" sz="2400" b="0" dirty="0">
+              <a:solidFill>
+                <a:srgbClr val="CCCCCC"/>
+              </a:solidFill>
+              <a:effectLst/>
+              <a:latin typeface="Consolas" panose="020B0609020204030204" pitchFamily="49" charset="0"/>
+            </a:endParaRPr>
+          </a:p>
+          <a:p>
+            <a:r>
+              <a:rPr lang="en-US" sz="2400" b="0" dirty="0">
+                <a:solidFill>
+                  <a:srgbClr val="CCCCCC"/>
+                </a:solidFill>
+                <a:effectLst/>
+                <a:latin typeface="Consolas" panose="020B0609020204030204" pitchFamily="49" charset="0"/>
+              </a:rPr>
+              <a:t>3,4  : 0.9</a:t>
+            </a:r>
+          </a:p>
+          <a:p>
+            <a:r>
+              <a:rPr lang="en-US" sz="2400" b="0" dirty="0">
+                <a:solidFill>
+                  <a:srgbClr val="CCCCCC"/>
+                </a:solidFill>
+                <a:effectLst/>
+                <a:latin typeface="Consolas" panose="020B0609020204030204" pitchFamily="49" charset="0"/>
+              </a:rPr>
+              <a:t>7  </a:t>
+            </a:r>
+            <a:r>
+              <a:rPr lang="en-US" sz="2400" dirty="0">
+                <a:solidFill>
+                  <a:srgbClr val="CCCCCC"/>
+                </a:solidFill>
+                <a:latin typeface="Consolas" panose="020B0609020204030204" pitchFamily="49" charset="0"/>
+              </a:rPr>
+              <a:t>  : 0.25</a:t>
+            </a:r>
+          </a:p>
+          <a:p>
+            <a:r>
+              <a:rPr lang="en-US" sz="2400" b="0" dirty="0">
+                <a:solidFill>
+                  <a:srgbClr val="CCCCCC"/>
+                </a:solidFill>
+                <a:effectLst/>
+                <a:latin typeface="Consolas" panose="020B0609020204030204" pitchFamily="49" charset="0"/>
+              </a:rPr>
+              <a:t>10,11: 0.9</a:t>
+            </a:r>
+          </a:p>
+          <a:p>
+            <a:r>
+              <a:rPr lang="en-US" sz="2400" dirty="0"/>
+              <a:t>ELSE     :   0.6</a:t>
+            </a:r>
+          </a:p>
+          <a:p>
+            <a:endParaRPr lang="en-US" sz="2400" dirty="0"/>
+          </a:p>
+        </p:txBody>
+      </p:sp>
+      <p:pic>
+        <p:nvPicPr>
+          <p:cNvPr id="4" name="Picture 3">
+            <a:extLst>
+              <a:ext uri="{FF2B5EF4-FFF2-40B4-BE49-F238E27FC236}">
+                <a16:creationId xmlns:a16="http://schemas.microsoft.com/office/drawing/2014/main" id="{FDB40337-AF65-5E84-616B-F5384AA7407B}"/>
+              </a:ext>
+            </a:extLst>
+          </p:cNvPr>
+          <p:cNvPicPr>
+            <a:picLocks noChangeAspect="1"/>
+          </p:cNvPicPr>
+          <p:nvPr/>
+        </p:nvPicPr>
+        <p:blipFill>
+          <a:blip r:embed="rId4"/>
+          <a:stretch>
+            <a:fillRect/>
+          </a:stretch>
+        </p:blipFill>
+        <p:spPr>
+          <a:xfrm>
+            <a:off x="2037510" y="5496801"/>
+            <a:ext cx="3086531" cy="1063523"/>
+          </a:xfrm>
+          <a:prstGeom prst="rect">
+            <a:avLst/>
+          </a:prstGeom>
+        </p:spPr>
+      </p:pic>
+      <p:cxnSp>
+        <p:nvCxnSpPr>
+          <p:cNvPr id="8" name="Straight Arrow Connector 7">
+            <a:extLst>
+              <a:ext uri="{FF2B5EF4-FFF2-40B4-BE49-F238E27FC236}">
+                <a16:creationId xmlns:a16="http://schemas.microsoft.com/office/drawing/2014/main" id="{5B4DA97B-321D-811A-9A21-C1BE6AA41CAB}"/>
+              </a:ext>
+            </a:extLst>
+          </p:cNvPr>
+          <p:cNvCxnSpPr>
+            <a:cxnSpLocks/>
+          </p:cNvCxnSpPr>
+          <p:nvPr/>
+        </p:nvCxnSpPr>
+        <p:spPr>
+          <a:xfrm flipH="1">
+            <a:off x="5727032" y="6333424"/>
+            <a:ext cx="2887579" cy="0"/>
+          </a:xfrm>
+          <a:prstGeom prst="straightConnector1">
+            <a:avLst/>
+          </a:prstGeom>
+          <a:ln>
+            <a:solidFill>
+              <a:schemeClr val="tx1"/>
+            </a:solidFill>
+            <a:tailEnd type="triangle"/>
+          </a:ln>
+        </p:spPr>
+        <p:style>
+          <a:lnRef idx="2">
+            <a:schemeClr val="accent1"/>
+          </a:lnRef>
+          <a:fillRef idx="0">
+            <a:schemeClr val="accent1"/>
+          </a:fillRef>
+          <a:effectRef idx="1">
+            <a:schemeClr val="accent1"/>
+          </a:effectRef>
+          <a:fontRef idx="minor">
+            <a:schemeClr val="tx1"/>
+          </a:fontRef>
+        </p:style>
+      </p:cxnSp>
+      <p:sp>
+        <p:nvSpPr>
+          <p:cNvPr id="10" name="Content Placeholder 6">
+            <a:extLst>
+              <a:ext uri="{FF2B5EF4-FFF2-40B4-BE49-F238E27FC236}">
+                <a16:creationId xmlns:a16="http://schemas.microsoft.com/office/drawing/2014/main" id="{67DC62E3-3D78-6966-3995-60EE33FA3816}"/>
+              </a:ext>
+            </a:extLst>
+          </p:cNvPr>
+          <p:cNvSpPr txBox="1">
+            <a:spLocks/>
+          </p:cNvSpPr>
+          <p:nvPr/>
+        </p:nvSpPr>
+        <p:spPr>
+          <a:xfrm>
+            <a:off x="375385" y="4301747"/>
+            <a:ext cx="1390206" cy="2206548"/>
+          </a:xfrm>
+          <a:prstGeom prst="rect">
+            <a:avLst/>
+          </a:prstGeom>
+        </p:spPr>
+        <p:txBody>
+          <a:bodyPr vert="horz" lIns="91440" tIns="45720" rIns="91440" bIns="45720" rtlCol="0">
+            <a:normAutofit/>
+          </a:bodyPr>
+          <a:lstStyle>
+            <a:lvl1pPr marL="228600" indent="-228600" algn="l" defTabSz="914400" rtl="0" eaLnBrk="1" latinLnBrk="0" hangingPunct="1">
+              <a:lnSpc>
+                <a:spcPct val="90000"/>
+              </a:lnSpc>
+              <a:spcBef>
+                <a:spcPts val="1000"/>
+              </a:spcBef>
+              <a:buFont typeface="Arial" panose="020B0604020202020204" pitchFamily="34" charset="0"/>
+              <a:buChar char="•"/>
+              <a:defRPr sz="2800" kern="1200">
+                <a:solidFill>
+                  <a:schemeClr val="tx1"/>
+                </a:solidFill>
+                <a:latin typeface="+mn-lt"/>
+                <a:ea typeface="+mn-ea"/>
+                <a:cs typeface="+mn-cs"/>
+              </a:defRPr>
+            </a:lvl1pPr>
+            <a:lvl2pPr marL="685800" indent="-228600" algn="l" defTabSz="914400" rtl="0" eaLnBrk="1" latinLnBrk="0" hangingPunct="1">
+              <a:lnSpc>
+                <a:spcPct val="90000"/>
+              </a:lnSpc>
+              <a:spcBef>
+                <a:spcPts val="500"/>
+              </a:spcBef>
+              <a:buFont typeface="Arial" panose="020B0604020202020204" pitchFamily="34" charset="0"/>
+              <a:buChar char="•"/>
+              <a:defRPr sz="2400" kern="1200">
+                <a:solidFill>
+                  <a:schemeClr val="tx1"/>
+                </a:solidFill>
+                <a:latin typeface="+mn-lt"/>
+                <a:ea typeface="+mn-ea"/>
+                <a:cs typeface="+mn-cs"/>
+              </a:defRPr>
+            </a:lvl2pPr>
+            <a:lvl3pPr marL="1143000" indent="-228600" algn="l" defTabSz="914400" rtl="0" eaLnBrk="1" latinLnBrk="0" hangingPunct="1">
+              <a:lnSpc>
+                <a:spcPct val="90000"/>
+              </a:lnSpc>
+              <a:spcBef>
+                <a:spcPts val="500"/>
+              </a:spcBef>
+              <a:buFont typeface="Arial" panose="020B0604020202020204" pitchFamily="34" charset="0"/>
+              <a:buChar char="•"/>
+              <a:defRPr sz="2000" kern="1200">
+                <a:solidFill>
+                  <a:schemeClr val="tx1"/>
+                </a:solidFill>
+                <a:latin typeface="+mn-lt"/>
+                <a:ea typeface="+mn-ea"/>
+                <a:cs typeface="+mn-cs"/>
+              </a:defRPr>
+            </a:lvl3pPr>
+            <a:lvl4pPr marL="1600200" indent="-228600" algn="l" defTabSz="914400" rtl="0" eaLnBrk="1" latinLnBrk="0" hangingPunct="1">
+              <a:lnSpc>
+                <a:spcPct val="90000"/>
+              </a:lnSpc>
+              <a:spcBef>
+                <a:spcPts val="500"/>
+              </a:spcBef>
+              <a:buFont typeface="Arial" panose="020B0604020202020204" pitchFamily="34" charset="0"/>
+              <a:buChar char="•"/>
+              <a:defRPr sz="1800" kern="1200">
+                <a:solidFill>
+                  <a:schemeClr val="tx1"/>
+                </a:solidFill>
+                <a:latin typeface="+mn-lt"/>
+                <a:ea typeface="+mn-ea"/>
+                <a:cs typeface="+mn-cs"/>
+              </a:defRPr>
+            </a:lvl4pPr>
+            <a:lvl5pPr marL="2057400" indent="-228600" algn="l" defTabSz="914400" rtl="0" eaLnBrk="1" latinLnBrk="0" hangingPunct="1">
+              <a:lnSpc>
+                <a:spcPct val="90000"/>
+              </a:lnSpc>
+              <a:spcBef>
+                <a:spcPts val="500"/>
+              </a:spcBef>
+              <a:buFont typeface="Arial" panose="020B0604020202020204" pitchFamily="34" charset="0"/>
+              <a:buChar char="•"/>
+              <a:defRPr sz="1800" kern="1200">
+                <a:solidFill>
+                  <a:schemeClr val="tx1"/>
+                </a:solidFill>
+                <a:latin typeface="+mn-lt"/>
+                <a:ea typeface="+mn-ea"/>
+                <a:cs typeface="+mn-cs"/>
+              </a:defRPr>
+            </a:lvl5pPr>
+            <a:lvl6pPr marL="2514600" indent="-228600" algn="l" defTabSz="914400" rtl="0" eaLnBrk="1" latinLnBrk="0" hangingPunct="1">
+              <a:lnSpc>
+                <a:spcPct val="90000"/>
+              </a:lnSpc>
+              <a:spcBef>
+                <a:spcPts val="500"/>
+              </a:spcBef>
+              <a:buFont typeface="Arial" panose="020B0604020202020204" pitchFamily="34" charset="0"/>
+              <a:buChar char="•"/>
+              <a:defRPr sz="1800" kern="1200">
+                <a:solidFill>
+                  <a:schemeClr val="tx1"/>
+                </a:solidFill>
+                <a:latin typeface="+mn-lt"/>
+                <a:ea typeface="+mn-ea"/>
+                <a:cs typeface="+mn-cs"/>
+              </a:defRPr>
+            </a:lvl6pPr>
+            <a:lvl7pPr marL="2971800" indent="-228600" algn="l" defTabSz="914400" rtl="0" eaLnBrk="1" latinLnBrk="0" hangingPunct="1">
+              <a:lnSpc>
+                <a:spcPct val="90000"/>
+              </a:lnSpc>
+              <a:spcBef>
+                <a:spcPts val="500"/>
+              </a:spcBef>
+              <a:buFont typeface="Arial" panose="020B0604020202020204" pitchFamily="34" charset="0"/>
+              <a:buChar char="•"/>
+              <a:defRPr sz="1800" kern="1200">
+                <a:solidFill>
+                  <a:schemeClr val="tx1"/>
+                </a:solidFill>
+                <a:latin typeface="+mn-lt"/>
+                <a:ea typeface="+mn-ea"/>
+                <a:cs typeface="+mn-cs"/>
+              </a:defRPr>
+            </a:lvl7pPr>
+            <a:lvl8pPr marL="3429000" indent="-228600" algn="l" defTabSz="914400" rtl="0" eaLnBrk="1" latinLnBrk="0" hangingPunct="1">
+              <a:lnSpc>
+                <a:spcPct val="90000"/>
+              </a:lnSpc>
+              <a:spcBef>
+                <a:spcPts val="500"/>
+              </a:spcBef>
+              <a:buFont typeface="Arial" panose="020B0604020202020204" pitchFamily="34" charset="0"/>
+              <a:buChar char="•"/>
+              <a:defRPr sz="1800" kern="1200">
+                <a:solidFill>
+                  <a:schemeClr val="tx1"/>
+                </a:solidFill>
+                <a:latin typeface="+mn-lt"/>
+                <a:ea typeface="+mn-ea"/>
+                <a:cs typeface="+mn-cs"/>
+              </a:defRPr>
+            </a:lvl8pPr>
+            <a:lvl9pPr marL="3886200" indent="-228600" algn="l" defTabSz="914400" rtl="0" eaLnBrk="1" latinLnBrk="0" hangingPunct="1">
+              <a:lnSpc>
+                <a:spcPct val="90000"/>
+              </a:lnSpc>
+              <a:spcBef>
+                <a:spcPts val="500"/>
+              </a:spcBef>
+              <a:buFont typeface="Arial" panose="020B0604020202020204" pitchFamily="34" charset="0"/>
+              <a:buChar char="•"/>
+              <a:defRPr sz="1800" kern="1200">
+                <a:solidFill>
+                  <a:schemeClr val="tx1"/>
+                </a:solidFill>
+                <a:latin typeface="+mn-lt"/>
+                <a:ea typeface="+mn-ea"/>
+                <a:cs typeface="+mn-cs"/>
+              </a:defRPr>
+            </a:lvl9pPr>
+          </a:lstStyle>
+          <a:p>
+            <a:pPr marL="0" indent="0">
+              <a:buFont typeface="Arial" panose="020B0604020202020204" pitchFamily="34" charset="0"/>
+              <a:buNone/>
+            </a:pPr>
+            <a:r>
+              <a:rPr lang="en-US" dirty="0"/>
+              <a:t>Melody</a:t>
+            </a:r>
+          </a:p>
+          <a:p>
+            <a:pPr marL="0" indent="0">
+              <a:buFont typeface="Arial" panose="020B0604020202020204" pitchFamily="34" charset="0"/>
+              <a:buNone/>
+            </a:pPr>
+            <a:endParaRPr lang="en-US" dirty="0"/>
+          </a:p>
+          <a:p>
+            <a:pPr marL="0" indent="0">
+              <a:buFont typeface="Arial" panose="020B0604020202020204" pitchFamily="34" charset="0"/>
+              <a:buNone/>
+            </a:pPr>
+            <a:endParaRPr lang="en-US" dirty="0"/>
+          </a:p>
+          <a:p>
+            <a:pPr marL="0" indent="0">
+              <a:buFont typeface="Arial" panose="020B0604020202020204" pitchFamily="34" charset="0"/>
+              <a:buNone/>
+            </a:pPr>
+            <a:r>
+              <a:rPr lang="en-US" dirty="0"/>
+              <a:t>Piano</a:t>
+            </a:r>
+          </a:p>
+        </p:txBody>
+      </p:sp>
+      <p:sp>
+        <p:nvSpPr>
+          <p:cNvPr id="3" name="Arrow: Curved Left 2">
+            <a:extLst>
+              <a:ext uri="{FF2B5EF4-FFF2-40B4-BE49-F238E27FC236}">
+                <a16:creationId xmlns:a16="http://schemas.microsoft.com/office/drawing/2014/main" id="{5C062A2E-FCFD-62FE-5D6F-F55854C99A56}"/>
+              </a:ext>
+            </a:extLst>
+          </p:cNvPr>
+          <p:cNvSpPr/>
+          <p:nvPr/>
+        </p:nvSpPr>
+        <p:spPr>
+          <a:xfrm>
+            <a:off x="5640404" y="4831882"/>
+            <a:ext cx="731520" cy="1216152"/>
+          </a:xfrm>
+          <a:prstGeom prst="curvedLeftArrow">
+            <a:avLst/>
+          </a:prstGeom>
+        </p:spPr>
+        <p:style>
+          <a:lnRef idx="2">
+            <a:schemeClr val="dk1"/>
+          </a:lnRef>
+          <a:fillRef idx="1">
+            <a:schemeClr val="lt1"/>
+          </a:fillRef>
+          <a:effectRef idx="0">
+            <a:schemeClr val="dk1"/>
+          </a:effectRef>
+          <a:fontRef idx="minor">
+            <a:schemeClr val="dk1"/>
+          </a:fontRef>
+        </p:style>
+        <p:txBody>
+          <a:bodyPr rtlCol="0" anchor="ctr"/>
+          <a:lstStyle/>
+          <a:p>
+            <a:pPr algn="ctr"/>
+            <a:endParaRPr lang="en-US">
+              <a:solidFill>
+                <a:schemeClr val="tx1"/>
+              </a:solidFill>
+            </a:endParaRPr>
+          </a:p>
+        </p:txBody>
+      </p:sp>
+    </p:spTree>
+    <p:extLst>
+      <p:ext uri="{BB962C8B-B14F-4D97-AF65-F5344CB8AC3E}">
+        <p14:creationId xmlns:p14="http://schemas.microsoft.com/office/powerpoint/2010/main" val="2852832827"/>
+      </p:ext>
+    </p:extLst>
+  </p:cSld>
+  <p:clrMapOvr>
+    <a:masterClrMapping/>
+  </p:clrMapOvr>
+  <mc:AlternateContent xmlns:mc="http://schemas.openxmlformats.org/markup-compatibility/2006" xmlns:p159="http://schemas.microsoft.com/office/powerpoint/2015/09/main">
+    <mc:Choice Requires="p159">
+      <p:transition xmlns:p14="http://schemas.microsoft.com/office/powerpoint/2010/main" spd="slow" p14:dur="2000">
+        <p159:morph option="byObject"/>
+      </p:transition>
+    </mc:Choice>
+    <mc:Fallback xmlns="">
       <p:transition spd="slow">
         <p:fade/>
       </p:transition>
@@ -12866,13 +16444,13 @@
   <p:clrMapOvr>
     <a:masterClrMapping/>
   </p:clrMapOvr>
-  <mc:AlternateContent xmlns:mc="http://schemas.openxmlformats.org/markup-compatibility/2006">
-    <mc:Choice xmlns:p159="http://schemas.microsoft.com/office/powerpoint/2015/09/main" Requires="p159">
+  <mc:AlternateContent xmlns:mc="http://schemas.openxmlformats.org/markup-compatibility/2006" xmlns:p159="http://schemas.microsoft.com/office/powerpoint/2015/09/main">
+    <mc:Choice Requires="p159">
       <p:transition xmlns:p14="http://schemas.microsoft.com/office/powerpoint/2010/main" spd="slow" p14:dur="2000">
         <p159:morph option="byObject"/>
       </p:transition>
     </mc:Choice>
-    <mc:Fallback>
+    <mc:Fallback xmlns="">
       <p:transition spd="slow">
         <p:fade/>
       </p:transition>
@@ -13287,13 +16865,13 @@
   <p:clrMapOvr>
     <a:masterClrMapping/>
   </p:clrMapOvr>
-  <mc:AlternateContent xmlns:mc="http://schemas.openxmlformats.org/markup-compatibility/2006">
-    <mc:Choice xmlns:p159="http://schemas.microsoft.com/office/powerpoint/2015/09/main" Requires="p159">
+  <mc:AlternateContent xmlns:mc="http://schemas.openxmlformats.org/markup-compatibility/2006" xmlns:p159="http://schemas.microsoft.com/office/powerpoint/2015/09/main">
+    <mc:Choice Requires="p159">
       <p:transition xmlns:p14="http://schemas.microsoft.com/office/powerpoint/2010/main" spd="slow" p14:dur="2000">
         <p159:morph option="byObject"/>
       </p:transition>
     </mc:Choice>
-    <mc:Fallback>
+    <mc:Fallback xmlns="">
       <p:transition spd="slow">
         <p:fade/>
       </p:transition>
@@ -13761,13 +17339,13 @@
   <p:clrMapOvr>
     <a:masterClrMapping/>
   </p:clrMapOvr>
-  <mc:AlternateContent xmlns:mc="http://schemas.openxmlformats.org/markup-compatibility/2006">
-    <mc:Choice xmlns:p159="http://schemas.microsoft.com/office/powerpoint/2015/09/main" Requires="p159">
+  <mc:AlternateContent xmlns:mc="http://schemas.openxmlformats.org/markup-compatibility/2006" xmlns:p159="http://schemas.microsoft.com/office/powerpoint/2015/09/main">
+    <mc:Choice Requires="p159">
       <p:transition xmlns:p14="http://schemas.microsoft.com/office/powerpoint/2010/main" spd="slow" p14:dur="2000">
         <p159:morph option="byObject"/>
       </p:transition>
     </mc:Choice>
-    <mc:Fallback>
+    <mc:Fallback xmlns="">
       <p:transition spd="slow">
         <p:fade/>
       </p:transition>
@@ -14441,13 +18019,13 @@
   <p:clrMapOvr>
     <a:masterClrMapping/>
   </p:clrMapOvr>
-  <mc:AlternateContent xmlns:mc="http://schemas.openxmlformats.org/markup-compatibility/2006">
-    <mc:Choice xmlns:p159="http://schemas.microsoft.com/office/powerpoint/2015/09/main" Requires="p159">
+  <mc:AlternateContent xmlns:mc="http://schemas.openxmlformats.org/markup-compatibility/2006" xmlns:p159="http://schemas.microsoft.com/office/powerpoint/2015/09/main">
+    <mc:Choice Requires="p159">
       <p:transition xmlns:p14="http://schemas.microsoft.com/office/powerpoint/2010/main" spd="slow" p14:dur="2000">
         <p159:morph option="byObject"/>
       </p:transition>
     </mc:Choice>
-    <mc:Fallback>
+    <mc:Fallback xmlns="">
       <p:transition spd="slow">
         <p:fade/>
       </p:transition>
@@ -14832,13 +18410,13 @@
   <p:clrMapOvr>
     <a:masterClrMapping/>
   </p:clrMapOvr>
-  <mc:AlternateContent xmlns:mc="http://schemas.openxmlformats.org/markup-compatibility/2006">
-    <mc:Choice xmlns:p159="http://schemas.microsoft.com/office/powerpoint/2015/09/main" Requires="p159">
+  <mc:AlternateContent xmlns:mc="http://schemas.openxmlformats.org/markup-compatibility/2006" xmlns:p159="http://schemas.microsoft.com/office/powerpoint/2015/09/main">
+    <mc:Choice Requires="p159">
       <p:transition xmlns:p14="http://schemas.microsoft.com/office/powerpoint/2010/main" spd="slow" p14:dur="2000">
         <p159:morph option="byObject"/>
       </p:transition>
     </mc:Choice>
-    <mc:Fallback>
+    <mc:Fallback xmlns="">
       <p:transition spd="slow">
         <p:fade/>
       </p:transition>
@@ -14954,13 +18532,13 @@
   <p:clrMapOvr>
     <a:masterClrMapping/>
   </p:clrMapOvr>
-  <mc:AlternateContent xmlns:mc="http://schemas.openxmlformats.org/markup-compatibility/2006">
-    <mc:Choice xmlns:p159="http://schemas.microsoft.com/office/powerpoint/2015/09/main" Requires="p159">
+  <mc:AlternateContent xmlns:mc="http://schemas.openxmlformats.org/markup-compatibility/2006" xmlns:p159="http://schemas.microsoft.com/office/powerpoint/2015/09/main">
+    <mc:Choice Requires="p159">
       <p:transition xmlns:p14="http://schemas.microsoft.com/office/powerpoint/2010/main" spd="slow" p14:dur="2000">
         <p159:morph option="byObject"/>
       </p:transition>
     </mc:Choice>
-    <mc:Fallback>
+    <mc:Fallback xmlns="">
       <p:transition spd="slow">
         <p:fade/>
       </p:transition>
@@ -15883,13 +19461,13 @@
   <p:clrMapOvr>
     <a:masterClrMapping/>
   </p:clrMapOvr>
-  <mc:AlternateContent xmlns:mc="http://schemas.openxmlformats.org/markup-compatibility/2006">
-    <mc:Choice xmlns:p159="http://schemas.microsoft.com/office/powerpoint/2015/09/main" Requires="p159">
+  <mc:AlternateContent xmlns:mc="http://schemas.openxmlformats.org/markup-compatibility/2006" xmlns:p159="http://schemas.microsoft.com/office/powerpoint/2015/09/main">
+    <mc:Choice Requires="p159">
       <p:transition xmlns:p14="http://schemas.microsoft.com/office/powerpoint/2010/main" spd="slow" p14:dur="2000">
         <p159:morph option="byObject"/>
       </p:transition>
     </mc:Choice>
-    <mc:Fallback>
+    <mc:Fallback xmlns="">
       <p:transition spd="slow">
         <p:fade/>
       </p:transition>

--- a/CS150 final presentation.pptx
+++ b/CS150 final presentation.pptx
@@ -5,7 +5,7 @@
     <p:sldMasterId id="2147483660" r:id="rId1"/>
   </p:sldMasterIdLst>
   <p:notesMasterIdLst>
-    <p:notesMasterId r:id="rId26"/>
+    <p:notesMasterId r:id="rId39"/>
   </p:notesMasterIdLst>
   <p:sldIdLst>
     <p:sldId id="256" r:id="rId2"/>
@@ -28,10 +28,23 @@
     <p:sldId id="273" r:id="rId19"/>
     <p:sldId id="274" r:id="rId20"/>
     <p:sldId id="276" r:id="rId21"/>
-    <p:sldId id="282" r:id="rId22"/>
-    <p:sldId id="286" r:id="rId23"/>
-    <p:sldId id="287" r:id="rId24"/>
-    <p:sldId id="288" r:id="rId25"/>
+    <p:sldId id="289" r:id="rId22"/>
+    <p:sldId id="290" r:id="rId23"/>
+    <p:sldId id="291" r:id="rId24"/>
+    <p:sldId id="292" r:id="rId25"/>
+    <p:sldId id="293" r:id="rId26"/>
+    <p:sldId id="294" r:id="rId27"/>
+    <p:sldId id="295" r:id="rId28"/>
+    <p:sldId id="300" r:id="rId29"/>
+    <p:sldId id="282" r:id="rId30"/>
+    <p:sldId id="286" r:id="rId31"/>
+    <p:sldId id="287" r:id="rId32"/>
+    <p:sldId id="288" r:id="rId33"/>
+    <p:sldId id="296" r:id="rId34"/>
+    <p:sldId id="299" r:id="rId35"/>
+    <p:sldId id="301" r:id="rId36"/>
+    <p:sldId id="302" r:id="rId37"/>
+    <p:sldId id="303" r:id="rId38"/>
   </p:sldIdLst>
   <p:sldSz cx="12192000" cy="6858000"/>
   <p:notesSz cx="6858000" cy="9144000"/>
@@ -1037,6 +1050,238 @@
 </pc:chgInfo>
 </file>
 
+<file path=ppt/ink/ink1.xml><?xml version="1.0" encoding="utf-8"?>
+<inkml:ink xmlns:inkml="http://www.w3.org/2003/InkML">
+  <inkml:definitions>
+    <inkml:context xml:id="ctx0">
+      <inkml:inkSource xml:id="inkSrc0">
+        <inkml:traceFormat>
+          <inkml:channel name="X" type="integer" min="-2.14748E9" max="2.14748E9" units="cm"/>
+          <inkml:channel name="Y" type="integer" min="-2.14748E9" max="2.14748E9" units="cm"/>
+        </inkml:traceFormat>
+        <inkml:channelProperties>
+          <inkml:channelProperty channel="X" name="resolution" value="1000" units="1/cm"/>
+          <inkml:channelProperty channel="Y" name="resolution" value="1000" units="1/cm"/>
+        </inkml:channelProperties>
+      </inkml:inkSource>
+      <inkml:timestamp xml:id="ts0" timeString="2025-04-23T02:24:48.144"/>
+    </inkml:context>
+    <inkml:brush xml:id="br0">
+      <inkml:brushProperty name="width" value="0.3" units="cm"/>
+      <inkml:brushProperty name="height" value="0.6" units="cm"/>
+      <inkml:brushProperty name="color" value="#FFFC00"/>
+      <inkml:brushProperty name="tip" value="rectangle"/>
+      <inkml:brushProperty name="rasterOp" value="maskPen"/>
+      <inkml:brushProperty name="ignorePressure" value="1"/>
+    </inkml:brush>
+  </inkml:definitions>
+  <inkml:trace contextRef="#ctx0" brushRef="#br0">0 355,'104'-2,"115"5,-141 12,7 0,19 2,-76-11,0-1,35 1,592-5,-312-3,-303-1,1-1,0-3,68-19,-17 3,-39 9,-32 9,-1 0,1 0,23 0,62-11,-77 10,60-4,-53 9,0-1,66-14,-70 11,0 1,61 0,-60 4,0-2,53-8,88-30,68-6,-162 32,-53 8,0 1,33-1,-17 5,-6 2,0-3,-1-1,50-11,-61 10,-1 0,40 0,-40 3,0-1,46-9,148-28,-104 22,-3 2,-27 4,-58 9</inkml:trace>
+</inkml:ink>
+</file>
+
+<file path=ppt/ink/ink2.xml><?xml version="1.0" encoding="utf-8"?>
+<inkml:ink xmlns:inkml="http://www.w3.org/2003/InkML">
+  <inkml:definitions>
+    <inkml:context xml:id="ctx0">
+      <inkml:inkSource xml:id="inkSrc0">
+        <inkml:traceFormat>
+          <inkml:channel name="X" type="integer" min="-2.14748E9" max="2.14748E9" units="cm"/>
+          <inkml:channel name="Y" type="integer" min="-2.14748E9" max="2.14748E9" units="cm"/>
+        </inkml:traceFormat>
+        <inkml:channelProperties>
+          <inkml:channelProperty channel="X" name="resolution" value="1000" units="1/cm"/>
+          <inkml:channelProperty channel="Y" name="resolution" value="1000" units="1/cm"/>
+        </inkml:channelProperties>
+      </inkml:inkSource>
+      <inkml:timestamp xml:id="ts0" timeString="2025-04-23T02:24:50.170"/>
+    </inkml:context>
+    <inkml:brush xml:id="br0">
+      <inkml:brushProperty name="width" value="0.3" units="cm"/>
+      <inkml:brushProperty name="height" value="0.6" units="cm"/>
+      <inkml:brushProperty name="color" value="#FFFC00"/>
+      <inkml:brushProperty name="tip" value="rectangle"/>
+      <inkml:brushProperty name="rasterOp" value="maskPen"/>
+      <inkml:brushProperty name="ignorePressure" value="1"/>
+    </inkml:brush>
+  </inkml:definitions>
+  <inkml:trace contextRef="#ctx0" brushRef="#br0">4214 2,'-24'0,"-22"-1,1 2,-1 2,-64 13,58-4,-108 22,95-20,43-9,-1 0,-29 2,14-3,-50 11,22-2,-4 1,44-8,0-1,-45 3,32-5,-51 10,51-6,-51 2,56-9,0 3,0 0,-38 10,47-8,0-2,-37 1,38-3,0 1,-47 9,33-3,-55 5,-26 5,92-13,-1-2,0-1,-33-1,35-1,0 0,1 2,-51 10,42-5,-1-2,0-1,1-2,-54-3,-51 4,60 12,60-10,-1-1,-25 3,-387-4,222-6,172 5,-69 13,69-8,-67 2,-58-12,-125 6,283-3,-1 1,0-1,1 1,-1 1,1-1,0 1,-1 0,1 0,0 0,-5 4,10-6,0 0,0 1,0-1,-1 0,1 1,0-1,0 0,0 0,0 1,0-1,0 0,0 1,0-1,0 0,0 1,0-1,1 0,-1 0,0 1,0-1,0 0,0 0,0 1,0-1,1 0,-1 0,0 1,0-1,0 0,1 0,-1 0,0 1,0-1,1 0,-1 0,0 0,0 0,1 0,-1 0,0 1,1-1,-1 0,0 0,0 0,1 0,-1 0,0 0,1 0,-1 0,0 0,0 0,1 0,-1-1,0 1,1 0,20 3,350 1,-190-7,880 3,-1034-2,0 0,41-10,35-4,2 0,-76 9,0 3,32-2,-19 1,0-1,0-2,-1-2,72-27,-34 11,46-10,34 2,-90 20,-41 8,-1 1,42-2,-42 5,0-1,31-8,-30 5,0 1,29 0,-28 2,53-10,-53 7,56-4,314 9,-186 3,-189-4,1 0,41-10,-40 6,1 1,29 0,-36 4,18 1,-1-3,0 0,37-10,-47 8,0 2,1 0,35 2,-37 2,-1-2,1-1,48-9,-48 4,1 2,0 2,33-2,-33 5</inkml:trace>
+</inkml:ink>
+</file>
+
+<file path=ppt/ink/ink3.xml><?xml version="1.0" encoding="utf-8"?>
+<inkml:ink xmlns:inkml="http://www.w3.org/2003/InkML">
+  <inkml:definitions>
+    <inkml:context xml:id="ctx0">
+      <inkml:inkSource xml:id="inkSrc0">
+        <inkml:traceFormat>
+          <inkml:channel name="X" type="integer" min="-2.14748E9" max="2.14748E9" units="cm"/>
+          <inkml:channel name="Y" type="integer" min="-2.14748E9" max="2.14748E9" units="cm"/>
+        </inkml:traceFormat>
+        <inkml:channelProperties>
+          <inkml:channelProperty channel="X" name="resolution" value="1000" units="1/cm"/>
+          <inkml:channelProperty channel="Y" name="resolution" value="1000" units="1/cm"/>
+        </inkml:channelProperties>
+      </inkml:inkSource>
+      <inkml:timestamp xml:id="ts0" timeString="2025-04-23T02:24:55.925"/>
+    </inkml:context>
+    <inkml:brush xml:id="br0">
+      <inkml:brushProperty name="width" value="0.3" units="cm"/>
+      <inkml:brushProperty name="height" value="0.6" units="cm"/>
+      <inkml:brushProperty name="color" value="#FFFC00"/>
+      <inkml:brushProperty name="tip" value="rectangle"/>
+      <inkml:brushProperty name="rasterOp" value="maskPen"/>
+      <inkml:brushProperty name="ignorePressure" value="1"/>
+    </inkml:brush>
+  </inkml:definitions>
+  <inkml:trace contextRef="#ctx0" brushRef="#br0">386 798,'26'-1,"0"-1,-1-2,1 0,-1-2,48-17,-23 3,87-49,-101 47,-24 13,1 1,0 1,14-6,97-39,74-26,-135 57,95-25,-43 18,57-11,-102 26,-43 7,0 1,42-2,-33 6,-1-1,68-14,-74 12,1 0,-1 2,41 2,-44 1,0-2,1 0,-1-1,40-10,0-6,-21 7,-1-2,0-2,0-1,47-27,-55 25,-28 15,0 0,0-1,-1 1,1-2,-1 1,0-1,0 0,-1 0,1-1,-1 0,8-10,-14 16,0-1,0 1,0 0,1 0,-1-1,0 1,0 0,0 0,0-1,0 1,0 0,0-1,0 1,0 0,0 0,0-1,0 1,0 0,0-1,0 1,0 0,-1 0,1-1,0 1,0 0,0 0,0-1,0 1,-1 0,1 0,0-1,0 1,0 0,-1 0,1 0,0-1,0 1,-1 0,1 0,-17-3,-17 5,-22 16,-74 35,99-40,-23 12,30-13,1-2,-2 0,-32 8,-231 45,93-29,115-22,33-4,-83 4,92-10,-68 12,67-7,-66 2,99-9,-54 0,1 3,-74 12,57-5,0-4,-147-6,83-3,111 3,-1 1,1 2,-56 13,3-4,66-11,0 0,0 2,1 0,-1 1,-29 11,15-2,0 1,1 2,1 1,1 2,0 0,-25 24,52-43,-1 1,1-1,-1 0,1 1,-1-1,1 0,0 1,-1-1,1 1,0-1,-1 1,1-1,0 0,-1 1,1-1,0 1,0-1,0 1,-1 0,1-1,0 1,0-1,0 1,0-1,0 1,0-1,0 1,0-1,0 1,0 0,0-1,1 1,-1-1,0 1,0-1,1 1,-1-1,0 1,1 0,25 7,34-8,-18-6,71-21,-77 17,0 2,69-8,16 0,-82 9,57-3,-72 8,-1-1,31-8,39-4,-24 8,98-23,-19 1,-128 25,1-1,-1-1,25-11,-22 8,44-12,316-72,-251 57,52-20,-77 20,-38 14,-23 6,90-17,-69 19,-45 9,0 0,30-2,78-9,-85 9,69-3,-95 9,0-1,0-1,33-10,-31 7</inkml:trace>
+</inkml:ink>
+</file>
+
+<file path=ppt/ink/ink4.xml><?xml version="1.0" encoding="utf-8"?>
+<inkml:ink xmlns:inkml="http://www.w3.org/2003/InkML">
+  <inkml:definitions>
+    <inkml:context xml:id="ctx0">
+      <inkml:inkSource xml:id="inkSrc0">
+        <inkml:traceFormat>
+          <inkml:channel name="X" type="integer" min="-2.14748E9" max="2.14748E9" units="cm"/>
+          <inkml:channel name="Y" type="integer" min="-2.14748E9" max="2.14748E9" units="cm"/>
+        </inkml:traceFormat>
+        <inkml:channelProperties>
+          <inkml:channelProperty channel="X" name="resolution" value="1000" units="1/cm"/>
+          <inkml:channelProperty channel="Y" name="resolution" value="1000" units="1/cm"/>
+        </inkml:channelProperties>
+      </inkml:inkSource>
+      <inkml:timestamp xml:id="ts0" timeString="2025-04-23T02:25:06.374"/>
+    </inkml:context>
+    <inkml:brush xml:id="br0">
+      <inkml:brushProperty name="width" value="0.3" units="cm"/>
+      <inkml:brushProperty name="height" value="0.6" units="cm"/>
+      <inkml:brushProperty name="color" value="#FF40FF"/>
+      <inkml:brushProperty name="tip" value="rectangle"/>
+      <inkml:brushProperty name="rasterOp" value="maskPen"/>
+      <inkml:brushProperty name="ignorePressure" value="1"/>
+    </inkml:brush>
+  </inkml:definitions>
+  <inkml:trace contextRef="#ctx0" brushRef="#br0">59 132,'62'0,"-14"2,1-3,-1-2,82-14,-78 8,1 3,0 3,0 1,55 6,10-1,589-3,-679 2,-1 1,50 12,-16-3,163 41,-170-39,-1 2,75 34,-21-8,119 52,-163-70,-47-19,0 1,0 0,-1 1,0 1,23 15,-10-3,2-2,0 0,1-2,0-2,1 0,66 16,-57-18,-20-5,0-1,0-2,39 5,11 4,-20-2,-51-11,0-1,0 1,0 0,0 0,0 0,0 0,0 0,0 0,0 0,-1 0,1 0,0 0,0 0,0 0,0-1,0 1,0 0,0 0,0 0,0 0,0 0,0 0,0 0,0 0,0 0,0-1,0 1,0 0,0 0,0 0,0 0,0 0,1 0,-1 0,0 0,0 0,0 0,0 0,0-1,0 1,0 0,0 0,0 0,0 0,0 0,0 0,-15-10,-24-9,-52-14,-169-67,205 78,-61-16,0 1,-248-74,220 62,-3 1,56 21,-51-10,-106-2,168 25,54 8,0 1,-36-1,-2 5,25 1,0-1,0-2,-51-11,61 9,0 2,0 0,-44 3,46 1,0-1,0-2,1 0,-35-9,17 3,1 1,-1 3,0 1,-71 5,39-1,66-1,1 1,-1 0,1 1,-1 0,1 0,0 1,0 0,-14 7,0 2,-37 29,3-3,53-35,0 0,0 0,0 0,0 1,0-1,1 1,-3 4,-5 9</inkml:trace>
+</inkml:ink>
+</file>
+
+<file path=ppt/ink/ink5.xml><?xml version="1.0" encoding="utf-8"?>
+<inkml:ink xmlns:inkml="http://www.w3.org/2003/InkML">
+  <inkml:definitions>
+    <inkml:context xml:id="ctx0">
+      <inkml:inkSource xml:id="inkSrc0">
+        <inkml:traceFormat>
+          <inkml:channel name="X" type="integer" min="-2.14748E9" max="2.14748E9" units="cm"/>
+          <inkml:channel name="Y" type="integer" min="-2.14748E9" max="2.14748E9" units="cm"/>
+        </inkml:traceFormat>
+        <inkml:channelProperties>
+          <inkml:channelProperty channel="X" name="resolution" value="1000" units="1/cm"/>
+          <inkml:channelProperty channel="Y" name="resolution" value="1000" units="1/cm"/>
+        </inkml:channelProperties>
+      </inkml:inkSource>
+      <inkml:timestamp xml:id="ts0" timeString="2025-04-23T02:25:08.044"/>
+    </inkml:context>
+    <inkml:brush xml:id="br0">
+      <inkml:brushProperty name="width" value="0.3" units="cm"/>
+      <inkml:brushProperty name="height" value="0.6" units="cm"/>
+      <inkml:brushProperty name="color" value="#FF40FF"/>
+      <inkml:brushProperty name="tip" value="rectangle"/>
+      <inkml:brushProperty name="rasterOp" value="maskPen"/>
+      <inkml:brushProperty name="ignorePressure" value="1"/>
+    </inkml:brush>
+  </inkml:definitions>
+  <inkml:trace contextRef="#ctx0" brushRef="#br0">1 293,'0'-2,"1"1,0-1,0 1,-1 0,1-1,0 1,0 0,0-1,1 1,-1 0,0 0,0 0,1 0,-1 0,0 0,1 1,-1-1,1 0,2 0,39-16,-31 13,-9 3,306-110,-184 74,34 4,-24 3,-97 20,-1 2,1 1,67-3,19 8,171 6,-285-2,0-1,0 1,0 1,0 0,0 0,0 1,-1 0,0 1,17 11,-4 0,0 2,23 26,-23-23,-1 0,27 17,257 192,-259-199,-18-13,47 41,-6-6,-49-39,36 31,-29-20,2-2,0 0,2-2,0-1,1-2,1-1,1-2,0-1,59 16,67 2,-135-27,22 7,0-2,1-3,62 3,-83-10</inkml:trace>
+</inkml:ink>
+</file>
+
+<file path=ppt/ink/ink6.xml><?xml version="1.0" encoding="utf-8"?>
+<inkml:ink xmlns:inkml="http://www.w3.org/2003/InkML">
+  <inkml:definitions>
+    <inkml:context xml:id="ctx0">
+      <inkml:inkSource xml:id="inkSrc0">
+        <inkml:traceFormat>
+          <inkml:channel name="X" type="integer" min="-2.14748E9" max="2.14748E9" units="cm"/>
+          <inkml:channel name="Y" type="integer" min="-2.14748E9" max="2.14748E9" units="cm"/>
+        </inkml:traceFormat>
+        <inkml:channelProperties>
+          <inkml:channelProperty channel="X" name="resolution" value="1000" units="1/cm"/>
+          <inkml:channelProperty channel="Y" name="resolution" value="1000" units="1/cm"/>
+        </inkml:channelProperties>
+      </inkml:inkSource>
+      <inkml:timestamp xml:id="ts0" timeString="2025-04-23T02:25:20.359"/>
+    </inkml:context>
+    <inkml:brush xml:id="br0">
+      <inkml:brushProperty name="width" value="0.3" units="cm"/>
+      <inkml:brushProperty name="height" value="0.6" units="cm"/>
+      <inkml:brushProperty name="color" value="#A9D8FF"/>
+      <inkml:brushProperty name="tip" value="rectangle"/>
+      <inkml:brushProperty name="rasterOp" value="maskPen"/>
+      <inkml:brushProperty name="ignorePressure" value="1"/>
+    </inkml:brush>
+  </inkml:definitions>
+  <inkml:trace contextRef="#ctx0" brushRef="#br0">0 1</inkml:trace>
+</inkml:ink>
+</file>
+
+<file path=ppt/ink/ink7.xml><?xml version="1.0" encoding="utf-8"?>
+<inkml:ink xmlns:inkml="http://www.w3.org/2003/InkML">
+  <inkml:definitions>
+    <inkml:context xml:id="ctx0">
+      <inkml:inkSource xml:id="inkSrc0">
+        <inkml:traceFormat>
+          <inkml:channel name="X" type="integer" min="-2.14748E9" max="2.14748E9" units="cm"/>
+          <inkml:channel name="Y" type="integer" min="-2.14748E9" max="2.14748E9" units="cm"/>
+        </inkml:traceFormat>
+        <inkml:channelProperties>
+          <inkml:channelProperty channel="X" name="resolution" value="1000" units="1/cm"/>
+          <inkml:channelProperty channel="Y" name="resolution" value="1000" units="1/cm"/>
+        </inkml:channelProperties>
+      </inkml:inkSource>
+      <inkml:timestamp xml:id="ts0" timeString="2025-04-23T02:25:27.715"/>
+    </inkml:context>
+    <inkml:brush xml:id="br0">
+      <inkml:brushProperty name="width" value="0.3" units="cm"/>
+      <inkml:brushProperty name="height" value="0.6" units="cm"/>
+      <inkml:brushProperty name="color" value="#A9D8FF"/>
+      <inkml:brushProperty name="tip" value="rectangle"/>
+      <inkml:brushProperty name="rasterOp" value="maskPen"/>
+      <inkml:brushProperty name="ignorePressure" value="1"/>
+    </inkml:brush>
+  </inkml:definitions>
+  <inkml:trace contextRef="#ctx0" brushRef="#br0">1 1,'37'2,"71"12,-69-7,66 3,-65-8,64 12,-64-7,66 3,-28-11,-33 0,-1 1,1 3,78 13,-71-7,0-3,0-2,1-3,56-5,7 1,1045 3,-1137 1,-1 2,45 10,-42-8,-1 0,33 2,621-6,-328-3,-259 3,104-3,-169-3,-7-2</inkml:trace>
+</inkml:ink>
+</file>
+
+<file path=ppt/ink/ink8.xml><?xml version="1.0" encoding="utf-8"?>
+<inkml:ink xmlns:inkml="http://www.w3.org/2003/InkML">
+  <inkml:definitions>
+    <inkml:context xml:id="ctx0">
+      <inkml:inkSource xml:id="inkSrc0">
+        <inkml:traceFormat>
+          <inkml:channel name="X" type="integer" min="-2.14748E9" max="2.14748E9" units="cm"/>
+          <inkml:channel name="Y" type="integer" min="-2.14748E9" max="2.14748E9" units="cm"/>
+        </inkml:traceFormat>
+        <inkml:channelProperties>
+          <inkml:channelProperty channel="X" name="resolution" value="1000" units="1/cm"/>
+          <inkml:channelProperty channel="Y" name="resolution" value="1000" units="1/cm"/>
+        </inkml:channelProperties>
+      </inkml:inkSource>
+      <inkml:timestamp xml:id="ts0" timeString="2025-04-23T02:25:29.269"/>
+    </inkml:context>
+    <inkml:brush xml:id="br0">
+      <inkml:brushProperty name="width" value="0.3" units="cm"/>
+      <inkml:brushProperty name="height" value="0.6" units="cm"/>
+      <inkml:brushProperty name="color" value="#A9D8FF"/>
+      <inkml:brushProperty name="tip" value="rectangle"/>
+      <inkml:brushProperty name="rasterOp" value="maskPen"/>
+      <inkml:brushProperty name="ignorePressure" value="1"/>
+    </inkml:brush>
+  </inkml:definitions>
+  <inkml:trace contextRef="#ctx0" brushRef="#br0">0 0,'35'2,"0"2,0 1,58 17,-58-12,1-2,0-2,46 3,-38-8,-7-2,1 3,-1 1,46 10,-30-5,0-2,0-2,0-3,54-5,12 1,941 3,-1033 0</inkml:trace>
+</inkml:ink>
+</file>
+
 <file path=ppt/notesMasters/notesMaster1.xml><?xml version="1.0" encoding="utf-8"?>
 <p:notesMaster xmlns:a="http://schemas.openxmlformats.org/drawingml/2006/main" xmlns:r="http://schemas.openxmlformats.org/officeDocument/2006/relationships" xmlns:p="http://schemas.openxmlformats.org/presentationml/2006/main">
   <p:cSld>
@@ -1119,7 +1364,7 @@
           <a:p>
             <a:fld id="{75796472-B87E-4381-8196-13D73E248975}" type="datetimeFigureOut">
               <a:rPr lang="en-US" smtClean="0"/>
-              <a:t>4/21/2025</a:t>
+              <a:t>4/22/2025</a:t>
             </a:fld>
             <a:endParaRPr lang="en-US"/>
           </a:p>
@@ -1967,7 +2212,7 @@
             </a:pPr>
             <a:r>
               <a:rPr lang="en-US" dirty="0"/>
-              <a:t>Walking basslines move a lot, and want to move in short steps more than in long jumps. But both are acceptable.</a:t>
+              <a:t>Talk about this a lot</a:t>
             </a:r>
           </a:p>
           <a:p>
@@ -2129,7 +2374,7 @@
           <a:p>
             <a:fld id="{75C27354-8D95-4B2E-8540-BFCEB4C148F5}" type="slidenum">
               <a:rPr lang="en-US" smtClean="0"/>
-              <a:t>21</a:t>
+              <a:t>29</a:t>
             </a:fld>
             <a:endParaRPr lang="en-US"/>
           </a:p>
@@ -2138,7 +2383,7 @@
     </p:spTree>
     <p:extLst>
       <p:ext uri="{BB962C8B-B14F-4D97-AF65-F5344CB8AC3E}">
-        <p14:creationId xmlns:p14="http://schemas.microsoft.com/office/powerpoint/2010/main" val="64672009"/>
+        <p14:creationId xmlns:p14="http://schemas.microsoft.com/office/powerpoint/2010/main" val="1464478396"/>
       </p:ext>
     </p:extLst>
   </p:cSld>
@@ -2260,7 +2505,7 @@
           <a:p>
             <a:fld id="{75C27354-8D95-4B2E-8540-BFCEB4C148F5}" type="slidenum">
               <a:rPr lang="en-US" smtClean="0"/>
-              <a:t>22</a:t>
+              <a:t>30</a:t>
             </a:fld>
             <a:endParaRPr lang="en-US"/>
           </a:p>
@@ -2269,7 +2514,7 @@
     </p:spTree>
     <p:extLst>
       <p:ext uri="{BB962C8B-B14F-4D97-AF65-F5344CB8AC3E}">
-        <p14:creationId xmlns:p14="http://schemas.microsoft.com/office/powerpoint/2010/main" val="1518236774"/>
+        <p14:creationId xmlns:p14="http://schemas.microsoft.com/office/powerpoint/2010/main" val="2915110674"/>
       </p:ext>
     </p:extLst>
   </p:cSld>
@@ -2391,7 +2636,7 @@
           <a:p>
             <a:fld id="{75C27354-8D95-4B2E-8540-BFCEB4C148F5}" type="slidenum">
               <a:rPr lang="en-US" smtClean="0"/>
-              <a:t>23</a:t>
+              <a:t>31</a:t>
             </a:fld>
             <a:endParaRPr lang="en-US"/>
           </a:p>
@@ -2400,7 +2645,7 @@
     </p:spTree>
     <p:extLst>
       <p:ext uri="{BB962C8B-B14F-4D97-AF65-F5344CB8AC3E}">
-        <p14:creationId xmlns:p14="http://schemas.microsoft.com/office/powerpoint/2010/main" val="2968214558"/>
+        <p14:creationId xmlns:p14="http://schemas.microsoft.com/office/powerpoint/2010/main" val="1790517423"/>
       </p:ext>
     </p:extLst>
   </p:cSld>
@@ -2522,7 +2767,7 @@
           <a:p>
             <a:fld id="{75C27354-8D95-4B2E-8540-BFCEB4C148F5}" type="slidenum">
               <a:rPr lang="en-US" smtClean="0"/>
-              <a:t>24</a:t>
+              <a:t>32</a:t>
             </a:fld>
             <a:endParaRPr lang="en-US"/>
           </a:p>
@@ -2531,7 +2776,7 @@
     </p:spTree>
     <p:extLst>
       <p:ext uri="{BB962C8B-B14F-4D97-AF65-F5344CB8AC3E}">
-        <p14:creationId xmlns:p14="http://schemas.microsoft.com/office/powerpoint/2010/main" val="2673630212"/>
+        <p14:creationId xmlns:p14="http://schemas.microsoft.com/office/powerpoint/2010/main" val="670674995"/>
       </p:ext>
     </p:extLst>
   </p:cSld>
@@ -3720,7 +3965,7 @@
           <a:p>
             <a:fld id="{7826A13B-C332-4B6E-9654-631538610AE2}" type="datetimeFigureOut">
               <a:rPr lang="en-US" smtClean="0"/>
-              <a:t>4/21/2025</a:t>
+              <a:t>4/22/2025</a:t>
             </a:fld>
             <a:endParaRPr lang="en-US"/>
           </a:p>
@@ -3890,7 +4135,7 @@
           <a:p>
             <a:fld id="{7826A13B-C332-4B6E-9654-631538610AE2}" type="datetimeFigureOut">
               <a:rPr lang="en-US" smtClean="0"/>
-              <a:t>4/21/2025</a:t>
+              <a:t>4/22/2025</a:t>
             </a:fld>
             <a:endParaRPr lang="en-US"/>
           </a:p>
@@ -4070,7 +4315,7 @@
           <a:p>
             <a:fld id="{7826A13B-C332-4B6E-9654-631538610AE2}" type="datetimeFigureOut">
               <a:rPr lang="en-US" smtClean="0"/>
-              <a:t>4/21/2025</a:t>
+              <a:t>4/22/2025</a:t>
             </a:fld>
             <a:endParaRPr lang="en-US"/>
           </a:p>
@@ -4240,7 +4485,7 @@
           <a:p>
             <a:fld id="{7826A13B-C332-4B6E-9654-631538610AE2}" type="datetimeFigureOut">
               <a:rPr lang="en-US" smtClean="0"/>
-              <a:t>4/21/2025</a:t>
+              <a:t>4/22/2025</a:t>
             </a:fld>
             <a:endParaRPr lang="en-US"/>
           </a:p>
@@ -4486,7 +4731,7 @@
           <a:p>
             <a:fld id="{7826A13B-C332-4B6E-9654-631538610AE2}" type="datetimeFigureOut">
               <a:rPr lang="en-US" smtClean="0"/>
-              <a:t>4/21/2025</a:t>
+              <a:t>4/22/2025</a:t>
             </a:fld>
             <a:endParaRPr lang="en-US"/>
           </a:p>
@@ -4718,7 +4963,7 @@
           <a:p>
             <a:fld id="{7826A13B-C332-4B6E-9654-631538610AE2}" type="datetimeFigureOut">
               <a:rPr lang="en-US" smtClean="0"/>
-              <a:t>4/21/2025</a:t>
+              <a:t>4/22/2025</a:t>
             </a:fld>
             <a:endParaRPr lang="en-US"/>
           </a:p>
@@ -5085,7 +5330,7 @@
           <a:p>
             <a:fld id="{7826A13B-C332-4B6E-9654-631538610AE2}" type="datetimeFigureOut">
               <a:rPr lang="en-US" smtClean="0"/>
-              <a:t>4/21/2025</a:t>
+              <a:t>4/22/2025</a:t>
             </a:fld>
             <a:endParaRPr lang="en-US"/>
           </a:p>
@@ -5203,7 +5448,7 @@
           <a:p>
             <a:fld id="{7826A13B-C332-4B6E-9654-631538610AE2}" type="datetimeFigureOut">
               <a:rPr lang="en-US" smtClean="0"/>
-              <a:t>4/21/2025</a:t>
+              <a:t>4/22/2025</a:t>
             </a:fld>
             <a:endParaRPr lang="en-US"/>
           </a:p>
@@ -5298,7 +5543,7 @@
           <a:p>
             <a:fld id="{7826A13B-C332-4B6E-9654-631538610AE2}" type="datetimeFigureOut">
               <a:rPr lang="en-US" smtClean="0"/>
-              <a:t>4/21/2025</a:t>
+              <a:t>4/22/2025</a:t>
             </a:fld>
             <a:endParaRPr lang="en-US"/>
           </a:p>
@@ -5575,7 +5820,7 @@
           <a:p>
             <a:fld id="{7826A13B-C332-4B6E-9654-631538610AE2}" type="datetimeFigureOut">
               <a:rPr lang="en-US" smtClean="0"/>
-              <a:t>4/21/2025</a:t>
+              <a:t>4/22/2025</a:t>
             </a:fld>
             <a:endParaRPr lang="en-US"/>
           </a:p>
@@ -5832,7 +6077,7 @@
           <a:p>
             <a:fld id="{7826A13B-C332-4B6E-9654-631538610AE2}" type="datetimeFigureOut">
               <a:rPr lang="en-US" smtClean="0"/>
-              <a:t>4/21/2025</a:t>
+              <a:t>4/22/2025</a:t>
             </a:fld>
             <a:endParaRPr lang="en-US"/>
           </a:p>
@@ -6045,7 +6290,7 @@
           <a:p>
             <a:fld id="{7826A13B-C332-4B6E-9654-631538610AE2}" type="datetimeFigureOut">
               <a:rPr lang="en-US" smtClean="0"/>
-              <a:t>4/21/2025</a:t>
+              <a:t>4/22/2025</a:t>
             </a:fld>
             <a:endParaRPr lang="en-US"/>
           </a:p>
@@ -6477,7 +6722,7 @@
                 <a:ea typeface="CMU Serif" panose="02000603000000000000" pitchFamily="2" charset="0"/>
                 <a:cs typeface="CMU Serif" panose="02000603000000000000" pitchFamily="2" charset="0"/>
               </a:rPr>
-              <a:t>Robot Combo</a:t>
+              <a:t>Jazz.exe.py</a:t>
             </a:r>
           </a:p>
         </p:txBody>
@@ -12920,7 +13165,7 @@
         </p:nvGraphicFramePr>
         <p:xfrm>
           <a:off x="6147582" y="2694747"/>
-          <a:ext cx="5936567" cy="3243942"/>
+          <a:ext cx="5936567" cy="3108959"/>
         </p:xfrm>
         <a:graphic>
           <a:graphicData uri="http://schemas.openxmlformats.org/drawingml/2006/table">
@@ -14354,6 +14599,1053 @@
   <p:cSld>
     <p:spTree>
       <p:nvGrpSpPr>
+        <p:cNvPr id="1" name=""/>
+        <p:cNvGrpSpPr/>
+        <p:nvPr/>
+      </p:nvGrpSpPr>
+      <p:grpSpPr>
+        <a:xfrm>
+          <a:off x="0" y="0"/>
+          <a:ext cx="0" cy="0"/>
+          <a:chOff x="0" y="0"/>
+          <a:chExt cx="0" cy="0"/>
+        </a:xfrm>
+      </p:grpSpPr>
+      <p:sp>
+        <p:nvSpPr>
+          <p:cNvPr id="2" name="Title 1">
+            <a:extLst>
+              <a:ext uri="{FF2B5EF4-FFF2-40B4-BE49-F238E27FC236}">
+                <a16:creationId xmlns:a16="http://schemas.microsoft.com/office/drawing/2014/main" id="{80DC9BC0-8458-A869-7BC1-FC25AAF95C01}"/>
+              </a:ext>
+            </a:extLst>
+          </p:cNvPr>
+          <p:cNvSpPr>
+            <a:spLocks noGrp="1"/>
+          </p:cNvSpPr>
+          <p:nvPr>
+            <p:ph type="title"/>
+          </p:nvPr>
+        </p:nvSpPr>
+        <p:spPr/>
+        <p:txBody>
+          <a:bodyPr/>
+          <a:lstStyle/>
+          <a:p>
+            <a:r>
+              <a:rPr lang="en-US" dirty="0"/>
+              <a:t>Solos: Split Genetic Algorithm with Correctness/Closeness Scoring</a:t>
+            </a:r>
+          </a:p>
+        </p:txBody>
+      </p:sp>
+      <p:sp>
+        <p:nvSpPr>
+          <p:cNvPr id="3" name="Content Placeholder 2">
+            <a:extLst>
+              <a:ext uri="{FF2B5EF4-FFF2-40B4-BE49-F238E27FC236}">
+                <a16:creationId xmlns:a16="http://schemas.microsoft.com/office/drawing/2014/main" id="{886013EB-62D1-FE74-EC5F-0327ACA274A9}"/>
+              </a:ext>
+            </a:extLst>
+          </p:cNvPr>
+          <p:cNvSpPr>
+            <a:spLocks noGrp="1"/>
+          </p:cNvSpPr>
+          <p:nvPr>
+            <p:ph idx="1"/>
+          </p:nvPr>
+        </p:nvSpPr>
+        <p:spPr/>
+        <p:txBody>
+          <a:bodyPr/>
+          <a:lstStyle/>
+          <a:p>
+            <a:r>
+              <a:rPr lang="en-US" dirty="0"/>
+              <a:t>Goal: Generate interesting piano and saxophone solos that fit over the chords, and that sound like they fit in the standard.</a:t>
+            </a:r>
+          </a:p>
+          <a:p>
+            <a:r>
+              <a:rPr lang="en-US" dirty="0"/>
+              <a:t>Genetic algorithms are good for this, as they cover a lot of solution space</a:t>
+            </a:r>
+          </a:p>
+          <a:p>
+            <a:r>
+              <a:rPr lang="en-US" dirty="0"/>
+              <a:t>Defining a good fitness function and new mutations are the hard (interesting) parts</a:t>
+            </a:r>
+          </a:p>
+        </p:txBody>
+      </p:sp>
+    </p:spTree>
+    <p:extLst>
+      <p:ext uri="{BB962C8B-B14F-4D97-AF65-F5344CB8AC3E}">
+        <p14:creationId xmlns:p14="http://schemas.microsoft.com/office/powerpoint/2010/main" val="1206850758"/>
+      </p:ext>
+    </p:extLst>
+  </p:cSld>
+  <p:clrMapOvr>
+    <a:masterClrMapping/>
+  </p:clrMapOvr>
+</p:sld>
+</file>
+
+<file path=ppt/slides/slide22.xml><?xml version="1.0" encoding="utf-8"?>
+<p:sld xmlns:a="http://schemas.openxmlformats.org/drawingml/2006/main" xmlns:r="http://schemas.openxmlformats.org/officeDocument/2006/relationships" xmlns:p="http://schemas.openxmlformats.org/presentationml/2006/main">
+  <p:cSld>
+    <p:spTree>
+      <p:nvGrpSpPr>
+        <p:cNvPr id="1" name=""/>
+        <p:cNvGrpSpPr/>
+        <p:nvPr/>
+      </p:nvGrpSpPr>
+      <p:grpSpPr>
+        <a:xfrm>
+          <a:off x="0" y="0"/>
+          <a:ext cx="0" cy="0"/>
+          <a:chOff x="0" y="0"/>
+          <a:chExt cx="0" cy="0"/>
+        </a:xfrm>
+      </p:grpSpPr>
+      <p:sp>
+        <p:nvSpPr>
+          <p:cNvPr id="2" name="Title 1">
+            <a:extLst>
+              <a:ext uri="{FF2B5EF4-FFF2-40B4-BE49-F238E27FC236}">
+                <a16:creationId xmlns:a16="http://schemas.microsoft.com/office/drawing/2014/main" id="{863B5C92-3DB3-B522-BC0D-522A0FD9B831}"/>
+              </a:ext>
+            </a:extLst>
+          </p:cNvPr>
+          <p:cNvSpPr>
+            <a:spLocks noGrp="1"/>
+          </p:cNvSpPr>
+          <p:nvPr>
+            <p:ph type="title"/>
+          </p:nvPr>
+        </p:nvSpPr>
+        <p:spPr/>
+        <p:txBody>
+          <a:bodyPr/>
+          <a:lstStyle/>
+          <a:p>
+            <a:r>
+              <a:rPr lang="en-US" dirty="0"/>
+              <a:t>Chromosome design</a:t>
+            </a:r>
+          </a:p>
+        </p:txBody>
+      </p:sp>
+      <p:sp>
+        <p:nvSpPr>
+          <p:cNvPr id="3" name="Content Placeholder 2">
+            <a:extLst>
+              <a:ext uri="{FF2B5EF4-FFF2-40B4-BE49-F238E27FC236}">
+                <a16:creationId xmlns:a16="http://schemas.microsoft.com/office/drawing/2014/main" id="{47C18F0B-D82F-78D1-A7DB-8A5511230CC1}"/>
+              </a:ext>
+            </a:extLst>
+          </p:cNvPr>
+          <p:cNvSpPr>
+            <a:spLocks noGrp="1"/>
+          </p:cNvSpPr>
+          <p:nvPr>
+            <p:ph idx="1"/>
+          </p:nvPr>
+        </p:nvSpPr>
+        <p:spPr/>
+        <p:txBody>
+          <a:bodyPr/>
+          <a:lstStyle/>
+          <a:p>
+            <a:r>
+              <a:rPr lang="en-US" dirty="0"/>
+              <a:t>Split the head up into approximately 4 measure phrases</a:t>
+            </a:r>
+          </a:p>
+          <a:p>
+            <a:r>
+              <a:rPr lang="en-US" dirty="0"/>
+              <a:t>Each phrase becomes a chromosome, each chromosome has one gene per eighth note</a:t>
+            </a:r>
+          </a:p>
+          <a:p>
+            <a:r>
+              <a:rPr lang="en-US" dirty="0"/>
+              <a:t>Each gene can be a rest or a pitch</a:t>
+            </a:r>
+          </a:p>
+          <a:p>
+            <a:r>
+              <a:rPr lang="en-US" dirty="0"/>
+              <a:t>Initial population selects from [rest, </a:t>
+            </a:r>
+            <a:r>
+              <a:rPr lang="en-US" dirty="0" err="1"/>
+              <a:t>notes_in_scale</a:t>
+            </a:r>
+            <a:r>
+              <a:rPr lang="en-US" dirty="0"/>
+              <a:t>].</a:t>
+            </a:r>
+          </a:p>
+          <a:p>
+            <a:pPr lvl="1"/>
+            <a:r>
+              <a:rPr lang="en-US" dirty="0"/>
+              <a:t>If a rest is selected, the next few genes also become rests to minimize choppiness</a:t>
+            </a:r>
+          </a:p>
+          <a:p>
+            <a:pPr lvl="1"/>
+            <a:r>
+              <a:rPr lang="en-US" dirty="0" err="1"/>
+              <a:t>notes_in_scale</a:t>
+            </a:r>
+            <a:r>
+              <a:rPr lang="en-US" dirty="0"/>
+              <a:t> determined from the table in the </a:t>
+            </a:r>
+            <a:r>
+              <a:rPr lang="en-US" dirty="0" err="1"/>
+              <a:t>GenJam</a:t>
+            </a:r>
+            <a:r>
+              <a:rPr lang="en-US" dirty="0"/>
+              <a:t> paper, combined with our own knowledge of jazz theory</a:t>
+            </a:r>
+          </a:p>
+        </p:txBody>
+      </p:sp>
+    </p:spTree>
+    <p:extLst>
+      <p:ext uri="{BB962C8B-B14F-4D97-AF65-F5344CB8AC3E}">
+        <p14:creationId xmlns:p14="http://schemas.microsoft.com/office/powerpoint/2010/main" val="325154839"/>
+      </p:ext>
+    </p:extLst>
+  </p:cSld>
+  <p:clrMapOvr>
+    <a:masterClrMapping/>
+  </p:clrMapOvr>
+</p:sld>
+</file>
+
+<file path=ppt/slides/slide23.xml><?xml version="1.0" encoding="utf-8"?>
+<p:sld xmlns:a="http://schemas.openxmlformats.org/drawingml/2006/main" xmlns:r="http://schemas.openxmlformats.org/officeDocument/2006/relationships" xmlns:p="http://schemas.openxmlformats.org/presentationml/2006/main">
+  <p:cSld>
+    <p:spTree>
+      <p:nvGrpSpPr>
+        <p:cNvPr id="1" name=""/>
+        <p:cNvGrpSpPr/>
+        <p:nvPr/>
+      </p:nvGrpSpPr>
+      <p:grpSpPr>
+        <a:xfrm>
+          <a:off x="0" y="0"/>
+          <a:ext cx="0" cy="0"/>
+          <a:chOff x="0" y="0"/>
+          <a:chExt cx="0" cy="0"/>
+        </a:xfrm>
+      </p:grpSpPr>
+      <p:sp>
+        <p:nvSpPr>
+          <p:cNvPr id="2" name="Title 1">
+            <a:extLst>
+              <a:ext uri="{FF2B5EF4-FFF2-40B4-BE49-F238E27FC236}">
+                <a16:creationId xmlns:a16="http://schemas.microsoft.com/office/drawing/2014/main" id="{0C9BD22C-0B61-80CD-E43A-FD9B57704175}"/>
+              </a:ext>
+            </a:extLst>
+          </p:cNvPr>
+          <p:cNvSpPr>
+            <a:spLocks noGrp="1"/>
+          </p:cNvSpPr>
+          <p:nvPr>
+            <p:ph type="title"/>
+          </p:nvPr>
+        </p:nvSpPr>
+        <p:spPr/>
+        <p:txBody>
+          <a:bodyPr/>
+          <a:lstStyle/>
+          <a:p>
+            <a:r>
+              <a:rPr lang="en-US"/>
+              <a:t>Genetic Algorithm Mechanics</a:t>
+            </a:r>
+            <a:endParaRPr lang="en-US" dirty="0"/>
+          </a:p>
+        </p:txBody>
+      </p:sp>
+      <p:sp>
+        <p:nvSpPr>
+          <p:cNvPr id="3" name="Content Placeholder 2">
+            <a:extLst>
+              <a:ext uri="{FF2B5EF4-FFF2-40B4-BE49-F238E27FC236}">
+                <a16:creationId xmlns:a16="http://schemas.microsoft.com/office/drawing/2014/main" id="{72892819-ADB6-DCC3-2D33-4825F19B80A9}"/>
+              </a:ext>
+            </a:extLst>
+          </p:cNvPr>
+          <p:cNvSpPr>
+            <a:spLocks noGrp="1"/>
+          </p:cNvSpPr>
+          <p:nvPr>
+            <p:ph idx="1"/>
+          </p:nvPr>
+        </p:nvSpPr>
+        <p:spPr>
+          <a:xfrm>
+            <a:off x="838200" y="1825624"/>
+            <a:ext cx="10515600" cy="4887691"/>
+          </a:xfrm>
+        </p:spPr>
+        <p:txBody>
+          <a:bodyPr>
+            <a:normAutofit/>
+          </a:bodyPr>
+          <a:lstStyle/>
+          <a:p>
+            <a:r>
+              <a:rPr lang="en-US" dirty="0"/>
+              <a:t>Initial population size of 1000</a:t>
+            </a:r>
+          </a:p>
+          <a:p>
+            <a:r>
+              <a:rPr lang="en-US" dirty="0"/>
+              <a:t>Parent selection is done with deterministic tournament selection</a:t>
+            </a:r>
+          </a:p>
+          <a:p>
+            <a:pPr lvl="1"/>
+            <a:r>
+              <a:rPr lang="en-US" dirty="0"/>
+              <a:t>(randomly select 3 individuals, then take the best of them)</a:t>
+            </a:r>
+          </a:p>
+          <a:p>
+            <a:r>
+              <a:rPr lang="en-US" dirty="0"/>
+              <a:t>Elitism brings the top few chromosomes from the previous generation into the next</a:t>
+            </a:r>
+          </a:p>
+          <a:p>
+            <a:r>
+              <a:rPr lang="en-US" dirty="0"/>
+              <a:t>We also use a local hill-climb</a:t>
+            </a:r>
+            <a:br>
+              <a:rPr lang="en-US" dirty="0"/>
+            </a:br>
+            <a:r>
+              <a:rPr lang="en-US" dirty="0"/>
+              <a:t>function to make every new </a:t>
+            </a:r>
+            <a:br>
+              <a:rPr lang="en-US" dirty="0"/>
+            </a:br>
+            <a:r>
+              <a:rPr lang="en-US" dirty="0"/>
+              <a:t>chromosome just a bit better </a:t>
+            </a:r>
+            <a:br>
+              <a:rPr lang="en-US" dirty="0"/>
+            </a:br>
+            <a:r>
+              <a:rPr lang="en-US" dirty="0"/>
+              <a:t>(it makes one random gene a </a:t>
+            </a:r>
+            <a:br>
+              <a:rPr lang="en-US" dirty="0"/>
+            </a:br>
+            <a:r>
+              <a:rPr lang="en-US" dirty="0"/>
+              <a:t>chord tone if it isn’t already </a:t>
+            </a:r>
+            <a:br>
+              <a:rPr lang="en-US" dirty="0"/>
+            </a:br>
+            <a:r>
+              <a:rPr lang="en-US" dirty="0"/>
+              <a:t>one)</a:t>
+            </a:r>
+          </a:p>
+        </p:txBody>
+      </p:sp>
+      <p:pic>
+        <p:nvPicPr>
+          <p:cNvPr id="5" name="Picture 4">
+            <a:extLst>
+              <a:ext uri="{FF2B5EF4-FFF2-40B4-BE49-F238E27FC236}">
+                <a16:creationId xmlns:a16="http://schemas.microsoft.com/office/drawing/2014/main" id="{640DC19C-CA95-B580-1D67-0448D4FFFE1A}"/>
+              </a:ext>
+            </a:extLst>
+          </p:cNvPr>
+          <p:cNvPicPr>
+            <a:picLocks noChangeAspect="1"/>
+          </p:cNvPicPr>
+          <p:nvPr/>
+        </p:nvPicPr>
+        <p:blipFill>
+          <a:blip r:embed="rId2"/>
+          <a:stretch>
+            <a:fillRect/>
+          </a:stretch>
+        </p:blipFill>
+        <p:spPr>
+          <a:xfrm>
+            <a:off x="5995686" y="3828626"/>
+            <a:ext cx="6088284" cy="2549989"/>
+          </a:xfrm>
+          <a:prstGeom prst="rect">
+            <a:avLst/>
+          </a:prstGeom>
+        </p:spPr>
+      </p:pic>
+    </p:spTree>
+    <p:extLst>
+      <p:ext uri="{BB962C8B-B14F-4D97-AF65-F5344CB8AC3E}">
+        <p14:creationId xmlns:p14="http://schemas.microsoft.com/office/powerpoint/2010/main" val="2730724203"/>
+      </p:ext>
+    </p:extLst>
+  </p:cSld>
+  <p:clrMapOvr>
+    <a:masterClrMapping/>
+  </p:clrMapOvr>
+</p:sld>
+</file>
+
+<file path=ppt/slides/slide24.xml><?xml version="1.0" encoding="utf-8"?>
+<p:sld xmlns:a="http://schemas.openxmlformats.org/drawingml/2006/main" xmlns:r="http://schemas.openxmlformats.org/officeDocument/2006/relationships" xmlns:p="http://schemas.openxmlformats.org/presentationml/2006/main">
+  <p:cSld>
+    <p:spTree>
+      <p:nvGrpSpPr>
+        <p:cNvPr id="1" name=""/>
+        <p:cNvGrpSpPr/>
+        <p:nvPr/>
+      </p:nvGrpSpPr>
+      <p:grpSpPr>
+        <a:xfrm>
+          <a:off x="0" y="0"/>
+          <a:ext cx="0" cy="0"/>
+          <a:chOff x="0" y="0"/>
+          <a:chExt cx="0" cy="0"/>
+        </a:xfrm>
+      </p:grpSpPr>
+      <p:sp>
+        <p:nvSpPr>
+          <p:cNvPr id="2" name="Title 1">
+            <a:extLst>
+              <a:ext uri="{FF2B5EF4-FFF2-40B4-BE49-F238E27FC236}">
+                <a16:creationId xmlns:a16="http://schemas.microsoft.com/office/drawing/2014/main" id="{9FEFEA42-AFF7-BBC7-939F-9E88945D9F89}"/>
+              </a:ext>
+            </a:extLst>
+          </p:cNvPr>
+          <p:cNvSpPr>
+            <a:spLocks noGrp="1"/>
+          </p:cNvSpPr>
+          <p:nvPr>
+            <p:ph type="title"/>
+          </p:nvPr>
+        </p:nvSpPr>
+        <p:spPr/>
+        <p:txBody>
+          <a:bodyPr/>
+          <a:lstStyle/>
+          <a:p>
+            <a:r>
+              <a:rPr lang="en-US" dirty="0"/>
+              <a:t>Mutations</a:t>
+            </a:r>
+          </a:p>
+        </p:txBody>
+      </p:sp>
+      <p:sp>
+        <p:nvSpPr>
+          <p:cNvPr id="3" name="Content Placeholder 2">
+            <a:extLst>
+              <a:ext uri="{FF2B5EF4-FFF2-40B4-BE49-F238E27FC236}">
+                <a16:creationId xmlns:a16="http://schemas.microsoft.com/office/drawing/2014/main" id="{413F13DF-37AA-2EA3-9656-712B2EC6D393}"/>
+              </a:ext>
+            </a:extLst>
+          </p:cNvPr>
+          <p:cNvSpPr>
+            <a:spLocks noGrp="1"/>
+          </p:cNvSpPr>
+          <p:nvPr>
+            <p:ph idx="1"/>
+          </p:nvPr>
+        </p:nvSpPr>
+        <p:spPr>
+          <a:xfrm>
+            <a:off x="838199" y="1825625"/>
+            <a:ext cx="10759633" cy="4351338"/>
+          </a:xfrm>
+        </p:spPr>
+        <p:txBody>
+          <a:bodyPr/>
+          <a:lstStyle/>
+          <a:p>
+            <a:r>
+              <a:rPr lang="en-US" dirty="0"/>
+              <a:t>Mostly use crossover to make a new chromosome, but not always</a:t>
+            </a:r>
+          </a:p>
+          <a:p>
+            <a:r>
+              <a:rPr lang="en-US" dirty="0"/>
+              <a:t>Random mutation happens on a gene-by-gene basis</a:t>
+            </a:r>
+          </a:p>
+          <a:p>
+            <a:pPr lvl="1"/>
+            <a:r>
+              <a:rPr lang="en-US" dirty="0"/>
+              <a:t>We select from the same choices as the initial population generation</a:t>
+            </a:r>
+          </a:p>
+          <a:p>
+            <a:r>
+              <a:rPr lang="en-US" dirty="0"/>
+              <a:t>New “chord-tone-rescue” mutation replaces all non-chord tones with random chord tones</a:t>
+            </a:r>
+          </a:p>
+          <a:p>
+            <a:r>
+              <a:rPr lang="en-US" dirty="0"/>
+              <a:t>New “solo-chunk” mutation takes a chunk of the melody and inserts it into the solo</a:t>
+            </a:r>
+          </a:p>
+          <a:p>
+            <a:r>
+              <a:rPr lang="en-US" dirty="0"/>
+              <a:t>New “quote-self” mutation grafts in a chunk from a previously completed phrase</a:t>
+            </a:r>
+          </a:p>
+        </p:txBody>
+      </p:sp>
+    </p:spTree>
+    <p:extLst>
+      <p:ext uri="{BB962C8B-B14F-4D97-AF65-F5344CB8AC3E}">
+        <p14:creationId xmlns:p14="http://schemas.microsoft.com/office/powerpoint/2010/main" val="1088800069"/>
+      </p:ext>
+    </p:extLst>
+  </p:cSld>
+  <p:clrMapOvr>
+    <a:masterClrMapping/>
+  </p:clrMapOvr>
+</p:sld>
+</file>
+
+<file path=ppt/slides/slide25.xml><?xml version="1.0" encoding="utf-8"?>
+<p:sld xmlns:a="http://schemas.openxmlformats.org/drawingml/2006/main" xmlns:r="http://schemas.openxmlformats.org/officeDocument/2006/relationships" xmlns:p="http://schemas.openxmlformats.org/presentationml/2006/main">
+  <p:cSld>
+    <p:spTree>
+      <p:nvGrpSpPr>
+        <p:cNvPr id="1" name=""/>
+        <p:cNvGrpSpPr/>
+        <p:nvPr/>
+      </p:nvGrpSpPr>
+      <p:grpSpPr>
+        <a:xfrm>
+          <a:off x="0" y="0"/>
+          <a:ext cx="0" cy="0"/>
+          <a:chOff x="0" y="0"/>
+          <a:chExt cx="0" cy="0"/>
+        </a:xfrm>
+      </p:grpSpPr>
+      <p:sp>
+        <p:nvSpPr>
+          <p:cNvPr id="2" name="Title 1">
+            <a:extLst>
+              <a:ext uri="{FF2B5EF4-FFF2-40B4-BE49-F238E27FC236}">
+                <a16:creationId xmlns:a16="http://schemas.microsoft.com/office/drawing/2014/main" id="{AF3E2D83-0108-2CEE-043A-4506B605B397}"/>
+              </a:ext>
+            </a:extLst>
+          </p:cNvPr>
+          <p:cNvSpPr>
+            <a:spLocks noGrp="1"/>
+          </p:cNvSpPr>
+          <p:nvPr>
+            <p:ph type="title"/>
+          </p:nvPr>
+        </p:nvSpPr>
+        <p:spPr/>
+        <p:txBody>
+          <a:bodyPr/>
+          <a:lstStyle/>
+          <a:p>
+            <a:r>
+              <a:rPr lang="en-US" dirty="0"/>
+              <a:t>Fitness Function</a:t>
+            </a:r>
+          </a:p>
+        </p:txBody>
+      </p:sp>
+      <p:sp>
+        <p:nvSpPr>
+          <p:cNvPr id="3" name="Content Placeholder 2">
+            <a:extLst>
+              <a:ext uri="{FF2B5EF4-FFF2-40B4-BE49-F238E27FC236}">
+                <a16:creationId xmlns:a16="http://schemas.microsoft.com/office/drawing/2014/main" id="{F4FB8AA3-E271-983A-EDFE-CB3736B33580}"/>
+              </a:ext>
+            </a:extLst>
+          </p:cNvPr>
+          <p:cNvSpPr>
+            <a:spLocks noGrp="1"/>
+          </p:cNvSpPr>
+          <p:nvPr>
+            <p:ph idx="1"/>
+          </p:nvPr>
+        </p:nvSpPr>
+        <p:spPr/>
+        <p:txBody>
+          <a:bodyPr/>
+          <a:lstStyle/>
+          <a:p>
+            <a:r>
+              <a:rPr lang="en-US" dirty="0"/>
+              <a:t>Fitness score = </a:t>
+            </a:r>
+            <a:r>
+              <a:rPr lang="el-GR" dirty="0"/>
+              <a:t>α</a:t>
+            </a:r>
+            <a:r>
+              <a:rPr lang="en-US" dirty="0"/>
+              <a:t> * closeness score + </a:t>
+            </a:r>
+            <a:r>
+              <a:rPr lang="el-GR" dirty="0"/>
+              <a:t>β</a:t>
+            </a:r>
+            <a:r>
+              <a:rPr lang="en-US" dirty="0"/>
+              <a:t> * correctness score</a:t>
+            </a:r>
+          </a:p>
+          <a:p>
+            <a:r>
+              <a:rPr lang="en-US" dirty="0"/>
+              <a:t>For each split </a:t>
+            </a:r>
+            <a:r>
+              <a:rPr lang="en-US" i="1" dirty="0"/>
+              <a:t>x</a:t>
+            </a:r>
+            <a:r>
+              <a:rPr lang="en-US" dirty="0"/>
+              <a:t>, given </a:t>
+            </a:r>
+            <a:r>
+              <a:rPr lang="en-US" i="1" dirty="0"/>
+              <a:t>n</a:t>
+            </a:r>
+            <a:r>
+              <a:rPr lang="en-US" dirty="0"/>
+              <a:t> splits in total,</a:t>
+            </a:r>
+          </a:p>
+        </p:txBody>
+      </p:sp>
+      <p:pic>
+        <p:nvPicPr>
+          <p:cNvPr id="7" name="Picture 6">
+            <a:extLst>
+              <a:ext uri="{FF2B5EF4-FFF2-40B4-BE49-F238E27FC236}">
+                <a16:creationId xmlns:a16="http://schemas.microsoft.com/office/drawing/2014/main" id="{EB4B506D-F741-4E67-BCD2-471D4B056130}"/>
+              </a:ext>
+            </a:extLst>
+          </p:cNvPr>
+          <p:cNvPicPr>
+            <a:picLocks noChangeAspect="1"/>
+          </p:cNvPicPr>
+          <p:nvPr/>
+        </p:nvPicPr>
+        <p:blipFill>
+          <a:blip r:embed="rId2"/>
+          <a:stretch>
+            <a:fillRect/>
+          </a:stretch>
+        </p:blipFill>
+        <p:spPr>
+          <a:xfrm>
+            <a:off x="494308" y="3194358"/>
+            <a:ext cx="6048375" cy="2619375"/>
+          </a:xfrm>
+          <a:prstGeom prst="rect">
+            <a:avLst/>
+          </a:prstGeom>
+        </p:spPr>
+      </p:pic>
+      <p:pic>
+        <p:nvPicPr>
+          <p:cNvPr id="9" name="Picture 8">
+            <a:extLst>
+              <a:ext uri="{FF2B5EF4-FFF2-40B4-BE49-F238E27FC236}">
+                <a16:creationId xmlns:a16="http://schemas.microsoft.com/office/drawing/2014/main" id="{23F7ABCF-A9B7-8A6A-1110-F4E879D5D628}"/>
+              </a:ext>
+            </a:extLst>
+          </p:cNvPr>
+          <p:cNvPicPr>
+            <a:picLocks noChangeAspect="1"/>
+          </p:cNvPicPr>
+          <p:nvPr/>
+        </p:nvPicPr>
+        <p:blipFill>
+          <a:blip r:embed="rId3"/>
+          <a:stretch>
+            <a:fillRect/>
+          </a:stretch>
+        </p:blipFill>
+        <p:spPr>
+          <a:xfrm>
+            <a:off x="6587466" y="3720274"/>
+            <a:ext cx="5110226" cy="1663502"/>
+          </a:xfrm>
+          <a:prstGeom prst="rect">
+            <a:avLst/>
+          </a:prstGeom>
+        </p:spPr>
+      </p:pic>
+    </p:spTree>
+    <p:extLst>
+      <p:ext uri="{BB962C8B-B14F-4D97-AF65-F5344CB8AC3E}">
+        <p14:creationId xmlns:p14="http://schemas.microsoft.com/office/powerpoint/2010/main" val="1768975630"/>
+      </p:ext>
+    </p:extLst>
+  </p:cSld>
+  <p:clrMapOvr>
+    <a:masterClrMapping/>
+  </p:clrMapOvr>
+</p:sld>
+</file>
+
+<file path=ppt/slides/slide26.xml><?xml version="1.0" encoding="utf-8"?>
+<p:sld xmlns:a="http://schemas.openxmlformats.org/drawingml/2006/main" xmlns:r="http://schemas.openxmlformats.org/officeDocument/2006/relationships" xmlns:p="http://schemas.openxmlformats.org/presentationml/2006/main">
+  <p:cSld>
+    <p:spTree>
+      <p:nvGrpSpPr>
+        <p:cNvPr id="1" name=""/>
+        <p:cNvGrpSpPr/>
+        <p:nvPr/>
+      </p:nvGrpSpPr>
+      <p:grpSpPr>
+        <a:xfrm>
+          <a:off x="0" y="0"/>
+          <a:ext cx="0" cy="0"/>
+          <a:chOff x="0" y="0"/>
+          <a:chExt cx="0" cy="0"/>
+        </a:xfrm>
+      </p:grpSpPr>
+      <p:sp>
+        <p:nvSpPr>
+          <p:cNvPr id="2" name="Title 1">
+            <a:extLst>
+              <a:ext uri="{FF2B5EF4-FFF2-40B4-BE49-F238E27FC236}">
+                <a16:creationId xmlns:a16="http://schemas.microsoft.com/office/drawing/2014/main" id="{76BCC981-A407-B22F-5725-4CD37F7FF0BD}"/>
+              </a:ext>
+            </a:extLst>
+          </p:cNvPr>
+          <p:cNvSpPr>
+            <a:spLocks noGrp="1"/>
+          </p:cNvSpPr>
+          <p:nvPr>
+            <p:ph type="title"/>
+          </p:nvPr>
+        </p:nvSpPr>
+        <p:spPr/>
+        <p:txBody>
+          <a:bodyPr/>
+          <a:lstStyle/>
+          <a:p>
+            <a:r>
+              <a:rPr lang="en-US" dirty="0"/>
+              <a:t>Closeness and Correctness</a:t>
+            </a:r>
+          </a:p>
+        </p:txBody>
+      </p:sp>
+      <p:sp>
+        <p:nvSpPr>
+          <p:cNvPr id="3" name="Content Placeholder 2">
+            <a:extLst>
+              <a:ext uri="{FF2B5EF4-FFF2-40B4-BE49-F238E27FC236}">
+                <a16:creationId xmlns:a16="http://schemas.microsoft.com/office/drawing/2014/main" id="{0A76BB72-BF4B-03DA-A74E-1B934AD43287}"/>
+              </a:ext>
+            </a:extLst>
+          </p:cNvPr>
+          <p:cNvSpPr>
+            <a:spLocks noGrp="1"/>
+          </p:cNvSpPr>
+          <p:nvPr>
+            <p:ph idx="1"/>
+          </p:nvPr>
+        </p:nvSpPr>
+        <p:spPr>
+          <a:xfrm>
+            <a:off x="838200" y="1578736"/>
+            <a:ext cx="10515600" cy="5032376"/>
+          </a:xfrm>
+        </p:spPr>
+        <p:txBody>
+          <a:bodyPr>
+            <a:normAutofit fontScale="92500"/>
+          </a:bodyPr>
+          <a:lstStyle/>
+          <a:p>
+            <a:r>
+              <a:rPr lang="en-US" dirty="0"/>
+              <a:t>Each score lies in [0, 1]</a:t>
+            </a:r>
+          </a:p>
+          <a:p>
+            <a:r>
+              <a:rPr lang="en-US" dirty="0"/>
+              <a:t>Closeness scores are based on how similar the chromosome is to the melody, determined by pitch, interval, and quantity of attacks</a:t>
+            </a:r>
+          </a:p>
+          <a:p>
+            <a:r>
+              <a:rPr lang="en-US" dirty="0"/>
+              <a:t>Correctness scores are a bit more complex:</a:t>
+            </a:r>
+          </a:p>
+          <a:p>
+            <a:pPr lvl="1"/>
+            <a:r>
+              <a:rPr lang="en-US" dirty="0"/>
+              <a:t>Rests, chord tones, melody notes, repeating the notes a bit are good</a:t>
+            </a:r>
+          </a:p>
+          <a:p>
+            <a:pPr lvl="1"/>
+            <a:r>
+              <a:rPr lang="en-US" dirty="0"/>
+              <a:t>Stepwise/small motion is good, but that fades as more appear in a row</a:t>
+            </a:r>
+          </a:p>
+          <a:p>
+            <a:pPr lvl="1"/>
+            <a:r>
+              <a:rPr lang="en-US" dirty="0"/>
+              <a:t>Big leaps are bad, but not as bad for piano</a:t>
+            </a:r>
+          </a:p>
+          <a:p>
+            <a:pPr lvl="1"/>
+            <a:r>
+              <a:rPr lang="en-US" dirty="0"/>
+              <a:t>Huge leaps are bad for all instruments and even worse for sax</a:t>
+            </a:r>
+          </a:p>
+          <a:p>
+            <a:pPr lvl="1"/>
+            <a:r>
+              <a:rPr lang="en-US" dirty="0"/>
+              <a:t>Lots of long notes is bad so we prioritize having a couple but not too many</a:t>
+            </a:r>
+          </a:p>
+          <a:p>
+            <a:pPr lvl="1"/>
+            <a:r>
+              <a:rPr lang="en-US" dirty="0"/>
+              <a:t>Too many rests is bad, but too few is also bad</a:t>
+            </a:r>
+          </a:p>
+          <a:p>
+            <a:pPr lvl="1"/>
+            <a:r>
+              <a:rPr lang="en-US" dirty="0"/>
+              <a:t>Too many attacks is bad, but too few is also bad (depends on instrument)</a:t>
+            </a:r>
+          </a:p>
+          <a:p>
+            <a:r>
+              <a:rPr lang="en-US" dirty="0"/>
+              <a:t>This is where a lot of dials exist for tweaking the output</a:t>
+            </a:r>
+          </a:p>
+        </p:txBody>
+      </p:sp>
+    </p:spTree>
+    <p:extLst>
+      <p:ext uri="{BB962C8B-B14F-4D97-AF65-F5344CB8AC3E}">
+        <p14:creationId xmlns:p14="http://schemas.microsoft.com/office/powerpoint/2010/main" val="2759983990"/>
+      </p:ext>
+    </p:extLst>
+  </p:cSld>
+  <p:clrMapOvr>
+    <a:masterClrMapping/>
+  </p:clrMapOvr>
+</p:sld>
+</file>
+
+<file path=ppt/slides/slide27.xml><?xml version="1.0" encoding="utf-8"?>
+<p:sld xmlns:a="http://schemas.openxmlformats.org/drawingml/2006/main" xmlns:r="http://schemas.openxmlformats.org/officeDocument/2006/relationships" xmlns:p="http://schemas.openxmlformats.org/presentationml/2006/main">
+  <p:cSld>
+    <p:spTree>
+      <p:nvGrpSpPr>
+        <p:cNvPr id="1" name=""/>
+        <p:cNvGrpSpPr/>
+        <p:nvPr/>
+      </p:nvGrpSpPr>
+      <p:grpSpPr>
+        <a:xfrm>
+          <a:off x="0" y="0"/>
+          <a:ext cx="0" cy="0"/>
+          <a:chOff x="0" y="0"/>
+          <a:chExt cx="0" cy="0"/>
+        </a:xfrm>
+      </p:grpSpPr>
+      <p:sp>
+        <p:nvSpPr>
+          <p:cNvPr id="2" name="Title 1">
+            <a:extLst>
+              <a:ext uri="{FF2B5EF4-FFF2-40B4-BE49-F238E27FC236}">
+                <a16:creationId xmlns:a16="http://schemas.microsoft.com/office/drawing/2014/main" id="{6896A2E1-79DC-76C8-D822-58114ABCAB3D}"/>
+              </a:ext>
+            </a:extLst>
+          </p:cNvPr>
+          <p:cNvSpPr>
+            <a:spLocks noGrp="1"/>
+          </p:cNvSpPr>
+          <p:nvPr>
+            <p:ph type="title"/>
+          </p:nvPr>
+        </p:nvSpPr>
+        <p:spPr/>
+        <p:txBody>
+          <a:bodyPr/>
+          <a:lstStyle/>
+          <a:p>
+            <a:r>
+              <a:rPr lang="en-US" dirty="0"/>
+              <a:t>Trading</a:t>
+            </a:r>
+          </a:p>
+        </p:txBody>
+      </p:sp>
+      <p:sp>
+        <p:nvSpPr>
+          <p:cNvPr id="3" name="Content Placeholder 2">
+            <a:extLst>
+              <a:ext uri="{FF2B5EF4-FFF2-40B4-BE49-F238E27FC236}">
+                <a16:creationId xmlns:a16="http://schemas.microsoft.com/office/drawing/2014/main" id="{9228DC8D-83DE-6387-0C2A-C3C90D9CC152}"/>
+              </a:ext>
+            </a:extLst>
+          </p:cNvPr>
+          <p:cNvSpPr>
+            <a:spLocks noGrp="1"/>
+          </p:cNvSpPr>
+          <p:nvPr>
+            <p:ph idx="1"/>
+          </p:nvPr>
+        </p:nvSpPr>
+        <p:spPr/>
+        <p:txBody>
+          <a:bodyPr/>
+          <a:lstStyle/>
+          <a:p>
+            <a:r>
+              <a:rPr lang="en-US" dirty="0"/>
+              <a:t>Alternating instruments play for some amount of time</a:t>
+            </a:r>
+          </a:p>
+          <a:p>
+            <a:r>
+              <a:rPr lang="en-US" dirty="0"/>
+              <a:t>We implemented a solo section that trades between the piano and saxophone players</a:t>
+            </a:r>
+          </a:p>
+          <a:p>
+            <a:r>
+              <a:rPr lang="en-US" dirty="0"/>
+              <a:t>After the first trade, the closeness function instead applies to the last four bars played, so the solos build off of one another</a:t>
+            </a:r>
+          </a:p>
+        </p:txBody>
+      </p:sp>
+    </p:spTree>
+    <p:extLst>
+      <p:ext uri="{BB962C8B-B14F-4D97-AF65-F5344CB8AC3E}">
+        <p14:creationId xmlns:p14="http://schemas.microsoft.com/office/powerpoint/2010/main" val="4038673907"/>
+      </p:ext>
+    </p:extLst>
+  </p:cSld>
+  <p:clrMapOvr>
+    <a:masterClrMapping/>
+  </p:clrMapOvr>
+</p:sld>
+</file>
+
+<file path=ppt/slides/slide28.xml><?xml version="1.0" encoding="utf-8"?>
+<p:sld xmlns:a="http://schemas.openxmlformats.org/drawingml/2006/main" xmlns:r="http://schemas.openxmlformats.org/officeDocument/2006/relationships" xmlns:p="http://schemas.openxmlformats.org/presentationml/2006/main">
+  <p:cSld>
+    <p:spTree>
+      <p:nvGrpSpPr>
+        <p:cNvPr id="1" name=""/>
+        <p:cNvGrpSpPr/>
+        <p:nvPr/>
+      </p:nvGrpSpPr>
+      <p:grpSpPr>
+        <a:xfrm>
+          <a:off x="0" y="0"/>
+          <a:ext cx="0" cy="0"/>
+          <a:chOff x="0" y="0"/>
+          <a:chExt cx="0" cy="0"/>
+        </a:xfrm>
+      </p:grpSpPr>
+      <p:sp>
+        <p:nvSpPr>
+          <p:cNvPr id="2" name="Title 1">
+            <a:extLst>
+              <a:ext uri="{FF2B5EF4-FFF2-40B4-BE49-F238E27FC236}">
+                <a16:creationId xmlns:a16="http://schemas.microsoft.com/office/drawing/2014/main" id="{98B607DA-B164-31B7-E8F5-EB991CF80049}"/>
+              </a:ext>
+            </a:extLst>
+          </p:cNvPr>
+          <p:cNvSpPr>
+            <a:spLocks noGrp="1"/>
+          </p:cNvSpPr>
+          <p:nvPr>
+            <p:ph type="title"/>
+          </p:nvPr>
+        </p:nvSpPr>
+        <p:spPr/>
+        <p:txBody>
+          <a:bodyPr/>
+          <a:lstStyle/>
+          <a:p>
+            <a:pPr algn="ctr"/>
+            <a:r>
+              <a:rPr lang="en-US" dirty="0"/>
+              <a:t>Demo!</a:t>
+            </a:r>
+            <a:br>
+              <a:rPr lang="en-US" dirty="0"/>
+            </a:br>
+            <a:endParaRPr lang="en-US" dirty="0"/>
+          </a:p>
+        </p:txBody>
+      </p:sp>
+    </p:spTree>
+    <p:extLst>
+      <p:ext uri="{BB962C8B-B14F-4D97-AF65-F5344CB8AC3E}">
+        <p14:creationId xmlns:p14="http://schemas.microsoft.com/office/powerpoint/2010/main" val="3306893793"/>
+      </p:ext>
+    </p:extLst>
+  </p:cSld>
+  <p:clrMapOvr>
+    <a:masterClrMapping/>
+  </p:clrMapOvr>
+</p:sld>
+</file>
+
+<file path=ppt/slides/slide29.xml><?xml version="1.0" encoding="utf-8"?>
+<p:sld xmlns:a="http://schemas.openxmlformats.org/drawingml/2006/main" xmlns:r="http://schemas.openxmlformats.org/officeDocument/2006/relationships" xmlns:p="http://schemas.openxmlformats.org/presentationml/2006/main">
+  <p:cSld>
+    <p:spTree>
+      <p:nvGrpSpPr>
         <p:cNvPr id="1" name="">
           <a:extLst>
             <a:ext uri="{FF2B5EF4-FFF2-40B4-BE49-F238E27FC236}">
@@ -14589,7 +15881,7 @@
     </p:spTree>
     <p:extLst>
       <p:ext uri="{BB962C8B-B14F-4D97-AF65-F5344CB8AC3E}">
-        <p14:creationId xmlns:p14="http://schemas.microsoft.com/office/powerpoint/2010/main" val="3260098497"/>
+        <p14:creationId xmlns:p14="http://schemas.microsoft.com/office/powerpoint/2010/main" val="2165198288"/>
       </p:ext>
     </p:extLst>
   </p:cSld>
@@ -14611,7 +15903,259 @@
 </p:sld>
 </file>
 
-<file path=ppt/slides/slide22.xml><?xml version="1.0" encoding="utf-8"?>
+<file path=ppt/slides/slide3.xml><?xml version="1.0" encoding="utf-8"?>
+<p:sld xmlns:a="http://schemas.openxmlformats.org/drawingml/2006/main" xmlns:r="http://schemas.openxmlformats.org/officeDocument/2006/relationships" xmlns:p="http://schemas.openxmlformats.org/presentationml/2006/main">
+  <p:cSld>
+    <p:spTree>
+      <p:nvGrpSpPr>
+        <p:cNvPr id="1" name="">
+          <a:extLst>
+            <a:ext uri="{FF2B5EF4-FFF2-40B4-BE49-F238E27FC236}">
+              <a16:creationId xmlns:a16="http://schemas.microsoft.com/office/drawing/2014/main" id="{862C51C3-1423-7699-7AA3-D22562683F1D}"/>
+            </a:ext>
+          </a:extLst>
+        </p:cNvPr>
+        <p:cNvGrpSpPr/>
+        <p:nvPr/>
+      </p:nvGrpSpPr>
+      <p:grpSpPr>
+        <a:xfrm>
+          <a:off x="0" y="0"/>
+          <a:ext cx="0" cy="0"/>
+          <a:chOff x="0" y="0"/>
+          <a:chExt cx="0" cy="0"/>
+        </a:xfrm>
+      </p:grpSpPr>
+      <p:sp>
+        <p:nvSpPr>
+          <p:cNvPr id="2" name="Title 1">
+            <a:extLst>
+              <a:ext uri="{FF2B5EF4-FFF2-40B4-BE49-F238E27FC236}">
+                <a16:creationId xmlns:a16="http://schemas.microsoft.com/office/drawing/2014/main" id="{B00B3096-B412-7BE8-8B16-944B09C17EC5}"/>
+              </a:ext>
+            </a:extLst>
+          </p:cNvPr>
+          <p:cNvSpPr>
+            <a:spLocks noGrp="1"/>
+          </p:cNvSpPr>
+          <p:nvPr>
+            <p:ph type="title"/>
+          </p:nvPr>
+        </p:nvSpPr>
+        <p:spPr/>
+        <p:txBody>
+          <a:bodyPr/>
+          <a:lstStyle/>
+          <a:p>
+            <a:r>
+              <a:rPr lang="en-US" dirty="0"/>
+              <a:t>General Idea</a:t>
+            </a:r>
+          </a:p>
+        </p:txBody>
+      </p:sp>
+      <p:sp>
+        <p:nvSpPr>
+          <p:cNvPr id="3" name="Content Placeholder 2">
+            <a:extLst>
+              <a:ext uri="{FF2B5EF4-FFF2-40B4-BE49-F238E27FC236}">
+                <a16:creationId xmlns:a16="http://schemas.microsoft.com/office/drawing/2014/main" id="{E3B7ADE9-67CD-C715-6B59-93386575813F}"/>
+              </a:ext>
+            </a:extLst>
+          </p:cNvPr>
+          <p:cNvSpPr>
+            <a:spLocks noGrp="1"/>
+          </p:cNvSpPr>
+          <p:nvPr>
+            <p:ph idx="1"/>
+          </p:nvPr>
+        </p:nvSpPr>
+        <p:spPr/>
+        <p:txBody>
+          <a:bodyPr/>
+          <a:lstStyle/>
+          <a:p>
+            <a:r>
+              <a:rPr lang="en-US" dirty="0"/>
+              <a:t>Take in a lead sheet as a .</a:t>
+            </a:r>
+            <a:r>
+              <a:rPr lang="en-US" dirty="0" err="1"/>
+              <a:t>musicxml</a:t>
+            </a:r>
+            <a:r>
+              <a:rPr lang="en-US" dirty="0"/>
+              <a:t> file, then play that tune as a jazz combo.</a:t>
+            </a:r>
+          </a:p>
+        </p:txBody>
+      </p:sp>
+      <p:pic>
+        <p:nvPicPr>
+          <p:cNvPr id="1026" name="Picture 2">
+            <a:extLst>
+              <a:ext uri="{FF2B5EF4-FFF2-40B4-BE49-F238E27FC236}">
+                <a16:creationId xmlns:a16="http://schemas.microsoft.com/office/drawing/2014/main" id="{6EA81BC3-B437-086F-FD98-56DC94025F37}"/>
+              </a:ext>
+            </a:extLst>
+          </p:cNvPr>
+          <p:cNvPicPr>
+            <a:picLocks noChangeAspect="1" noChangeArrowheads="1"/>
+          </p:cNvPicPr>
+          <p:nvPr/>
+        </p:nvPicPr>
+        <p:blipFill>
+          <a:blip r:embed="rId2">
+            <a:extLst>
+              <a:ext uri="{28A0092B-C50C-407E-A947-70E740481C1C}">
+                <a14:useLocalDpi xmlns:a14="http://schemas.microsoft.com/office/drawing/2010/main" val="0"/>
+              </a:ext>
+            </a:extLst>
+          </a:blip>
+          <a:srcRect/>
+          <a:stretch>
+            <a:fillRect/>
+          </a:stretch>
+        </p:blipFill>
+        <p:spPr bwMode="auto">
+          <a:xfrm>
+            <a:off x="589246" y="2797352"/>
+            <a:ext cx="2522014" cy="3514548"/>
+          </a:xfrm>
+          <a:prstGeom prst="rect">
+            <a:avLst/>
+          </a:prstGeom>
+          <a:noFill/>
+          <a:extLst>
+            <a:ext uri="{909E8E84-426E-40DD-AFC4-6F175D3DCCD1}">
+              <a14:hiddenFill xmlns:a14="http://schemas.microsoft.com/office/drawing/2010/main">
+                <a:solidFill>
+                  <a:srgbClr val="FFFFFF"/>
+                </a:solidFill>
+              </a14:hiddenFill>
+            </a:ext>
+          </a:extLst>
+        </p:spPr>
+      </p:pic>
+      <p:sp>
+        <p:nvSpPr>
+          <p:cNvPr id="6" name="TextBox 5">
+            <a:extLst>
+              <a:ext uri="{FF2B5EF4-FFF2-40B4-BE49-F238E27FC236}">
+                <a16:creationId xmlns:a16="http://schemas.microsoft.com/office/drawing/2014/main" id="{9B8F4418-1EEC-30C4-8437-9B336E9EE4EA}"/>
+              </a:ext>
+            </a:extLst>
+          </p:cNvPr>
+          <p:cNvSpPr txBox="1"/>
+          <p:nvPr/>
+        </p:nvSpPr>
+        <p:spPr>
+          <a:xfrm>
+            <a:off x="4595374" y="3954461"/>
+            <a:ext cx="3001251" cy="1200329"/>
+          </a:xfrm>
+          <a:prstGeom prst="rect">
+            <a:avLst/>
+          </a:prstGeom>
+          <a:noFill/>
+          <a:ln>
+            <a:solidFill>
+              <a:schemeClr val="tx1"/>
+            </a:solidFill>
+          </a:ln>
+        </p:spPr>
+        <p:txBody>
+          <a:bodyPr wrap="square" rtlCol="0">
+            <a:spAutoFit/>
+          </a:bodyPr>
+          <a:lstStyle/>
+          <a:p>
+            <a:pPr algn="ctr"/>
+            <a:br>
+              <a:rPr lang="en-US" dirty="0"/>
+            </a:br>
+            <a:r>
+              <a:rPr lang="en-US" dirty="0"/>
+              <a:t>Parse lead sheet to get melody and chords</a:t>
+            </a:r>
+            <a:br>
+              <a:rPr lang="en-US" dirty="0"/>
+            </a:br>
+            <a:endParaRPr lang="en-US" dirty="0"/>
+          </a:p>
+        </p:txBody>
+      </p:sp>
+      <p:cxnSp>
+        <p:nvCxnSpPr>
+          <p:cNvPr id="8" name="Straight Arrow Connector 7">
+            <a:extLst>
+              <a:ext uri="{FF2B5EF4-FFF2-40B4-BE49-F238E27FC236}">
+                <a16:creationId xmlns:a16="http://schemas.microsoft.com/office/drawing/2014/main" id="{9D80D077-4C66-6C26-A651-D5B5DFCCA665}"/>
+              </a:ext>
+            </a:extLst>
+          </p:cNvPr>
+          <p:cNvCxnSpPr>
+            <a:stCxn id="1026" idx="3"/>
+            <a:endCxn id="6" idx="1"/>
+          </p:cNvCxnSpPr>
+          <p:nvPr/>
+        </p:nvCxnSpPr>
+        <p:spPr>
+          <a:xfrm>
+            <a:off x="3111260" y="4554626"/>
+            <a:ext cx="1484114" cy="0"/>
+          </a:xfrm>
+          <a:prstGeom prst="straightConnector1">
+            <a:avLst/>
+          </a:prstGeom>
+          <a:ln>
+            <a:solidFill>
+              <a:schemeClr val="tx1"/>
+            </a:solidFill>
+            <a:tailEnd type="triangle"/>
+          </a:ln>
+        </p:spPr>
+        <p:style>
+          <a:lnRef idx="2">
+            <a:schemeClr val="accent1"/>
+          </a:lnRef>
+          <a:fillRef idx="0">
+            <a:schemeClr val="accent1"/>
+          </a:fillRef>
+          <a:effectRef idx="1">
+            <a:schemeClr val="accent1"/>
+          </a:effectRef>
+          <a:fontRef idx="minor">
+            <a:schemeClr val="tx1"/>
+          </a:fontRef>
+        </p:style>
+      </p:cxnSp>
+    </p:spTree>
+    <p:extLst>
+      <p:ext uri="{BB962C8B-B14F-4D97-AF65-F5344CB8AC3E}">
+        <p14:creationId xmlns:p14="http://schemas.microsoft.com/office/powerpoint/2010/main" val="2221226973"/>
+      </p:ext>
+    </p:extLst>
+  </p:cSld>
+  <p:clrMapOvr>
+    <a:masterClrMapping/>
+  </p:clrMapOvr>
+  <mc:AlternateContent xmlns:mc="http://schemas.openxmlformats.org/markup-compatibility/2006" xmlns:p159="http://schemas.microsoft.com/office/powerpoint/2015/09/main">
+    <mc:Choice Requires="p159">
+      <p:transition xmlns:p14="http://schemas.microsoft.com/office/powerpoint/2010/main" spd="slow" p14:dur="2000">
+        <p159:morph option="byObject"/>
+      </p:transition>
+    </mc:Choice>
+    <mc:Fallback xmlns="">
+      <p:transition spd="slow">
+        <p:fade/>
+      </p:transition>
+    </mc:Fallback>
+  </mc:AlternateContent>
+</p:sld>
+</file>
+
+<file path=ppt/slides/slide30.xml><?xml version="1.0" encoding="utf-8"?>
 <p:sld xmlns:a="http://schemas.openxmlformats.org/drawingml/2006/main" xmlns:r="http://schemas.openxmlformats.org/officeDocument/2006/relationships" xmlns:p="http://schemas.openxmlformats.org/presentationml/2006/main">
   <p:cSld>
     <p:spTree>
@@ -14860,7 +16404,7 @@
     </p:spTree>
     <p:extLst>
       <p:ext uri="{BB962C8B-B14F-4D97-AF65-F5344CB8AC3E}">
-        <p14:creationId xmlns:p14="http://schemas.microsoft.com/office/powerpoint/2010/main" val="1074004299"/>
+        <p14:creationId xmlns:p14="http://schemas.microsoft.com/office/powerpoint/2010/main" val="1405653759"/>
       </p:ext>
     </p:extLst>
   </p:cSld>
@@ -14882,7 +16426,7 @@
 </p:sld>
 </file>
 
-<file path=ppt/slides/slide23.xml><?xml version="1.0" encoding="utf-8"?>
+<file path=ppt/slides/slide31.xml><?xml version="1.0" encoding="utf-8"?>
 <p:sld xmlns:a="http://schemas.openxmlformats.org/drawingml/2006/main" xmlns:r="http://schemas.openxmlformats.org/officeDocument/2006/relationships" xmlns:p="http://schemas.openxmlformats.org/presentationml/2006/main">
   <p:cSld>
     <p:spTree>
@@ -15348,7 +16892,7 @@
     </p:spTree>
     <p:extLst>
       <p:ext uri="{BB962C8B-B14F-4D97-AF65-F5344CB8AC3E}">
-        <p14:creationId xmlns:p14="http://schemas.microsoft.com/office/powerpoint/2010/main" val="1043581617"/>
+        <p14:creationId xmlns:p14="http://schemas.microsoft.com/office/powerpoint/2010/main" val="3929921864"/>
       </p:ext>
     </p:extLst>
   </p:cSld>
@@ -15370,7 +16914,7 @@
 </p:sld>
 </file>
 
-<file path=ppt/slides/slide24.xml><?xml version="1.0" encoding="utf-8"?>
+<file path=ppt/slides/slide32.xml><?xml version="1.0" encoding="utf-8"?>
 <p:sld xmlns:a="http://schemas.openxmlformats.org/drawingml/2006/main" xmlns:r="http://schemas.openxmlformats.org/officeDocument/2006/relationships" xmlns:p="http://schemas.openxmlformats.org/presentationml/2006/main">
   <p:cSld>
     <p:spTree>
@@ -16185,7 +17729,7 @@
     </p:spTree>
     <p:extLst>
       <p:ext uri="{BB962C8B-B14F-4D97-AF65-F5344CB8AC3E}">
-        <p14:creationId xmlns:p14="http://schemas.microsoft.com/office/powerpoint/2010/main" val="2852832827"/>
+        <p14:creationId xmlns:p14="http://schemas.microsoft.com/office/powerpoint/2010/main" val="3001041048"/>
       </p:ext>
     </p:extLst>
   </p:cSld>
@@ -16207,7 +17751,176 @@
 </p:sld>
 </file>
 
-<file path=ppt/slides/slide3.xml><?xml version="1.0" encoding="utf-8"?>
+<file path=ppt/slides/slide33.xml><?xml version="1.0" encoding="utf-8"?>
+<p:sld xmlns:a="http://schemas.openxmlformats.org/drawingml/2006/main" xmlns:r="http://schemas.openxmlformats.org/officeDocument/2006/relationships" xmlns:p="http://schemas.openxmlformats.org/presentationml/2006/main">
+  <p:cSld>
+    <p:spTree>
+      <p:nvGrpSpPr>
+        <p:cNvPr id="1" name=""/>
+        <p:cNvGrpSpPr/>
+        <p:nvPr/>
+      </p:nvGrpSpPr>
+      <p:grpSpPr>
+        <a:xfrm>
+          <a:off x="0" y="0"/>
+          <a:ext cx="0" cy="0"/>
+          <a:chOff x="0" y="0"/>
+          <a:chExt cx="0" cy="0"/>
+        </a:xfrm>
+      </p:grpSpPr>
+      <p:sp>
+        <p:nvSpPr>
+          <p:cNvPr id="2" name="Title 1">
+            <a:extLst>
+              <a:ext uri="{FF2B5EF4-FFF2-40B4-BE49-F238E27FC236}">
+                <a16:creationId xmlns:a16="http://schemas.microsoft.com/office/drawing/2014/main" id="{A62D2DEB-B7DC-1727-4836-5940F0094CA4}"/>
+              </a:ext>
+            </a:extLst>
+          </p:cNvPr>
+          <p:cNvSpPr>
+            <a:spLocks noGrp="1"/>
+          </p:cNvSpPr>
+          <p:nvPr>
+            <p:ph type="title"/>
+          </p:nvPr>
+        </p:nvSpPr>
+        <p:spPr/>
+        <p:txBody>
+          <a:bodyPr/>
+          <a:lstStyle/>
+          <a:p>
+            <a:r>
+              <a:rPr lang="en-US" dirty="0"/>
+              <a:t>Closeness in Action</a:t>
+            </a:r>
+          </a:p>
+        </p:txBody>
+      </p:sp>
+      <p:pic>
+        <p:nvPicPr>
+          <p:cNvPr id="7" name="Picture 6">
+            <a:extLst>
+              <a:ext uri="{FF2B5EF4-FFF2-40B4-BE49-F238E27FC236}">
+                <a16:creationId xmlns:a16="http://schemas.microsoft.com/office/drawing/2014/main" id="{4FDC4D76-C7D3-6B65-0713-996054E4F64B}"/>
+              </a:ext>
+            </a:extLst>
+          </p:cNvPr>
+          <p:cNvPicPr>
+            <a:picLocks noChangeAspect="1"/>
+          </p:cNvPicPr>
+          <p:nvPr/>
+        </p:nvPicPr>
+        <p:blipFill>
+          <a:blip r:embed="rId2"/>
+          <a:stretch>
+            <a:fillRect/>
+          </a:stretch>
+        </p:blipFill>
+        <p:spPr>
+          <a:xfrm>
+            <a:off x="1172233" y="2341691"/>
+            <a:ext cx="9373908" cy="1648055"/>
+          </a:xfrm>
+          <a:prstGeom prst="rect">
+            <a:avLst/>
+          </a:prstGeom>
+        </p:spPr>
+      </p:pic>
+      <p:sp>
+        <p:nvSpPr>
+          <p:cNvPr id="9" name="Content Placeholder 8">
+            <a:extLst>
+              <a:ext uri="{FF2B5EF4-FFF2-40B4-BE49-F238E27FC236}">
+                <a16:creationId xmlns:a16="http://schemas.microsoft.com/office/drawing/2014/main" id="{922FE8E5-777A-B588-A948-2B02E349E974}"/>
+              </a:ext>
+            </a:extLst>
+          </p:cNvPr>
+          <p:cNvSpPr>
+            <a:spLocks noGrp="1"/>
+          </p:cNvSpPr>
+          <p:nvPr>
+            <p:ph idx="1"/>
+          </p:nvPr>
+        </p:nvSpPr>
+        <p:spPr>
+          <a:xfrm>
+            <a:off x="838200" y="1690688"/>
+            <a:ext cx="10515600" cy="4351338"/>
+          </a:xfrm>
+        </p:spPr>
+        <p:txBody>
+          <a:bodyPr/>
+          <a:lstStyle/>
+          <a:p>
+            <a:r>
+              <a:rPr lang="en-US" dirty="0"/>
+              <a:t>Here’s a sample from Mr. PC. The lead looks like this:</a:t>
+            </a:r>
+          </a:p>
+          <a:p>
+            <a:endParaRPr lang="en-US" dirty="0"/>
+          </a:p>
+          <a:p>
+            <a:endParaRPr lang="en-US" dirty="0"/>
+          </a:p>
+          <a:p>
+            <a:endParaRPr lang="en-US" dirty="0"/>
+          </a:p>
+          <a:p>
+            <a:endParaRPr lang="en-US" dirty="0"/>
+          </a:p>
+          <a:p>
+            <a:r>
+              <a:rPr lang="en-US" dirty="0"/>
+              <a:t>And our generated solo looks like this:</a:t>
+            </a:r>
+          </a:p>
+        </p:txBody>
+      </p:sp>
+      <p:pic>
+        <p:nvPicPr>
+          <p:cNvPr id="11" name="Picture 10">
+            <a:extLst>
+              <a:ext uri="{FF2B5EF4-FFF2-40B4-BE49-F238E27FC236}">
+                <a16:creationId xmlns:a16="http://schemas.microsoft.com/office/drawing/2014/main" id="{B3E49947-7FB4-C4E4-D832-A630CDAAB9C7}"/>
+              </a:ext>
+            </a:extLst>
+          </p:cNvPr>
+          <p:cNvPicPr>
+            <a:picLocks noChangeAspect="1"/>
+          </p:cNvPicPr>
+          <p:nvPr/>
+        </p:nvPicPr>
+        <p:blipFill>
+          <a:blip r:embed="rId3"/>
+          <a:stretch>
+            <a:fillRect/>
+          </a:stretch>
+        </p:blipFill>
+        <p:spPr>
+          <a:xfrm>
+            <a:off x="1172233" y="4871719"/>
+            <a:ext cx="9373908" cy="1400699"/>
+          </a:xfrm>
+          <a:prstGeom prst="rect">
+            <a:avLst/>
+          </a:prstGeom>
+        </p:spPr>
+      </p:pic>
+    </p:spTree>
+    <p:extLst>
+      <p:ext uri="{BB962C8B-B14F-4D97-AF65-F5344CB8AC3E}">
+        <p14:creationId xmlns:p14="http://schemas.microsoft.com/office/powerpoint/2010/main" val="2240174382"/>
+      </p:ext>
+    </p:extLst>
+  </p:cSld>
+  <p:clrMapOvr>
+    <a:masterClrMapping/>
+  </p:clrMapOvr>
+</p:sld>
+</file>
+
+<file path=ppt/slides/slide34.xml><?xml version="1.0" encoding="utf-8"?>
 <p:sld xmlns:a="http://schemas.openxmlformats.org/drawingml/2006/main" xmlns:r="http://schemas.openxmlformats.org/officeDocument/2006/relationships" xmlns:p="http://schemas.openxmlformats.org/presentationml/2006/main">
   <p:cSld>
     <p:spTree>
@@ -16215,7 +17928,7 @@
         <p:cNvPr id="1" name="">
           <a:extLst>
             <a:ext uri="{FF2B5EF4-FFF2-40B4-BE49-F238E27FC236}">
-              <a16:creationId xmlns:a16="http://schemas.microsoft.com/office/drawing/2014/main" id="{862C51C3-1423-7699-7AA3-D22562683F1D}"/>
+              <a16:creationId xmlns:a16="http://schemas.microsoft.com/office/drawing/2014/main" id="{9B0CB58B-9208-4D24-F1B7-E5B8B625843D}"/>
             </a:ext>
           </a:extLst>
         </p:cNvPr>
@@ -16235,7 +17948,7 @@
           <p:cNvPr id="2" name="Title 1">
             <a:extLst>
               <a:ext uri="{FF2B5EF4-FFF2-40B4-BE49-F238E27FC236}">
-                <a16:creationId xmlns:a16="http://schemas.microsoft.com/office/drawing/2014/main" id="{B00B3096-B412-7BE8-8B16-944B09C17EC5}"/>
+                <a16:creationId xmlns:a16="http://schemas.microsoft.com/office/drawing/2014/main" id="{73EACDBE-E22E-6689-9DA0-434C6B4E7153}"/>
               </a:ext>
             </a:extLst>
           </p:cNvPr>
@@ -16253,17 +17966,47 @@
           <a:p>
             <a:r>
               <a:rPr lang="en-US" dirty="0"/>
-              <a:t>General Idea</a:t>
+              <a:t>Closeness in Action</a:t>
             </a:r>
           </a:p>
         </p:txBody>
       </p:sp>
-      <p:sp>
-        <p:nvSpPr>
-          <p:cNvPr id="3" name="Content Placeholder 2">
+      <p:pic>
+        <p:nvPicPr>
+          <p:cNvPr id="7" name="Picture 6">
             <a:extLst>
               <a:ext uri="{FF2B5EF4-FFF2-40B4-BE49-F238E27FC236}">
-                <a16:creationId xmlns:a16="http://schemas.microsoft.com/office/drawing/2014/main" id="{E3B7ADE9-67CD-C715-6B59-93386575813F}"/>
+                <a16:creationId xmlns:a16="http://schemas.microsoft.com/office/drawing/2014/main" id="{F247ECE2-C461-56AF-4F63-466D0213CB3B}"/>
+              </a:ext>
+            </a:extLst>
+          </p:cNvPr>
+          <p:cNvPicPr>
+            <a:picLocks noChangeAspect="1"/>
+          </p:cNvPicPr>
+          <p:nvPr/>
+        </p:nvPicPr>
+        <p:blipFill>
+          <a:blip r:embed="rId2"/>
+          <a:stretch>
+            <a:fillRect/>
+          </a:stretch>
+        </p:blipFill>
+        <p:spPr>
+          <a:xfrm>
+            <a:off x="1172233" y="2341691"/>
+            <a:ext cx="9373908" cy="1648055"/>
+          </a:xfrm>
+          <a:prstGeom prst="rect">
+            <a:avLst/>
+          </a:prstGeom>
+        </p:spPr>
+      </p:pic>
+      <p:sp>
+        <p:nvSpPr>
+          <p:cNvPr id="9" name="Content Placeholder 8">
+            <a:extLst>
+              <a:ext uri="{FF2B5EF4-FFF2-40B4-BE49-F238E27FC236}">
+                <a16:creationId xmlns:a16="http://schemas.microsoft.com/office/drawing/2014/main" id="{FD4421E8-3854-0EC7-268B-984646375B5E}"/>
               </a:ext>
             </a:extLst>
           </p:cNvPr>
@@ -16274,188 +18017,850 @@
             <p:ph idx="1"/>
           </p:nvPr>
         </p:nvSpPr>
-        <p:spPr/>
+        <p:spPr>
+          <a:xfrm>
+            <a:off x="838200" y="1690688"/>
+            <a:ext cx="10515600" cy="4351338"/>
+          </a:xfrm>
+        </p:spPr>
         <p:txBody>
           <a:bodyPr/>
           <a:lstStyle/>
           <a:p>
             <a:r>
               <a:rPr lang="en-US" dirty="0"/>
-              <a:t>Take in a lead sheet as a .</a:t>
-            </a:r>
-            <a:r>
-              <a:rPr lang="en-US" dirty="0" err="1"/>
-              <a:t>musicxml</a:t>
-            </a:r>
+              <a:t>Here’s a sample from Mr. PC. The lead looks like this:</a:t>
+            </a:r>
+          </a:p>
+          <a:p>
+            <a:endParaRPr lang="en-US" dirty="0"/>
+          </a:p>
+          <a:p>
+            <a:endParaRPr lang="en-US" dirty="0"/>
+          </a:p>
+          <a:p>
+            <a:endParaRPr lang="en-US" dirty="0"/>
+          </a:p>
+          <a:p>
+            <a:endParaRPr lang="en-US" dirty="0"/>
+          </a:p>
+          <a:p>
             <a:r>
               <a:rPr lang="en-US" dirty="0"/>
-              <a:t> file, then play that tune as a jazz combo.</a:t>
+              <a:t>And our generated solo looks like this:</a:t>
             </a:r>
           </a:p>
         </p:txBody>
       </p:sp>
       <p:pic>
         <p:nvPicPr>
-          <p:cNvPr id="1026" name="Picture 2">
+          <p:cNvPr id="11" name="Picture 10">
             <a:extLst>
               <a:ext uri="{FF2B5EF4-FFF2-40B4-BE49-F238E27FC236}">
-                <a16:creationId xmlns:a16="http://schemas.microsoft.com/office/drawing/2014/main" id="{6EA81BC3-B437-086F-FD98-56DC94025F37}"/>
+                <a16:creationId xmlns:a16="http://schemas.microsoft.com/office/drawing/2014/main" id="{10EB8AD0-6B63-8F80-93F1-1817D59C9960}"/>
               </a:ext>
             </a:extLst>
           </p:cNvPr>
           <p:cNvPicPr>
-            <a:picLocks noChangeAspect="1" noChangeArrowheads="1"/>
+            <a:picLocks noChangeAspect="1"/>
           </p:cNvPicPr>
           <p:nvPr/>
         </p:nvPicPr>
         <p:blipFill>
-          <a:blip r:embed="rId2">
-            <a:extLst>
-              <a:ext uri="{28A0092B-C50C-407E-A947-70E740481C1C}">
-                <a14:useLocalDpi xmlns:a14="http://schemas.microsoft.com/office/drawing/2010/main" val="0"/>
-              </a:ext>
-            </a:extLst>
-          </a:blip>
-          <a:srcRect/>
+          <a:blip r:embed="rId3"/>
           <a:stretch>
             <a:fillRect/>
           </a:stretch>
         </p:blipFill>
-        <p:spPr bwMode="auto">
+        <p:spPr>
           <a:xfrm>
-            <a:off x="589246" y="2797352"/>
-            <a:ext cx="2522014" cy="3514548"/>
+            <a:off x="1172233" y="4871719"/>
+            <a:ext cx="9373908" cy="1400699"/>
           </a:xfrm>
           <a:prstGeom prst="rect">
             <a:avLst/>
           </a:prstGeom>
-          <a:noFill/>
-          <a:extLst>
-            <a:ext uri="{909E8E84-426E-40DD-AFC4-6F175D3DCCD1}">
-              <a14:hiddenFill xmlns:a14="http://schemas.microsoft.com/office/drawing/2010/main">
-                <a:solidFill>
-                  <a:srgbClr val="FFFFFF"/>
-                </a:solidFill>
-              </a14:hiddenFill>
-            </a:ext>
-          </a:extLst>
         </p:spPr>
       </p:pic>
-      <p:sp>
-        <p:nvSpPr>
-          <p:cNvPr id="6" name="TextBox 5">
-            <a:extLst>
-              <a:ext uri="{FF2B5EF4-FFF2-40B4-BE49-F238E27FC236}">
-                <a16:creationId xmlns:a16="http://schemas.microsoft.com/office/drawing/2014/main" id="{9B8F4418-1EEC-30C4-8437-9B336E9EE4EA}"/>
-              </a:ext>
-            </a:extLst>
-          </p:cNvPr>
-          <p:cNvSpPr txBox="1"/>
-          <p:nvPr/>
-        </p:nvSpPr>
-        <p:spPr>
-          <a:xfrm>
-            <a:off x="4595374" y="3954461"/>
-            <a:ext cx="3001251" cy="1200329"/>
-          </a:xfrm>
-          <a:prstGeom prst="rect">
-            <a:avLst/>
-          </a:prstGeom>
-          <a:noFill/>
-          <a:ln>
-            <a:solidFill>
-              <a:schemeClr val="tx1"/>
-            </a:solidFill>
-          </a:ln>
-        </p:spPr>
-        <p:txBody>
-          <a:bodyPr wrap="square" rtlCol="0">
-            <a:spAutoFit/>
-          </a:bodyPr>
-          <a:lstStyle/>
-          <a:p>
-            <a:pPr algn="ctr"/>
-            <a:br>
-              <a:rPr lang="en-US" dirty="0"/>
-            </a:br>
-            <a:r>
-              <a:rPr lang="en-US" dirty="0"/>
-              <a:t>Parse lead sheet to get melody and chords</a:t>
-            </a:r>
-            <a:br>
-              <a:rPr lang="en-US" dirty="0"/>
-            </a:br>
-            <a:endParaRPr lang="en-US" dirty="0"/>
-          </a:p>
-        </p:txBody>
-      </p:sp>
-      <p:cxnSp>
-        <p:nvCxnSpPr>
-          <p:cNvPr id="8" name="Straight Arrow Connector 7">
-            <a:extLst>
-              <a:ext uri="{FF2B5EF4-FFF2-40B4-BE49-F238E27FC236}">
-                <a16:creationId xmlns:a16="http://schemas.microsoft.com/office/drawing/2014/main" id="{9D80D077-4C66-6C26-A651-D5B5DFCCA665}"/>
-              </a:ext>
-            </a:extLst>
-          </p:cNvPr>
-          <p:cNvCxnSpPr>
-            <a:stCxn id="1026" idx="3"/>
-            <a:endCxn id="6" idx="1"/>
-          </p:cNvCxnSpPr>
-          <p:nvPr/>
-        </p:nvCxnSpPr>
-        <p:spPr>
-          <a:xfrm>
-            <a:off x="3111260" y="4554626"/>
-            <a:ext cx="1484114" cy="0"/>
-          </a:xfrm>
-          <a:prstGeom prst="straightConnector1">
-            <a:avLst/>
-          </a:prstGeom>
-          <a:ln>
-            <a:solidFill>
-              <a:schemeClr val="tx1"/>
-            </a:solidFill>
-            <a:tailEnd type="triangle"/>
-          </a:ln>
-        </p:spPr>
-        <p:style>
-          <a:lnRef idx="2">
-            <a:schemeClr val="accent1"/>
-          </a:lnRef>
-          <a:fillRef idx="0">
-            <a:schemeClr val="accent1"/>
-          </a:fillRef>
-          <a:effectRef idx="1">
-            <a:schemeClr val="accent1"/>
-          </a:effectRef>
-          <a:fontRef idx="minor">
-            <a:schemeClr val="tx1"/>
-          </a:fontRef>
-        </p:style>
-      </p:cxnSp>
+      <mc:AlternateContent xmlns:mc="http://schemas.openxmlformats.org/markup-compatibility/2006">
+        <mc:Choice xmlns:p14="http://schemas.microsoft.com/office/powerpoint/2010/main" Requires="p14">
+          <p:contentPart p14:bwMode="auto" r:id="rId4">
+            <p14:nvContentPartPr>
+              <p14:cNvPr id="3" name="Ink 2">
+                <a:extLst>
+                  <a:ext uri="{FF2B5EF4-FFF2-40B4-BE49-F238E27FC236}">
+                    <a16:creationId xmlns:a16="http://schemas.microsoft.com/office/drawing/2014/main" id="{89110085-BF60-9858-D9A9-334F2793369F}"/>
+                  </a:ext>
+                </a:extLst>
+              </p14:cNvPr>
+              <p14:cNvContentPartPr/>
+              <p14:nvPr/>
+            </p14:nvContentPartPr>
+            <p14:xfrm>
+              <a:off x="2245110" y="3252026"/>
+              <a:ext cx="1630800" cy="151920"/>
+            </p14:xfrm>
+          </p:contentPart>
+        </mc:Choice>
+        <mc:Fallback>
+          <p:pic>
+            <p:nvPicPr>
+              <p:cNvPr id="3" name="Ink 2">
+                <a:extLst>
+                  <a:ext uri="{FF2B5EF4-FFF2-40B4-BE49-F238E27FC236}">
+                    <a16:creationId xmlns:a16="http://schemas.microsoft.com/office/drawing/2014/main" id="{89110085-BF60-9858-D9A9-334F2793369F}"/>
+                  </a:ext>
+                </a:extLst>
+              </p:cNvPr>
+              <p:cNvPicPr/>
+              <p:nvPr/>
+            </p:nvPicPr>
+            <p:blipFill>
+              <a:blip r:embed="rId5"/>
+              <a:stretch>
+                <a:fillRect/>
+              </a:stretch>
+            </p:blipFill>
+            <p:spPr>
+              <a:xfrm>
+                <a:off x="2191110" y="3144026"/>
+                <a:ext cx="1738440" cy="367560"/>
+              </a:xfrm>
+              <a:prstGeom prst="rect">
+                <a:avLst/>
+              </a:prstGeom>
+            </p:spPr>
+          </p:pic>
+        </mc:Fallback>
+      </mc:AlternateContent>
+      <mc:AlternateContent xmlns:mc="http://schemas.openxmlformats.org/markup-compatibility/2006">
+        <mc:Choice xmlns:p14="http://schemas.microsoft.com/office/powerpoint/2010/main" Requires="p14">
+          <p:contentPart p14:bwMode="auto" r:id="rId6">
+            <p14:nvContentPartPr>
+              <p14:cNvPr id="4" name="Ink 3">
+                <a:extLst>
+                  <a:ext uri="{FF2B5EF4-FFF2-40B4-BE49-F238E27FC236}">
+                    <a16:creationId xmlns:a16="http://schemas.microsoft.com/office/drawing/2014/main" id="{1A90E265-C79A-FB57-91C6-3B1DED1B3512}"/>
+                  </a:ext>
+                </a:extLst>
+              </p14:cNvPr>
+              <p14:cNvContentPartPr/>
+              <p14:nvPr/>
+            </p14:nvContentPartPr>
+            <p14:xfrm>
+              <a:off x="2198310" y="3194066"/>
+              <a:ext cx="1758600" cy="152280"/>
+            </p14:xfrm>
+          </p:contentPart>
+        </mc:Choice>
+        <mc:Fallback>
+          <p:pic>
+            <p:nvPicPr>
+              <p:cNvPr id="4" name="Ink 3">
+                <a:extLst>
+                  <a:ext uri="{FF2B5EF4-FFF2-40B4-BE49-F238E27FC236}">
+                    <a16:creationId xmlns:a16="http://schemas.microsoft.com/office/drawing/2014/main" id="{1A90E265-C79A-FB57-91C6-3B1DED1B3512}"/>
+                  </a:ext>
+                </a:extLst>
+              </p:cNvPr>
+              <p:cNvPicPr/>
+              <p:nvPr/>
+            </p:nvPicPr>
+            <p:blipFill>
+              <a:blip r:embed="rId7"/>
+              <a:stretch>
+                <a:fillRect/>
+              </a:stretch>
+            </p:blipFill>
+            <p:spPr>
+              <a:xfrm>
+                <a:off x="2144310" y="3086066"/>
+                <a:ext cx="1866240" cy="367920"/>
+              </a:xfrm>
+              <a:prstGeom prst="rect">
+                <a:avLst/>
+              </a:prstGeom>
+            </p:spPr>
+          </p:pic>
+        </mc:Fallback>
+      </mc:AlternateContent>
+      <mc:AlternateContent xmlns:mc="http://schemas.openxmlformats.org/markup-compatibility/2006">
+        <mc:Choice xmlns:p14="http://schemas.microsoft.com/office/powerpoint/2010/main" Requires="p14">
+          <p:contentPart p14:bwMode="auto" r:id="rId8">
+            <p14:nvContentPartPr>
+              <p14:cNvPr id="5" name="Ink 4">
+                <a:extLst>
+                  <a:ext uri="{FF2B5EF4-FFF2-40B4-BE49-F238E27FC236}">
+                    <a16:creationId xmlns:a16="http://schemas.microsoft.com/office/drawing/2014/main" id="{41AB08D3-65BF-97FC-7A9B-76B6B0379F79}"/>
+                  </a:ext>
+                </a:extLst>
+              </p14:cNvPr>
+              <p14:cNvContentPartPr/>
+              <p14:nvPr/>
+            </p14:nvContentPartPr>
+            <p14:xfrm>
+              <a:off x="1921110" y="5465306"/>
+              <a:ext cx="1112760" cy="287640"/>
+            </p14:xfrm>
+          </p:contentPart>
+        </mc:Choice>
+        <mc:Fallback>
+          <p:pic>
+            <p:nvPicPr>
+              <p:cNvPr id="5" name="Ink 4">
+                <a:extLst>
+                  <a:ext uri="{FF2B5EF4-FFF2-40B4-BE49-F238E27FC236}">
+                    <a16:creationId xmlns:a16="http://schemas.microsoft.com/office/drawing/2014/main" id="{41AB08D3-65BF-97FC-7A9B-76B6B0379F79}"/>
+                  </a:ext>
+                </a:extLst>
+              </p:cNvPr>
+              <p:cNvPicPr/>
+              <p:nvPr/>
+            </p:nvPicPr>
+            <p:blipFill>
+              <a:blip r:embed="rId9"/>
+              <a:stretch>
+                <a:fillRect/>
+              </a:stretch>
+            </p:blipFill>
+            <p:spPr>
+              <a:xfrm>
+                <a:off x="1867110" y="5357306"/>
+                <a:ext cx="1220400" cy="503280"/>
+              </a:xfrm>
+              <a:prstGeom prst="rect">
+                <a:avLst/>
+              </a:prstGeom>
+            </p:spPr>
+          </p:pic>
+        </mc:Fallback>
+      </mc:AlternateContent>
+      <mc:AlternateContent xmlns:mc="http://schemas.openxmlformats.org/markup-compatibility/2006">
+        <mc:Choice xmlns:p14="http://schemas.microsoft.com/office/powerpoint/2010/main" Requires="p14">
+          <p:contentPart p14:bwMode="auto" r:id="rId10">
+            <p14:nvContentPartPr>
+              <p14:cNvPr id="6" name="Ink 5">
+                <a:extLst>
+                  <a:ext uri="{FF2B5EF4-FFF2-40B4-BE49-F238E27FC236}">
+                    <a16:creationId xmlns:a16="http://schemas.microsoft.com/office/drawing/2014/main" id="{BB16A0FC-417F-ED75-D6A4-949756D2043A}"/>
+                  </a:ext>
+                </a:extLst>
+              </p14:cNvPr>
+              <p14:cNvContentPartPr/>
+              <p14:nvPr/>
+            </p14:nvContentPartPr>
+            <p14:xfrm>
+              <a:off x="4793550" y="3065906"/>
+              <a:ext cx="1177560" cy="241920"/>
+            </p14:xfrm>
+          </p:contentPart>
+        </mc:Choice>
+        <mc:Fallback>
+          <p:pic>
+            <p:nvPicPr>
+              <p:cNvPr id="6" name="Ink 5">
+                <a:extLst>
+                  <a:ext uri="{FF2B5EF4-FFF2-40B4-BE49-F238E27FC236}">
+                    <a16:creationId xmlns:a16="http://schemas.microsoft.com/office/drawing/2014/main" id="{BB16A0FC-417F-ED75-D6A4-949756D2043A}"/>
+                  </a:ext>
+                </a:extLst>
+              </p:cNvPr>
+              <p:cNvPicPr/>
+              <p:nvPr/>
+            </p:nvPicPr>
+            <p:blipFill>
+              <a:blip r:embed="rId11"/>
+              <a:stretch>
+                <a:fillRect/>
+              </a:stretch>
+            </p:blipFill>
+            <p:spPr>
+              <a:xfrm>
+                <a:off x="4739533" y="2957906"/>
+                <a:ext cx="1285233" cy="457560"/>
+              </a:xfrm>
+              <a:prstGeom prst="rect">
+                <a:avLst/>
+              </a:prstGeom>
+            </p:spPr>
+          </p:pic>
+        </mc:Fallback>
+      </mc:AlternateContent>
+      <mc:AlternateContent xmlns:mc="http://schemas.openxmlformats.org/markup-compatibility/2006">
+        <mc:Choice xmlns:p14="http://schemas.microsoft.com/office/powerpoint/2010/main" Requires="p14">
+          <p:contentPart p14:bwMode="auto" r:id="rId12">
+            <p14:nvContentPartPr>
+              <p14:cNvPr id="8" name="Ink 7">
+                <a:extLst>
+                  <a:ext uri="{FF2B5EF4-FFF2-40B4-BE49-F238E27FC236}">
+                    <a16:creationId xmlns:a16="http://schemas.microsoft.com/office/drawing/2014/main" id="{F50E3BA3-D3D5-2E16-FCDD-5A00A209D824}"/>
+                  </a:ext>
+                </a:extLst>
+              </p14:cNvPr>
+              <p14:cNvContentPartPr/>
+              <p14:nvPr/>
+            </p14:nvContentPartPr>
+            <p14:xfrm>
+              <a:off x="4108470" y="5323106"/>
+              <a:ext cx="1144440" cy="337680"/>
+            </p14:xfrm>
+          </p:contentPart>
+        </mc:Choice>
+        <mc:Fallback>
+          <p:pic>
+            <p:nvPicPr>
+              <p:cNvPr id="8" name="Ink 7">
+                <a:extLst>
+                  <a:ext uri="{FF2B5EF4-FFF2-40B4-BE49-F238E27FC236}">
+                    <a16:creationId xmlns:a16="http://schemas.microsoft.com/office/drawing/2014/main" id="{F50E3BA3-D3D5-2E16-FCDD-5A00A209D824}"/>
+                  </a:ext>
+                </a:extLst>
+              </p:cNvPr>
+              <p:cNvPicPr/>
+              <p:nvPr/>
+            </p:nvPicPr>
+            <p:blipFill>
+              <a:blip r:embed="rId13"/>
+              <a:stretch>
+                <a:fillRect/>
+              </a:stretch>
+            </p:blipFill>
+            <p:spPr>
+              <a:xfrm>
+                <a:off x="4054470" y="5215106"/>
+                <a:ext cx="1252080" cy="553320"/>
+              </a:xfrm>
+              <a:prstGeom prst="rect">
+                <a:avLst/>
+              </a:prstGeom>
+            </p:spPr>
+          </p:pic>
+        </mc:Fallback>
+      </mc:AlternateContent>
+      <mc:AlternateContent xmlns:mc="http://schemas.openxmlformats.org/markup-compatibility/2006">
+        <mc:Choice xmlns:p14="http://schemas.microsoft.com/office/powerpoint/2010/main" Requires="p14">
+          <p:contentPart p14:bwMode="auto" r:id="rId14">
+            <p14:nvContentPartPr>
+              <p14:cNvPr id="10" name="Ink 9">
+                <a:extLst>
+                  <a:ext uri="{FF2B5EF4-FFF2-40B4-BE49-F238E27FC236}">
+                    <a16:creationId xmlns:a16="http://schemas.microsoft.com/office/drawing/2014/main" id="{2EFB0C07-5063-A69C-C82E-9E9DC7DED176}"/>
+                  </a:ext>
+                </a:extLst>
+              </p14:cNvPr>
+              <p14:cNvContentPartPr/>
+              <p14:nvPr/>
+            </p14:nvContentPartPr>
+            <p14:xfrm>
+              <a:off x="4398270" y="8865866"/>
+              <a:ext cx="360" cy="360"/>
+            </p14:xfrm>
+          </p:contentPart>
+        </mc:Choice>
+        <mc:Fallback>
+          <p:pic>
+            <p:nvPicPr>
+              <p:cNvPr id="10" name="Ink 9">
+                <a:extLst>
+                  <a:ext uri="{FF2B5EF4-FFF2-40B4-BE49-F238E27FC236}">
+                    <a16:creationId xmlns:a16="http://schemas.microsoft.com/office/drawing/2014/main" id="{2EFB0C07-5063-A69C-C82E-9E9DC7DED176}"/>
+                  </a:ext>
+                </a:extLst>
+              </p:cNvPr>
+              <p:cNvPicPr/>
+              <p:nvPr/>
+            </p:nvPicPr>
+            <p:blipFill>
+              <a:blip r:embed="rId15"/>
+              <a:stretch>
+                <a:fillRect/>
+              </a:stretch>
+            </p:blipFill>
+            <p:spPr>
+              <a:xfrm>
+                <a:off x="4344270" y="8757866"/>
+                <a:ext cx="108000" cy="216000"/>
+              </a:xfrm>
+              <a:prstGeom prst="rect">
+                <a:avLst/>
+              </a:prstGeom>
+            </p:spPr>
+          </p:pic>
+        </mc:Fallback>
+      </mc:AlternateContent>
+      <mc:AlternateContent xmlns:mc="http://schemas.openxmlformats.org/markup-compatibility/2006">
+        <mc:Choice xmlns:p14="http://schemas.microsoft.com/office/powerpoint/2010/main" Requires="p14">
+          <p:contentPart p14:bwMode="auto" r:id="rId16">
+            <p14:nvContentPartPr>
+              <p14:cNvPr id="12" name="Ink 11">
+                <a:extLst>
+                  <a:ext uri="{FF2B5EF4-FFF2-40B4-BE49-F238E27FC236}">
+                    <a16:creationId xmlns:a16="http://schemas.microsoft.com/office/drawing/2014/main" id="{77DB67CC-CAD6-F426-CCD8-3C19D7E73C14}"/>
+                  </a:ext>
+                </a:extLst>
+              </p14:cNvPr>
+              <p14:cNvContentPartPr/>
+              <p14:nvPr/>
+            </p14:nvContentPartPr>
+            <p14:xfrm>
+              <a:off x="8159910" y="5648186"/>
+              <a:ext cx="1475640" cy="47520"/>
+            </p14:xfrm>
+          </p:contentPart>
+        </mc:Choice>
+        <mc:Fallback>
+          <p:pic>
+            <p:nvPicPr>
+              <p:cNvPr id="12" name="Ink 11">
+                <a:extLst>
+                  <a:ext uri="{FF2B5EF4-FFF2-40B4-BE49-F238E27FC236}">
+                    <a16:creationId xmlns:a16="http://schemas.microsoft.com/office/drawing/2014/main" id="{77DB67CC-CAD6-F426-CCD8-3C19D7E73C14}"/>
+                  </a:ext>
+                </a:extLst>
+              </p:cNvPr>
+              <p:cNvPicPr/>
+              <p:nvPr/>
+            </p:nvPicPr>
+            <p:blipFill>
+              <a:blip r:embed="rId17"/>
+              <a:stretch>
+                <a:fillRect/>
+              </a:stretch>
+            </p:blipFill>
+            <p:spPr>
+              <a:xfrm>
+                <a:off x="8106270" y="5540546"/>
+                <a:ext cx="1583280" cy="263160"/>
+              </a:xfrm>
+              <a:prstGeom prst="rect">
+                <a:avLst/>
+              </a:prstGeom>
+            </p:spPr>
+          </p:pic>
+        </mc:Fallback>
+      </mc:AlternateContent>
+      <mc:AlternateContent xmlns:mc="http://schemas.openxmlformats.org/markup-compatibility/2006">
+        <mc:Choice xmlns:p14="http://schemas.microsoft.com/office/powerpoint/2010/main" Requires="p14">
+          <p:contentPart p14:bwMode="auto" r:id="rId18">
+            <p14:nvContentPartPr>
+              <p14:cNvPr id="13" name="Ink 12">
+                <a:extLst>
+                  <a:ext uri="{FF2B5EF4-FFF2-40B4-BE49-F238E27FC236}">
+                    <a16:creationId xmlns:a16="http://schemas.microsoft.com/office/drawing/2014/main" id="{754DE7ED-3831-AA82-0A29-7A2131BD57AB}"/>
+                  </a:ext>
+                </a:extLst>
+              </p14:cNvPr>
+              <p14:cNvContentPartPr/>
+              <p14:nvPr/>
+            </p14:nvContentPartPr>
+            <p14:xfrm>
+              <a:off x="8657430" y="3402866"/>
+              <a:ext cx="774720" cy="37440"/>
+            </p14:xfrm>
+          </p:contentPart>
+        </mc:Choice>
+        <mc:Fallback>
+          <p:pic>
+            <p:nvPicPr>
+              <p:cNvPr id="13" name="Ink 12">
+                <a:extLst>
+                  <a:ext uri="{FF2B5EF4-FFF2-40B4-BE49-F238E27FC236}">
+                    <a16:creationId xmlns:a16="http://schemas.microsoft.com/office/drawing/2014/main" id="{754DE7ED-3831-AA82-0A29-7A2131BD57AB}"/>
+                  </a:ext>
+                </a:extLst>
+              </p:cNvPr>
+              <p:cNvPicPr/>
+              <p:nvPr/>
+            </p:nvPicPr>
+            <p:blipFill>
+              <a:blip r:embed="rId19"/>
+              <a:stretch>
+                <a:fillRect/>
+              </a:stretch>
+            </p:blipFill>
+            <p:spPr>
+              <a:xfrm>
+                <a:off x="8603430" y="3294866"/>
+                <a:ext cx="882360" cy="253080"/>
+              </a:xfrm>
+              <a:prstGeom prst="rect">
+                <a:avLst/>
+              </a:prstGeom>
+            </p:spPr>
+          </p:pic>
+        </mc:Fallback>
+      </mc:AlternateContent>
     </p:spTree>
     <p:extLst>
       <p:ext uri="{BB962C8B-B14F-4D97-AF65-F5344CB8AC3E}">
-        <p14:creationId xmlns:p14="http://schemas.microsoft.com/office/powerpoint/2010/main" val="2221226973"/>
+        <p14:creationId xmlns:p14="http://schemas.microsoft.com/office/powerpoint/2010/main" val="3489827533"/>
       </p:ext>
     </p:extLst>
   </p:cSld>
   <p:clrMapOvr>
     <a:masterClrMapping/>
   </p:clrMapOvr>
-  <mc:AlternateContent xmlns:mc="http://schemas.openxmlformats.org/markup-compatibility/2006" xmlns:p159="http://schemas.microsoft.com/office/powerpoint/2015/09/main">
-    <mc:Choice Requires="p159">
-      <p:transition xmlns:p14="http://schemas.microsoft.com/office/powerpoint/2010/main" spd="slow" p14:dur="2000">
-        <p159:morph option="byObject"/>
-      </p:transition>
-    </mc:Choice>
-    <mc:Fallback xmlns="">
-      <p:transition spd="slow">
-        <p:fade/>
-      </p:transition>
-    </mc:Fallback>
-  </mc:AlternateContent>
+  <p:transition spd="slow">
+    <p:wipe/>
+  </p:transition>
+</p:sld>
+</file>
+
+<file path=ppt/slides/slide35.xml><?xml version="1.0" encoding="utf-8"?>
+<p:sld xmlns:a="http://schemas.openxmlformats.org/drawingml/2006/main" xmlns:r="http://schemas.openxmlformats.org/officeDocument/2006/relationships" xmlns:p="http://schemas.openxmlformats.org/presentationml/2006/main">
+  <p:cSld>
+    <p:spTree>
+      <p:nvGrpSpPr>
+        <p:cNvPr id="1" name=""/>
+        <p:cNvGrpSpPr/>
+        <p:nvPr/>
+      </p:nvGrpSpPr>
+      <p:grpSpPr>
+        <a:xfrm>
+          <a:off x="0" y="0"/>
+          <a:ext cx="0" cy="0"/>
+          <a:chOff x="0" y="0"/>
+          <a:chExt cx="0" cy="0"/>
+        </a:xfrm>
+      </p:grpSpPr>
+      <p:sp>
+        <p:nvSpPr>
+          <p:cNvPr id="2" name="Title 1">
+            <a:extLst>
+              <a:ext uri="{FF2B5EF4-FFF2-40B4-BE49-F238E27FC236}">
+                <a16:creationId xmlns:a16="http://schemas.microsoft.com/office/drawing/2014/main" id="{62A1DD25-28CC-DCF6-54D2-F9562DF4B1EA}"/>
+              </a:ext>
+            </a:extLst>
+          </p:cNvPr>
+          <p:cNvSpPr>
+            <a:spLocks noGrp="1"/>
+          </p:cNvSpPr>
+          <p:nvPr>
+            <p:ph type="title"/>
+          </p:nvPr>
+        </p:nvSpPr>
+        <p:spPr/>
+        <p:txBody>
+          <a:bodyPr/>
+          <a:lstStyle/>
+          <a:p>
+            <a:r>
+              <a:rPr lang="en-US" dirty="0"/>
+              <a:t>Changes we would make</a:t>
+            </a:r>
+          </a:p>
+        </p:txBody>
+      </p:sp>
+      <p:sp>
+        <p:nvSpPr>
+          <p:cNvPr id="3" name="Content Placeholder 2">
+            <a:extLst>
+              <a:ext uri="{FF2B5EF4-FFF2-40B4-BE49-F238E27FC236}">
+                <a16:creationId xmlns:a16="http://schemas.microsoft.com/office/drawing/2014/main" id="{0854AAE4-6DCE-7A51-4DEF-933B0B051937}"/>
+              </a:ext>
+            </a:extLst>
+          </p:cNvPr>
+          <p:cNvSpPr>
+            <a:spLocks noGrp="1"/>
+          </p:cNvSpPr>
+          <p:nvPr>
+            <p:ph idx="1"/>
+          </p:nvPr>
+        </p:nvSpPr>
+        <p:spPr/>
+        <p:txBody>
+          <a:bodyPr/>
+          <a:lstStyle/>
+          <a:p>
+            <a:r>
+              <a:rPr lang="en-US" dirty="0"/>
+              <a:t>Define solo phrases to have specific shapes</a:t>
+            </a:r>
+          </a:p>
+          <a:p>
+            <a:r>
+              <a:rPr lang="en-US" dirty="0"/>
+              <a:t>Big band version???</a:t>
+            </a:r>
+          </a:p>
+          <a:p>
+            <a:r>
+              <a:rPr lang="en-US" dirty="0"/>
+              <a:t>Implore music21 developers to include a way of swinging music</a:t>
+            </a:r>
+          </a:p>
+          <a:p>
+            <a:r>
+              <a:rPr lang="en-US" dirty="0"/>
+              <a:t>Include more edge cases for lead “ingestion”</a:t>
+            </a:r>
+          </a:p>
+          <a:p>
+            <a:pPr lvl="1"/>
+            <a:r>
+              <a:rPr lang="en-US" dirty="0"/>
+              <a:t>Taglines, pickups, No Chords, shout sections, rhythm markers, etc.</a:t>
+            </a:r>
+          </a:p>
+          <a:p>
+            <a:pPr lvl="1"/>
+            <a:r>
+              <a:rPr lang="en-US" dirty="0"/>
+              <a:t>Jazz is complex and there are no standards for lead sheets</a:t>
+            </a:r>
+          </a:p>
+          <a:p>
+            <a:endParaRPr lang="en-US" dirty="0"/>
+          </a:p>
+          <a:p>
+            <a:endParaRPr lang="en-US" dirty="0"/>
+          </a:p>
+        </p:txBody>
+      </p:sp>
+    </p:spTree>
+    <p:extLst>
+      <p:ext uri="{BB962C8B-B14F-4D97-AF65-F5344CB8AC3E}">
+        <p14:creationId xmlns:p14="http://schemas.microsoft.com/office/powerpoint/2010/main" val="948595850"/>
+      </p:ext>
+    </p:extLst>
+  </p:cSld>
+  <p:clrMapOvr>
+    <a:masterClrMapping/>
+  </p:clrMapOvr>
+</p:sld>
+</file>
+
+<file path=ppt/slides/slide36.xml><?xml version="1.0" encoding="utf-8"?>
+<p:sld xmlns:a="http://schemas.openxmlformats.org/drawingml/2006/main" xmlns:r="http://schemas.openxmlformats.org/officeDocument/2006/relationships" xmlns:p="http://schemas.openxmlformats.org/presentationml/2006/main">
+  <p:cSld>
+    <p:spTree>
+      <p:nvGrpSpPr>
+        <p:cNvPr id="1" name=""/>
+        <p:cNvGrpSpPr/>
+        <p:nvPr/>
+      </p:nvGrpSpPr>
+      <p:grpSpPr>
+        <a:xfrm>
+          <a:off x="0" y="0"/>
+          <a:ext cx="0" cy="0"/>
+          <a:chOff x="0" y="0"/>
+          <a:chExt cx="0" cy="0"/>
+        </a:xfrm>
+      </p:grpSpPr>
+      <p:sp>
+        <p:nvSpPr>
+          <p:cNvPr id="2" name="Title 1">
+            <a:extLst>
+              <a:ext uri="{FF2B5EF4-FFF2-40B4-BE49-F238E27FC236}">
+                <a16:creationId xmlns:a16="http://schemas.microsoft.com/office/drawing/2014/main" id="{CD03EC06-749F-A8E3-DE0C-68F32C74CF52}"/>
+              </a:ext>
+            </a:extLst>
+          </p:cNvPr>
+          <p:cNvSpPr>
+            <a:spLocks noGrp="1"/>
+          </p:cNvSpPr>
+          <p:nvPr>
+            <p:ph type="title"/>
+          </p:nvPr>
+        </p:nvSpPr>
+        <p:spPr/>
+        <p:txBody>
+          <a:bodyPr/>
+          <a:lstStyle/>
+          <a:p>
+            <a:r>
+              <a:rPr lang="en-US" dirty="0"/>
+              <a:t>Suggestions for future projects</a:t>
+            </a:r>
+          </a:p>
+        </p:txBody>
+      </p:sp>
+      <p:sp>
+        <p:nvSpPr>
+          <p:cNvPr id="3" name="Content Placeholder 2">
+            <a:extLst>
+              <a:ext uri="{FF2B5EF4-FFF2-40B4-BE49-F238E27FC236}">
+                <a16:creationId xmlns:a16="http://schemas.microsoft.com/office/drawing/2014/main" id="{A8A3DD03-31A0-D51F-726A-43A53B93394D}"/>
+              </a:ext>
+            </a:extLst>
+          </p:cNvPr>
+          <p:cNvSpPr>
+            <a:spLocks noGrp="1"/>
+          </p:cNvSpPr>
+          <p:nvPr>
+            <p:ph idx="1"/>
+          </p:nvPr>
+        </p:nvSpPr>
+        <p:spPr/>
+        <p:txBody>
+          <a:bodyPr/>
+          <a:lstStyle/>
+          <a:p>
+            <a:r>
+              <a:rPr lang="en-US" dirty="0"/>
+              <a:t>Don’t. Do. Swing. </a:t>
+            </a:r>
+          </a:p>
+          <a:p>
+            <a:r>
+              <a:rPr lang="en-US" dirty="0"/>
+              <a:t>More interesting generation algorithms could be cool, a lot of our choices were very “but this sounds better” without consulting mathematics or anything</a:t>
+            </a:r>
+          </a:p>
+          <a:p>
+            <a:r>
+              <a:rPr lang="en-US" dirty="0"/>
+              <a:t>Or, on the other hand, make good music and focus less on following the algorithm exactly</a:t>
+            </a:r>
+          </a:p>
+        </p:txBody>
+      </p:sp>
+    </p:spTree>
+    <p:extLst>
+      <p:ext uri="{BB962C8B-B14F-4D97-AF65-F5344CB8AC3E}">
+        <p14:creationId xmlns:p14="http://schemas.microsoft.com/office/powerpoint/2010/main" val="661651952"/>
+      </p:ext>
+    </p:extLst>
+  </p:cSld>
+  <p:clrMapOvr>
+    <a:masterClrMapping/>
+  </p:clrMapOvr>
+</p:sld>
+</file>
+
+<file path=ppt/slides/slide37.xml><?xml version="1.0" encoding="utf-8"?>
+<p:sld xmlns:a="http://schemas.openxmlformats.org/drawingml/2006/main" xmlns:r="http://schemas.openxmlformats.org/officeDocument/2006/relationships" xmlns:p="http://schemas.openxmlformats.org/presentationml/2006/main">
+  <p:cSld>
+    <p:spTree>
+      <p:nvGrpSpPr>
+        <p:cNvPr id="1" name=""/>
+        <p:cNvGrpSpPr/>
+        <p:nvPr/>
+      </p:nvGrpSpPr>
+      <p:grpSpPr>
+        <a:xfrm>
+          <a:off x="0" y="0"/>
+          <a:ext cx="0" cy="0"/>
+          <a:chOff x="0" y="0"/>
+          <a:chExt cx="0" cy="0"/>
+        </a:xfrm>
+      </p:grpSpPr>
+      <p:sp>
+        <p:nvSpPr>
+          <p:cNvPr id="2" name="Title 1">
+            <a:extLst>
+              <a:ext uri="{FF2B5EF4-FFF2-40B4-BE49-F238E27FC236}">
+                <a16:creationId xmlns:a16="http://schemas.microsoft.com/office/drawing/2014/main" id="{C2852A3B-0F25-0B69-3786-8A22415AF8B8}"/>
+              </a:ext>
+            </a:extLst>
+          </p:cNvPr>
+          <p:cNvSpPr>
+            <a:spLocks noGrp="1"/>
+          </p:cNvSpPr>
+          <p:nvPr>
+            <p:ph type="title"/>
+          </p:nvPr>
+        </p:nvSpPr>
+        <p:spPr>
+          <a:xfrm>
+            <a:off x="838200" y="2301449"/>
+            <a:ext cx="10515600" cy="1325563"/>
+          </a:xfrm>
+        </p:spPr>
+        <p:txBody>
+          <a:bodyPr/>
+          <a:lstStyle/>
+          <a:p>
+            <a:pPr algn="ctr"/>
+            <a:r>
+              <a:rPr lang="en-US" dirty="0"/>
+              <a:t>Thanks! Questions?</a:t>
+            </a:r>
+          </a:p>
+        </p:txBody>
+      </p:sp>
+      <p:sp>
+        <p:nvSpPr>
+          <p:cNvPr id="3" name="Content Placeholder 2">
+            <a:extLst>
+              <a:ext uri="{FF2B5EF4-FFF2-40B4-BE49-F238E27FC236}">
+                <a16:creationId xmlns:a16="http://schemas.microsoft.com/office/drawing/2014/main" id="{7219691A-70FB-1033-F7DA-D5855DC07785}"/>
+              </a:ext>
+            </a:extLst>
+          </p:cNvPr>
+          <p:cNvSpPr>
+            <a:spLocks noGrp="1"/>
+          </p:cNvSpPr>
+          <p:nvPr>
+            <p:ph idx="1"/>
+          </p:nvPr>
+        </p:nvSpPr>
+        <p:spPr>
+          <a:xfrm>
+            <a:off x="838200" y="4556551"/>
+            <a:ext cx="10515600" cy="4351338"/>
+          </a:xfrm>
+        </p:spPr>
+        <p:txBody>
+          <a:bodyPr/>
+          <a:lstStyle/>
+          <a:p>
+            <a:pPr marL="0" indent="0">
+              <a:buNone/>
+            </a:pPr>
+            <a:r>
+              <a:rPr lang="en-US" b="1" dirty="0"/>
+              <a:t>Works Cited</a:t>
+            </a:r>
+          </a:p>
+          <a:p>
+            <a:r>
+              <a:rPr lang="en-US" dirty="0"/>
+              <a:t>J. A. Biles, "</a:t>
+            </a:r>
+            <a:r>
+              <a:rPr lang="en-US" dirty="0" err="1"/>
+              <a:t>GenJam</a:t>
+            </a:r>
+            <a:r>
+              <a:rPr lang="en-US" dirty="0"/>
+              <a:t>: A Genetic Algorithm for Generating Jazz Solos," in </a:t>
+            </a:r>
+            <a:r>
+              <a:rPr lang="en-US" i="1" dirty="0"/>
+              <a:t>Proc. Int. </a:t>
+            </a:r>
+            <a:r>
+              <a:rPr lang="en-US" i="1" dirty="0" err="1"/>
+              <a:t>Comput</a:t>
+            </a:r>
+            <a:r>
+              <a:rPr lang="en-US" i="1" dirty="0"/>
+              <a:t>. Music Conf. (ICMC)</a:t>
+            </a:r>
+            <a:r>
+              <a:rPr lang="en-US" dirty="0"/>
+              <a:t>, Aarhus, Denmark, 1994, pp. 131–137.</a:t>
+            </a:r>
+          </a:p>
+          <a:p>
+            <a:pPr marL="0" indent="0">
+              <a:buNone/>
+            </a:pPr>
+            <a:endParaRPr lang="en-US" dirty="0"/>
+          </a:p>
+        </p:txBody>
+      </p:sp>
+    </p:spTree>
+    <p:extLst>
+      <p:ext uri="{BB962C8B-B14F-4D97-AF65-F5344CB8AC3E}">
+        <p14:creationId xmlns:p14="http://schemas.microsoft.com/office/powerpoint/2010/main" val="2019644980"/>
+      </p:ext>
+    </p:extLst>
+  </p:cSld>
+  <p:clrMapOvr>
+    <a:masterClrMapping/>
+  </p:clrMapOvr>
 </p:sld>
 </file>
 
@@ -18314,7 +20719,7 @@
             </a:pPr>
             <a:r>
               <a:rPr lang="en-US" dirty="0"/>
-              <a:t>Double-bass solo</a:t>
+              <a:t>Saxophone solo</a:t>
             </a:r>
           </a:p>
           <a:p>
@@ -18324,7 +20729,7 @@
             </a:pPr>
             <a:r>
               <a:rPr lang="en-US" dirty="0"/>
-              <a:t>Saxophone solo</a:t>
+              <a:t>Piano and sax trades</a:t>
             </a:r>
           </a:p>
         </p:txBody>
@@ -18626,8 +21031,12 @@
           </a:p>
           <a:p>
             <a:r>
+              <a:rPr lang="en-US" dirty="0" err="1"/>
+              <a:t>GenJam</a:t>
+            </a:r>
+            <a:r>
               <a:rPr lang="en-US" dirty="0"/>
-              <a:t>CITE PAPER This paper gave us a good starting point of what notes we should play over a given chord:</a:t>
+              <a:t> paper gave us a good starting point of what notes we should play over a given chord (Biles, 1994):</a:t>
             </a:r>
           </a:p>
         </p:txBody>

--- a/CS150 final presentation.pptx
+++ b/CS150 final presentation.pptx
@@ -14479,7 +14479,7 @@
           <a:p>
             <a:r>
               <a:rPr lang="en-US" dirty="0"/>
-              <a:t>Piano Accompaniment: MC rhythm selection  </a:t>
+              <a:t>Piano Accompaniment: Monte Carlo rhythm selection  </a:t>
             </a:r>
           </a:p>
         </p:txBody>
@@ -14518,7 +14518,7 @@
           <a:p>
             <a:r>
               <a:rPr lang="en-US" dirty="0"/>
-              <a:t>Generate a MC rhythm that spans a given chord</a:t>
+              <a:t>Generate a Monte Carlo rhythm that spans a given chord</a:t>
             </a:r>
           </a:p>
           <a:p>
@@ -14554,7 +14554,7 @@
             </a:pPr>
             <a:r>
               <a:rPr lang="en-US" dirty="0"/>
-              <a:t>Map notes and rests to MC rhythm</a:t>
+              <a:t>Map notes and rests to Monte Carlo rhythm</a:t>
             </a:r>
           </a:p>
           <a:p>
@@ -15687,7 +15687,7 @@
           <a:p>
             <a:r>
               <a:rPr lang="en-US" dirty="0"/>
-              <a:t>Piano Accompaniment: MC rhythm selection  </a:t>
+              <a:t>Piano Accompaniment: Monte Carlo rhythm selection  </a:t>
             </a:r>
           </a:p>
         </p:txBody>
@@ -15731,7 +15731,7 @@
           <a:p>
             <a:r>
               <a:rPr lang="en-US" dirty="0"/>
-              <a:t>Generate a MC rhythm that spans a given chord</a:t>
+              <a:t>Generate a Monte Carlo rhythm that spans a given chord</a:t>
             </a:r>
           </a:p>
           <a:p>
@@ -16201,7 +16201,7 @@
           <a:p>
             <a:r>
               <a:rPr lang="en-US" dirty="0"/>
-              <a:t>Piano Accompaniment: MC rhythm selection  </a:t>
+              <a:t>Piano Accompaniment: Monte Carlo rhythm selection  </a:t>
             </a:r>
           </a:p>
         </p:txBody>
@@ -16245,7 +16245,7 @@
           <a:p>
             <a:r>
               <a:rPr lang="en-US" dirty="0"/>
-              <a:t>Generate a MC rhythm that spans a given chord</a:t>
+              <a:t>Generate a Monte Carlo rhythm that spans a given chord</a:t>
             </a:r>
           </a:p>
           <a:p>
@@ -16472,7 +16472,7 @@
           <a:p>
             <a:r>
               <a:rPr lang="en-US" dirty="0"/>
-              <a:t>Piano Accompaniment: MC rhythm selection  </a:t>
+              <a:t>Piano Accompaniment: Monte Carlo rhythm selection  </a:t>
             </a:r>
           </a:p>
         </p:txBody>
@@ -16516,7 +16516,7 @@
           <a:p>
             <a:r>
               <a:rPr lang="en-US" dirty="0"/>
-              <a:t>Generate a MC rhythm that spans a given chord</a:t>
+              <a:t>Generate a rhythm that spans a given chord</a:t>
             </a:r>
           </a:p>
           <a:p>
@@ -16662,7 +16662,7 @@
         </p:nvSpPr>
         <p:spPr>
           <a:xfrm>
-            <a:off x="8882131" y="1584674"/>
+            <a:off x="9121550" y="1410787"/>
             <a:ext cx="2600814" cy="4893647"/>
           </a:xfrm>
           <a:prstGeom prst="rect">
@@ -16960,7 +16960,7 @@
           <a:p>
             <a:r>
               <a:rPr lang="en-US" dirty="0"/>
-              <a:t>Piano Accompaniment: MC rhythm selection  </a:t>
+              <a:t>Piano Accompaniment: Monte Carlo rhythm selection  </a:t>
             </a:r>
           </a:p>
         </p:txBody>
@@ -17004,7 +17004,7 @@
           <a:p>
             <a:r>
               <a:rPr lang="en-US" dirty="0"/>
-              <a:t>Generate a MC rhythm that spans a given chord</a:t>
+              <a:t>Generate a rhythm that spans a given chord</a:t>
             </a:r>
           </a:p>
           <a:p>
@@ -17150,7 +17150,7 @@
         </p:nvSpPr>
         <p:spPr>
           <a:xfrm>
-            <a:off x="8882131" y="1584674"/>
+            <a:off x="9121550" y="1410787"/>
             <a:ext cx="2600814" cy="4893647"/>
           </a:xfrm>
           <a:prstGeom prst="rect">
